--- a/LTI_Angular/PPT/AngularRouting.pptx
+++ b/LTI_Angular/PPT/AngularRouting.pptx
@@ -7,13 +7,14 @@
   <p:sldIdLst>
     <p:sldId id="256" r:id="rId2"/>
     <p:sldId id="260" r:id="rId3"/>
-    <p:sldId id="261" r:id="rId4"/>
-    <p:sldId id="257" r:id="rId5"/>
-    <p:sldId id="263" r:id="rId6"/>
-    <p:sldId id="264" r:id="rId7"/>
-    <p:sldId id="266" r:id="rId8"/>
-    <p:sldId id="265" r:id="rId9"/>
-    <p:sldId id="259" r:id="rId10"/>
+    <p:sldId id="267" r:id="rId4"/>
+    <p:sldId id="261" r:id="rId5"/>
+    <p:sldId id="257" r:id="rId6"/>
+    <p:sldId id="263" r:id="rId7"/>
+    <p:sldId id="264" r:id="rId8"/>
+    <p:sldId id="266" r:id="rId9"/>
+    <p:sldId id="265" r:id="rId10"/>
+    <p:sldId id="259" r:id="rId11"/>
   </p:sldIdLst>
   <p:sldSz cx="12192000" cy="6858000"/>
   <p:notesSz cx="6858000" cy="9144000"/>
@@ -114,7 +115,7 @@
   </p:defaultTextStyle>
   <p:extLst>
     <p:ext uri="{EFAFB233-063F-42B5-8137-9DF3F51BA10A}">
-      <p15:sldGuideLst xmlns:p15="http://schemas.microsoft.com/office/powerpoint/2012/main"/>
+      <p15:sldGuideLst xmlns="" xmlns:p15="http://schemas.microsoft.com/office/powerpoint/2012/main"/>
     </p:ext>
   </p:extLst>
 </p:presentation>
@@ -142,7 +143,7 @@
           <p:cNvPr id="7" name="Rectangle 6">
             <a:extLst>
               <a:ext uri="{FF2B5EF4-FFF2-40B4-BE49-F238E27FC236}">
-                <a16:creationId xmlns:a16="http://schemas.microsoft.com/office/drawing/2014/main" id="{FB45BD54-D254-4322-AF58-CAE8257A3F82}"/>
+                <a16:creationId xmlns="" xmlns:a16="http://schemas.microsoft.com/office/drawing/2014/main" id="{FB45BD54-D254-4322-AF58-CAE8257A3F82}"/>
               </a:ext>
             </a:extLst>
           </p:cNvPr>
@@ -194,7 +195,7 @@
           <p:cNvPr id="8" name="Rectangle 7">
             <a:extLst>
               <a:ext uri="{FF2B5EF4-FFF2-40B4-BE49-F238E27FC236}">
-                <a16:creationId xmlns:a16="http://schemas.microsoft.com/office/drawing/2014/main" id="{F10DB2E3-BEBB-417E-9A38-25C15BFBA35A}"/>
+                <a16:creationId xmlns="" xmlns:a16="http://schemas.microsoft.com/office/drawing/2014/main" id="{F10DB2E3-BEBB-417E-9A38-25C15BFBA35A}"/>
               </a:ext>
             </a:extLst>
           </p:cNvPr>
@@ -246,49 +247,12 @@
           </a:p>
         </p:txBody>
       </p:sp>
-      <p:pic>
-        <p:nvPicPr>
-          <p:cNvPr id="9" name="Picture 8">
-            <a:extLst>
-              <a:ext uri="{FF2B5EF4-FFF2-40B4-BE49-F238E27FC236}">
-                <a16:creationId xmlns:a16="http://schemas.microsoft.com/office/drawing/2014/main" id="{D263A75F-78DF-42A9-BC21-1C7D5E55C115}"/>
-              </a:ext>
-            </a:extLst>
-          </p:cNvPr>
-          <p:cNvPicPr>
-            <a:picLocks noChangeAspect="1"/>
-          </p:cNvPicPr>
-          <p:nvPr/>
-        </p:nvPicPr>
-        <p:blipFill>
-          <a:blip r:embed="rId2">
-            <a:biLevel thresh="25000"/>
-            <a:extLst>
-              <a:ext uri="{28A0092B-C50C-407E-A947-70E740481C1C}">
-                <a14:useLocalDpi xmlns:a14="http://schemas.microsoft.com/office/drawing/2010/main" val="0"/>
-              </a:ext>
-            </a:extLst>
-          </a:blip>
-          <a:stretch>
-            <a:fillRect/>
-          </a:stretch>
-        </p:blipFill>
-        <p:spPr>
-          <a:xfrm>
-            <a:off x="452427" y="2435170"/>
-            <a:ext cx="2650991" cy="1213895"/>
-          </a:xfrm>
-          <a:prstGeom prst="rect">
-            <a:avLst/>
-          </a:prstGeom>
-        </p:spPr>
-      </p:pic>
       <p:sp>
         <p:nvSpPr>
           <p:cNvPr id="10" name="Rectangle 9">
             <a:extLst>
               <a:ext uri="{FF2B5EF4-FFF2-40B4-BE49-F238E27FC236}">
-                <a16:creationId xmlns:a16="http://schemas.microsoft.com/office/drawing/2014/main" id="{2B1FEF01-CFDC-4705-BBAE-88BD256BEE19}"/>
+                <a16:creationId xmlns="" xmlns:a16="http://schemas.microsoft.com/office/drawing/2014/main" id="{2B1FEF01-CFDC-4705-BBAE-88BD256BEE19}"/>
               </a:ext>
             </a:extLst>
           </p:cNvPr>
@@ -350,7 +314,7 @@
           <p:cNvPr id="11" name="Rectangle 10">
             <a:extLst>
               <a:ext uri="{FF2B5EF4-FFF2-40B4-BE49-F238E27FC236}">
-                <a16:creationId xmlns:a16="http://schemas.microsoft.com/office/drawing/2014/main" id="{776D622D-9BE6-4C9D-8064-B078A5E909E2}"/>
+                <a16:creationId xmlns="" xmlns:a16="http://schemas.microsoft.com/office/drawing/2014/main" id="{776D622D-9BE6-4C9D-8064-B078A5E909E2}"/>
               </a:ext>
             </a:extLst>
           </p:cNvPr>
@@ -412,7 +376,7 @@
           <p:cNvPr id="12" name="Rectangle 11">
             <a:extLst>
               <a:ext uri="{FF2B5EF4-FFF2-40B4-BE49-F238E27FC236}">
-                <a16:creationId xmlns:a16="http://schemas.microsoft.com/office/drawing/2014/main" id="{7B9C8AFD-31CF-44B5-815D-F706827DA94E}"/>
+                <a16:creationId xmlns="" xmlns:a16="http://schemas.microsoft.com/office/drawing/2014/main" id="{7B9C8AFD-31CF-44B5-815D-F706827DA94E}"/>
               </a:ext>
             </a:extLst>
           </p:cNvPr>
@@ -474,7 +438,7 @@
           <p:cNvPr id="13" name="Rectangle 12">
             <a:extLst>
               <a:ext uri="{FF2B5EF4-FFF2-40B4-BE49-F238E27FC236}">
-                <a16:creationId xmlns:a16="http://schemas.microsoft.com/office/drawing/2014/main" id="{CCB5F93B-4C98-41CB-94D6-75C066006312}"/>
+                <a16:creationId xmlns="" xmlns:a16="http://schemas.microsoft.com/office/drawing/2014/main" id="{CCB5F93B-4C98-41CB-94D6-75C066006312}"/>
               </a:ext>
             </a:extLst>
           </p:cNvPr>
@@ -531,84 +495,12 @@
           </a:p>
         </p:txBody>
       </p:sp>
-      <p:pic>
-        <p:nvPicPr>
-          <p:cNvPr id="14" name="Picture 13">
-            <a:extLst>
-              <a:ext uri="{FF2B5EF4-FFF2-40B4-BE49-F238E27FC236}">
-                <a16:creationId xmlns:a16="http://schemas.microsoft.com/office/drawing/2014/main" id="{0F325318-E234-4F36-8B87-16BA513E587C}"/>
-              </a:ext>
-            </a:extLst>
-          </p:cNvPr>
-          <p:cNvPicPr>
-            <a:picLocks noChangeAspect="1"/>
-          </p:cNvPicPr>
-          <p:nvPr/>
-        </p:nvPicPr>
-        <p:blipFill>
-          <a:blip r:embed="rId3">
-            <a:extLst>
-              <a:ext uri="{28A0092B-C50C-407E-A947-70E740481C1C}">
-                <a14:useLocalDpi xmlns:a14="http://schemas.microsoft.com/office/drawing/2010/main" val="0"/>
-              </a:ext>
-            </a:extLst>
-          </a:blip>
-          <a:stretch>
-            <a:fillRect/>
-          </a:stretch>
-        </p:blipFill>
-        <p:spPr>
-          <a:xfrm>
-            <a:off x="8162724" y="5082520"/>
-            <a:ext cx="1724772" cy="496382"/>
-          </a:xfrm>
-          <a:prstGeom prst="rect">
-            <a:avLst/>
-          </a:prstGeom>
-        </p:spPr>
-      </p:pic>
-      <p:pic>
-        <p:nvPicPr>
-          <p:cNvPr id="15" name="Picture 14">
-            <a:extLst>
-              <a:ext uri="{FF2B5EF4-FFF2-40B4-BE49-F238E27FC236}">
-                <a16:creationId xmlns:a16="http://schemas.microsoft.com/office/drawing/2014/main" id="{33C151AA-4A07-419B-9ED6-CEF6AC61C135}"/>
-              </a:ext>
-            </a:extLst>
-          </p:cNvPr>
-          <p:cNvPicPr>
-            <a:picLocks noChangeAspect="1"/>
-          </p:cNvPicPr>
-          <p:nvPr/>
-        </p:nvPicPr>
-        <p:blipFill>
-          <a:blip r:embed="rId4">
-            <a:extLst>
-              <a:ext uri="{28A0092B-C50C-407E-A947-70E740481C1C}">
-                <a14:useLocalDpi xmlns:a14="http://schemas.microsoft.com/office/drawing/2010/main" val="0"/>
-              </a:ext>
-            </a:extLst>
-          </a:blip>
-          <a:stretch>
-            <a:fillRect/>
-          </a:stretch>
-        </p:blipFill>
-        <p:spPr>
-          <a:xfrm>
-            <a:off x="5699516" y="4978669"/>
-            <a:ext cx="2166937" cy="704084"/>
-          </a:xfrm>
-          <a:prstGeom prst="rect">
-            <a:avLst/>
-          </a:prstGeom>
-        </p:spPr>
-      </p:pic>
       <p:sp>
         <p:nvSpPr>
           <p:cNvPr id="2" name="Title 1">
             <a:extLst>
               <a:ext uri="{FF2B5EF4-FFF2-40B4-BE49-F238E27FC236}">
-                <a16:creationId xmlns:a16="http://schemas.microsoft.com/office/drawing/2014/main" id="{357F1B1E-B7D1-4F84-BC64-4CE0DB37DA10}"/>
+                <a16:creationId xmlns="" xmlns:a16="http://schemas.microsoft.com/office/drawing/2014/main" id="{357F1B1E-B7D1-4F84-BC64-4CE0DB37DA10}"/>
               </a:ext>
             </a:extLst>
           </p:cNvPr>
@@ -656,7 +548,7 @@
           <p:cNvPr id="3" name="Subtitle 2">
             <a:extLst>
               <a:ext uri="{FF2B5EF4-FFF2-40B4-BE49-F238E27FC236}">
-                <a16:creationId xmlns:a16="http://schemas.microsoft.com/office/drawing/2014/main" id="{EE486D6E-6BA8-4C52-924A-59253267AF57}"/>
+                <a16:creationId xmlns="" xmlns:a16="http://schemas.microsoft.com/office/drawing/2014/main" id="{EE486D6E-6BA8-4C52-924A-59253267AF57}"/>
               </a:ext>
             </a:extLst>
           </p:cNvPr>
@@ -664,7 +556,7 @@
             <a:spLocks noGrp="1"/>
           </p:cNvSpPr>
           <p:nvPr>
-            <p:ph type="subTitle" idx="1"/>
+            <p:ph type="subTitle" idx="1" hasCustomPrompt="1"/>
           </p:nvPr>
         </p:nvSpPr>
         <p:spPr>
@@ -720,8 +612,8 @@
           </a:lstStyle>
           <a:p>
             <a:r>
-              <a:rPr lang="en-US"/>
-              <a:t>Click to edit Master subtitle style</a:t>
+              <a:rPr lang="en-US" dirty="0" smtClean="0"/>
+              <a:t>Microsoft Technology</a:t>
             </a:r>
             <a:endParaRPr lang="en-US" dirty="0"/>
           </a:p>
@@ -732,7 +624,7 @@
           <p:cNvPr id="4" name="Date Placeholder 3">
             <a:extLst>
               <a:ext uri="{FF2B5EF4-FFF2-40B4-BE49-F238E27FC236}">
-                <a16:creationId xmlns:a16="http://schemas.microsoft.com/office/drawing/2014/main" id="{D3A3C5C8-6BE2-42E9-8B5A-2ED21D041198}"/>
+                <a16:creationId xmlns="" xmlns:a16="http://schemas.microsoft.com/office/drawing/2014/main" id="{D3A3C5C8-6BE2-42E9-8B5A-2ED21D041198}"/>
               </a:ext>
             </a:extLst>
           </p:cNvPr>
@@ -750,7 +642,8 @@
           <a:p>
             <a:fld id="{D2474CCF-98B4-411A-8810-C31E8C29E19B}" type="datetimeFigureOut">
               <a:rPr lang="en-US" smtClean="0"/>
-              <a:t>7/7/2022</a:t>
+              <a:pPr/>
+              <a:t>2/15/2024</a:t>
             </a:fld>
             <a:endParaRPr lang="en-US"/>
           </a:p>
@@ -761,7 +654,7 @@
           <p:cNvPr id="5" name="Footer Placeholder 4">
             <a:extLst>
               <a:ext uri="{FF2B5EF4-FFF2-40B4-BE49-F238E27FC236}">
-                <a16:creationId xmlns:a16="http://schemas.microsoft.com/office/drawing/2014/main" id="{5318EDC7-CDC2-4407-9F8F-C0CEAA400966}"/>
+                <a16:creationId xmlns="" xmlns:a16="http://schemas.microsoft.com/office/drawing/2014/main" id="{5318EDC7-CDC2-4407-9F8F-C0CEAA400966}"/>
               </a:ext>
             </a:extLst>
           </p:cNvPr>
@@ -777,7 +670,15 @@
           <a:bodyPr/>
           <a:lstStyle/>
           <a:p>
-            <a:endParaRPr lang="en-US"/>
+            <a:r>
+              <a:rPr lang="en-IN" dirty="0" err="1" smtClean="0"/>
+              <a:t>Sarita</a:t>
+            </a:r>
+            <a:r>
+              <a:rPr lang="en-IN" dirty="0" smtClean="0"/>
+              <a:t> Lad Corporate Trainer for CG,LTI,HCL, DXC Technology</a:t>
+            </a:r>
+            <a:endParaRPr lang="en-US" dirty="0"/>
           </a:p>
         </p:txBody>
       </p:sp>
@@ -786,7 +687,7 @@
           <p:cNvPr id="6" name="Slide Number Placeholder 5">
             <a:extLst>
               <a:ext uri="{FF2B5EF4-FFF2-40B4-BE49-F238E27FC236}">
-                <a16:creationId xmlns:a16="http://schemas.microsoft.com/office/drawing/2014/main" id="{B6F695F3-58FF-4760-B1DC-C5025EA66D87}"/>
+                <a16:creationId xmlns="" xmlns:a16="http://schemas.microsoft.com/office/drawing/2014/main" id="{B6F695F3-58FF-4760-B1DC-C5025EA66D87}"/>
               </a:ext>
             </a:extLst>
           </p:cNvPr>
@@ -804,6 +705,7 @@
           <a:p>
             <a:fld id="{A1FD0E78-183D-4F7D-A18B-8A4BED7B6988}" type="slidenum">
               <a:rPr lang="en-US" smtClean="0"/>
+              <a:pPr/>
               <a:t>‹#›</a:t>
             </a:fld>
             <a:endParaRPr lang="en-US"/>
@@ -815,7 +717,7 @@
           <p:cNvPr id="17" name="Straight Connector 16">
             <a:extLst>
               <a:ext uri="{FF2B5EF4-FFF2-40B4-BE49-F238E27FC236}">
-                <a16:creationId xmlns:a16="http://schemas.microsoft.com/office/drawing/2014/main" id="{70565CEE-49E5-468C-A0B4-83E886C61D84}"/>
+                <a16:creationId xmlns="" xmlns:a16="http://schemas.microsoft.com/office/drawing/2014/main" id="{70565CEE-49E5-468C-A0B4-83E886C61D84}"/>
               </a:ext>
             </a:extLst>
           </p:cNvPr>
@@ -851,7 +753,7 @@
           <p:cNvPr id="18" name="Freeform: Shape 17">
             <a:extLst>
               <a:ext uri="{FF2B5EF4-FFF2-40B4-BE49-F238E27FC236}">
-                <a16:creationId xmlns:a16="http://schemas.microsoft.com/office/drawing/2014/main" id="{740C7E80-A24C-4396-B051-437EF1D79AB8}"/>
+                <a16:creationId xmlns="" xmlns:a16="http://schemas.microsoft.com/office/drawing/2014/main" id="{740C7E80-A24C-4396-B051-437EF1D79AB8}"/>
               </a:ext>
             </a:extLst>
           </p:cNvPr>
@@ -948,7 +850,7 @@
           <p:cNvPr id="19" name="Freeform: Shape 18">
             <a:extLst>
               <a:ext uri="{FF2B5EF4-FFF2-40B4-BE49-F238E27FC236}">
-                <a16:creationId xmlns:a16="http://schemas.microsoft.com/office/drawing/2014/main" id="{C52EBDC4-1E90-4F52-92F1-8C4F5999C539}"/>
+                <a16:creationId xmlns="" xmlns:a16="http://schemas.microsoft.com/office/drawing/2014/main" id="{C52EBDC4-1E90-4F52-92F1-8C4F5999C539}"/>
               </a:ext>
             </a:extLst>
           </p:cNvPr>
@@ -1040,10 +942,34 @@
           </a:p>
         </p:txBody>
       </p:sp>
+      <p:pic>
+        <p:nvPicPr>
+          <p:cNvPr id="20" name="Picture 19" descr="12-08-3.jpg"/>
+          <p:cNvPicPr>
+            <a:picLocks noChangeAspect="1"/>
+          </p:cNvPicPr>
+          <p:nvPr userDrawn="1"/>
+        </p:nvPicPr>
+        <p:blipFill>
+          <a:blip r:embed="rId2" cstate="print"/>
+          <a:stretch>
+            <a:fillRect/>
+          </a:stretch>
+        </p:blipFill>
+        <p:spPr>
+          <a:xfrm>
+            <a:off x="1111723" y="1902950"/>
+            <a:ext cx="1456944" cy="1804416"/>
+          </a:xfrm>
+          <a:prstGeom prst="rect">
+            <a:avLst/>
+          </a:prstGeom>
+        </p:spPr>
+      </p:pic>
     </p:spTree>
     <p:extLst>
       <p:ext uri="{BB962C8B-B14F-4D97-AF65-F5344CB8AC3E}">
-        <p14:creationId xmlns:p14="http://schemas.microsoft.com/office/powerpoint/2010/main" val="1137530690"/>
+        <p14:creationId xmlns="" xmlns:p14="http://schemas.microsoft.com/office/powerpoint/2010/main" val="1137530690"/>
       </p:ext>
     </p:extLst>
   </p:cSld>
@@ -1075,7 +1001,7 @@
           <p:cNvPr id="2" name="Title 1">
             <a:extLst>
               <a:ext uri="{FF2B5EF4-FFF2-40B4-BE49-F238E27FC236}">
-                <a16:creationId xmlns:a16="http://schemas.microsoft.com/office/drawing/2014/main" id="{954B1346-0FB6-45C7-A96E-DBDDF4C7C069}"/>
+                <a16:creationId xmlns="" xmlns:a16="http://schemas.microsoft.com/office/drawing/2014/main" id="{954B1346-0FB6-45C7-A96E-DBDDF4C7C069}"/>
               </a:ext>
             </a:extLst>
           </p:cNvPr>
@@ -1103,7 +1029,7 @@
           <p:cNvPr id="3" name="Vertical Text Placeholder 2">
             <a:extLst>
               <a:ext uri="{FF2B5EF4-FFF2-40B4-BE49-F238E27FC236}">
-                <a16:creationId xmlns:a16="http://schemas.microsoft.com/office/drawing/2014/main" id="{5C29AF55-8DB4-4235-B18B-7CA1658AEA7D}"/>
+                <a16:creationId xmlns="" xmlns:a16="http://schemas.microsoft.com/office/drawing/2014/main" id="{5C29AF55-8DB4-4235-B18B-7CA1658AEA7D}"/>
               </a:ext>
             </a:extLst>
           </p:cNvPr>
@@ -1160,7 +1086,7 @@
           <p:cNvPr id="4" name="Date Placeholder 3">
             <a:extLst>
               <a:ext uri="{FF2B5EF4-FFF2-40B4-BE49-F238E27FC236}">
-                <a16:creationId xmlns:a16="http://schemas.microsoft.com/office/drawing/2014/main" id="{1AF36DFF-55B4-41FE-BF5D-FC115ECB708B}"/>
+                <a16:creationId xmlns="" xmlns:a16="http://schemas.microsoft.com/office/drawing/2014/main" id="{1AF36DFF-55B4-41FE-BF5D-FC115ECB708B}"/>
               </a:ext>
             </a:extLst>
           </p:cNvPr>
@@ -1178,7 +1104,8 @@
           <a:p>
             <a:fld id="{D2474CCF-98B4-411A-8810-C31E8C29E19B}" type="datetimeFigureOut">
               <a:rPr lang="en-US" smtClean="0"/>
-              <a:t>7/7/2022</a:t>
+              <a:pPr/>
+              <a:t>2/15/2024</a:t>
             </a:fld>
             <a:endParaRPr lang="en-US"/>
           </a:p>
@@ -1189,7 +1116,7 @@
           <p:cNvPr id="5" name="Footer Placeholder 4">
             <a:extLst>
               <a:ext uri="{FF2B5EF4-FFF2-40B4-BE49-F238E27FC236}">
-                <a16:creationId xmlns:a16="http://schemas.microsoft.com/office/drawing/2014/main" id="{CB1B04A8-2C06-4BAA-A780-6380C576F998}"/>
+                <a16:creationId xmlns="" xmlns:a16="http://schemas.microsoft.com/office/drawing/2014/main" id="{CB1B04A8-2C06-4BAA-A780-6380C576F998}"/>
               </a:ext>
             </a:extLst>
           </p:cNvPr>
@@ -1214,7 +1141,7 @@
           <p:cNvPr id="6" name="Slide Number Placeholder 5">
             <a:extLst>
               <a:ext uri="{FF2B5EF4-FFF2-40B4-BE49-F238E27FC236}">
-                <a16:creationId xmlns:a16="http://schemas.microsoft.com/office/drawing/2014/main" id="{5A3476E6-F3EA-4F13-B40F-1978B532D33E}"/>
+                <a16:creationId xmlns="" xmlns:a16="http://schemas.microsoft.com/office/drawing/2014/main" id="{5A3476E6-F3EA-4F13-B40F-1978B532D33E}"/>
               </a:ext>
             </a:extLst>
           </p:cNvPr>
@@ -1232,6 +1159,7 @@
           <a:p>
             <a:fld id="{A1FD0E78-183D-4F7D-A18B-8A4BED7B6988}" type="slidenum">
               <a:rPr lang="en-US" smtClean="0"/>
+              <a:pPr/>
               <a:t>‹#›</a:t>
             </a:fld>
             <a:endParaRPr lang="en-US"/>
@@ -1241,7 +1169,7 @@
     </p:spTree>
     <p:extLst>
       <p:ext uri="{BB962C8B-B14F-4D97-AF65-F5344CB8AC3E}">
-        <p14:creationId xmlns:p14="http://schemas.microsoft.com/office/powerpoint/2010/main" val="1738558996"/>
+        <p14:creationId xmlns="" xmlns:p14="http://schemas.microsoft.com/office/powerpoint/2010/main" val="1738558996"/>
       </p:ext>
     </p:extLst>
   </p:cSld>
@@ -1273,7 +1201,7 @@
           <p:cNvPr id="2" name="Vertical Title 1">
             <a:extLst>
               <a:ext uri="{FF2B5EF4-FFF2-40B4-BE49-F238E27FC236}">
-                <a16:creationId xmlns:a16="http://schemas.microsoft.com/office/drawing/2014/main" id="{8BDEE29A-7B74-4351-AF12-4B1C4A1C76B4}"/>
+                <a16:creationId xmlns="" xmlns:a16="http://schemas.microsoft.com/office/drawing/2014/main" id="{8BDEE29A-7B74-4351-AF12-4B1C4A1C76B4}"/>
               </a:ext>
             </a:extLst>
           </p:cNvPr>
@@ -1306,7 +1234,7 @@
           <p:cNvPr id="3" name="Vertical Text Placeholder 2">
             <a:extLst>
               <a:ext uri="{FF2B5EF4-FFF2-40B4-BE49-F238E27FC236}">
-                <a16:creationId xmlns:a16="http://schemas.microsoft.com/office/drawing/2014/main" id="{003DBD61-8BBB-4413-B521-69C6BA2EBDB8}"/>
+                <a16:creationId xmlns="" xmlns:a16="http://schemas.microsoft.com/office/drawing/2014/main" id="{003DBD61-8BBB-4413-B521-69C6BA2EBDB8}"/>
               </a:ext>
             </a:extLst>
           </p:cNvPr>
@@ -1368,7 +1296,7 @@
           <p:cNvPr id="4" name="Date Placeholder 3">
             <a:extLst>
               <a:ext uri="{FF2B5EF4-FFF2-40B4-BE49-F238E27FC236}">
-                <a16:creationId xmlns:a16="http://schemas.microsoft.com/office/drawing/2014/main" id="{83B486CF-3404-43E2-AAB7-B052FC466837}"/>
+                <a16:creationId xmlns="" xmlns:a16="http://schemas.microsoft.com/office/drawing/2014/main" id="{83B486CF-3404-43E2-AAB7-B052FC466837}"/>
               </a:ext>
             </a:extLst>
           </p:cNvPr>
@@ -1386,7 +1314,8 @@
           <a:p>
             <a:fld id="{D2474CCF-98B4-411A-8810-C31E8C29E19B}" type="datetimeFigureOut">
               <a:rPr lang="en-US" smtClean="0"/>
-              <a:t>7/7/2022</a:t>
+              <a:pPr/>
+              <a:t>2/15/2024</a:t>
             </a:fld>
             <a:endParaRPr lang="en-US"/>
           </a:p>
@@ -1397,7 +1326,7 @@
           <p:cNvPr id="5" name="Footer Placeholder 4">
             <a:extLst>
               <a:ext uri="{FF2B5EF4-FFF2-40B4-BE49-F238E27FC236}">
-                <a16:creationId xmlns:a16="http://schemas.microsoft.com/office/drawing/2014/main" id="{F37AE448-840B-441A-88AC-D0E89CE174BF}"/>
+                <a16:creationId xmlns="" xmlns:a16="http://schemas.microsoft.com/office/drawing/2014/main" id="{F37AE448-840B-441A-88AC-D0E89CE174BF}"/>
               </a:ext>
             </a:extLst>
           </p:cNvPr>
@@ -1422,7 +1351,7 @@
           <p:cNvPr id="6" name="Slide Number Placeholder 5">
             <a:extLst>
               <a:ext uri="{FF2B5EF4-FFF2-40B4-BE49-F238E27FC236}">
-                <a16:creationId xmlns:a16="http://schemas.microsoft.com/office/drawing/2014/main" id="{E3356B10-E457-4193-8E4C-4179814527ED}"/>
+                <a16:creationId xmlns="" xmlns:a16="http://schemas.microsoft.com/office/drawing/2014/main" id="{E3356B10-E457-4193-8E4C-4179814527ED}"/>
               </a:ext>
             </a:extLst>
           </p:cNvPr>
@@ -1440,6 +1369,7 @@
           <a:p>
             <a:fld id="{A1FD0E78-183D-4F7D-A18B-8A4BED7B6988}" type="slidenum">
               <a:rPr lang="en-US" smtClean="0"/>
+              <a:pPr/>
               <a:t>‹#›</a:t>
             </a:fld>
             <a:endParaRPr lang="en-US"/>
@@ -1449,7 +1379,7 @@
     </p:spTree>
     <p:extLst>
       <p:ext uri="{BB962C8B-B14F-4D97-AF65-F5344CB8AC3E}">
-        <p14:creationId xmlns:p14="http://schemas.microsoft.com/office/powerpoint/2010/main" val="1506037322"/>
+        <p14:creationId xmlns="" xmlns:p14="http://schemas.microsoft.com/office/powerpoint/2010/main" val="1506037322"/>
       </p:ext>
     </p:extLst>
   </p:cSld>
@@ -1481,7 +1411,7 @@
           <p:cNvPr id="7" name="Rectangle 6">
             <a:extLst>
               <a:ext uri="{FF2B5EF4-FFF2-40B4-BE49-F238E27FC236}">
-                <a16:creationId xmlns:a16="http://schemas.microsoft.com/office/drawing/2014/main" id="{A8C48660-697D-4BB9-97F6-A5BB6C764668}"/>
+                <a16:creationId xmlns="" xmlns:a16="http://schemas.microsoft.com/office/drawing/2014/main" id="{A8C48660-697D-4BB9-97F6-A5BB6C764668}"/>
               </a:ext>
             </a:extLst>
           </p:cNvPr>
@@ -1530,7 +1460,7 @@
           <p:cNvPr id="8" name="Rectangle 7">
             <a:extLst>
               <a:ext uri="{FF2B5EF4-FFF2-40B4-BE49-F238E27FC236}">
-                <a16:creationId xmlns:a16="http://schemas.microsoft.com/office/drawing/2014/main" id="{BD0BE8EE-2EB2-435C-9D5A-AAA15842A36C}"/>
+                <a16:creationId xmlns="" xmlns:a16="http://schemas.microsoft.com/office/drawing/2014/main" id="{BD0BE8EE-2EB2-435C-9D5A-AAA15842A36C}"/>
               </a:ext>
             </a:extLst>
           </p:cNvPr>
@@ -1587,7 +1517,7 @@
           <p:cNvPr id="9" name="Rectangle 8">
             <a:extLst>
               <a:ext uri="{FF2B5EF4-FFF2-40B4-BE49-F238E27FC236}">
-                <a16:creationId xmlns:a16="http://schemas.microsoft.com/office/drawing/2014/main" id="{423355C8-5657-4103-B600-59803F24DBFF}"/>
+                <a16:creationId xmlns="" xmlns:a16="http://schemas.microsoft.com/office/drawing/2014/main" id="{423355C8-5657-4103-B600-59803F24DBFF}"/>
               </a:ext>
             </a:extLst>
           </p:cNvPr>
@@ -1649,7 +1579,7 @@
           <p:cNvPr id="10" name="Rectangle 9">
             <a:extLst>
               <a:ext uri="{FF2B5EF4-FFF2-40B4-BE49-F238E27FC236}">
-                <a16:creationId xmlns:a16="http://schemas.microsoft.com/office/drawing/2014/main" id="{CFF2C038-CD71-4DD5-AD56-49FB9C0E8AF6}"/>
+                <a16:creationId xmlns="" xmlns:a16="http://schemas.microsoft.com/office/drawing/2014/main" id="{CFF2C038-CD71-4DD5-AD56-49FB9C0E8AF6}"/>
               </a:ext>
             </a:extLst>
           </p:cNvPr>
@@ -1711,7 +1641,7 @@
           <p:cNvPr id="11" name="Rectangle 10">
             <a:extLst>
               <a:ext uri="{FF2B5EF4-FFF2-40B4-BE49-F238E27FC236}">
-                <a16:creationId xmlns:a16="http://schemas.microsoft.com/office/drawing/2014/main" id="{D626EA1A-6BCF-4846-ABF3-498AD8F1EC82}"/>
+                <a16:creationId xmlns="" xmlns:a16="http://schemas.microsoft.com/office/drawing/2014/main" id="{D626EA1A-6BCF-4846-ABF3-498AD8F1EC82}"/>
               </a:ext>
             </a:extLst>
           </p:cNvPr>
@@ -1773,7 +1703,7 @@
           <p:cNvPr id="12" name="Rectangle 11">
             <a:extLst>
               <a:ext uri="{FF2B5EF4-FFF2-40B4-BE49-F238E27FC236}">
-                <a16:creationId xmlns:a16="http://schemas.microsoft.com/office/drawing/2014/main" id="{E91F1E9A-33FE-49BA-B69E-30EA3CC61DB9}"/>
+                <a16:creationId xmlns="" xmlns:a16="http://schemas.microsoft.com/office/drawing/2014/main" id="{E91F1E9A-33FE-49BA-B69E-30EA3CC61DB9}"/>
               </a:ext>
             </a:extLst>
           </p:cNvPr>
@@ -1830,48 +1760,12 @@
           </a:p>
         </p:txBody>
       </p:sp>
-      <p:pic>
-        <p:nvPicPr>
-          <p:cNvPr id="13" name="Picture 12">
-            <a:extLst>
-              <a:ext uri="{FF2B5EF4-FFF2-40B4-BE49-F238E27FC236}">
-                <a16:creationId xmlns:a16="http://schemas.microsoft.com/office/drawing/2014/main" id="{B9CD68B3-2898-4D6B-B5C2-F62D51C485D5}"/>
-              </a:ext>
-            </a:extLst>
-          </p:cNvPr>
-          <p:cNvPicPr>
-            <a:picLocks noChangeAspect="1"/>
-          </p:cNvPicPr>
-          <p:nvPr/>
-        </p:nvPicPr>
-        <p:blipFill>
-          <a:blip r:embed="rId2">
-            <a:extLst>
-              <a:ext uri="{28A0092B-C50C-407E-A947-70E740481C1C}">
-                <a14:useLocalDpi xmlns:a14="http://schemas.microsoft.com/office/drawing/2010/main" val="0"/>
-              </a:ext>
-            </a:extLst>
-          </a:blip>
-          <a:stretch>
-            <a:fillRect/>
-          </a:stretch>
-        </p:blipFill>
-        <p:spPr>
-          <a:xfrm>
-            <a:off x="9792281" y="278160"/>
-            <a:ext cx="2153769" cy="415804"/>
-          </a:xfrm>
-          <a:prstGeom prst="rect">
-            <a:avLst/>
-          </a:prstGeom>
-        </p:spPr>
-      </p:pic>
       <p:grpSp>
         <p:nvGrpSpPr>
           <p:cNvPr id="14" name="Group 13">
             <a:extLst>
               <a:ext uri="{FF2B5EF4-FFF2-40B4-BE49-F238E27FC236}">
-                <a16:creationId xmlns:a16="http://schemas.microsoft.com/office/drawing/2014/main" id="{C4873B59-2742-4F87-99A9-E1AA8FCD8E50}"/>
+                <a16:creationId xmlns="" xmlns:a16="http://schemas.microsoft.com/office/drawing/2014/main" id="{C4873B59-2742-4F87-99A9-E1AA8FCD8E50}"/>
               </a:ext>
             </a:extLst>
           </p:cNvPr>
@@ -1891,7 +1785,7 @@
             <p:cNvPr id="15" name="Picture 14">
               <a:extLst>
                 <a:ext uri="{FF2B5EF4-FFF2-40B4-BE49-F238E27FC236}">
-                  <a16:creationId xmlns:a16="http://schemas.microsoft.com/office/drawing/2014/main" id="{289441B2-4EF5-4599-887F-42F7A59ADD20}"/>
+                  <a16:creationId xmlns="" xmlns:a16="http://schemas.microsoft.com/office/drawing/2014/main" id="{289441B2-4EF5-4599-887F-42F7A59ADD20}"/>
                 </a:ext>
               </a:extLst>
             </p:cNvPr>
@@ -1901,10 +1795,10 @@
             <p:nvPr/>
           </p:nvPicPr>
           <p:blipFill>
-            <a:blip r:embed="rId3">
+            <a:blip r:embed="rId2">
               <a:extLst>
                 <a:ext uri="{28A0092B-C50C-407E-A947-70E740481C1C}">
-                  <a14:useLocalDpi xmlns:a14="http://schemas.microsoft.com/office/drawing/2010/main" val="0"/>
+                  <a14:useLocalDpi xmlns="" xmlns:a14="http://schemas.microsoft.com/office/drawing/2010/main" val="0"/>
                 </a:ext>
               </a:extLst>
             </a:blip>
@@ -1927,7 +1821,7 @@
             <p:cNvPr id="16" name="Rectangle 15">
               <a:extLst>
                 <a:ext uri="{FF2B5EF4-FFF2-40B4-BE49-F238E27FC236}">
-                  <a16:creationId xmlns:a16="http://schemas.microsoft.com/office/drawing/2014/main" id="{C4F730E1-3FAD-4138-ACCA-276E0BBA031B}"/>
+                  <a16:creationId xmlns="" xmlns:a16="http://schemas.microsoft.com/office/drawing/2014/main" id="{C4F730E1-3FAD-4138-ACCA-276E0BBA031B}"/>
                 </a:ext>
               </a:extLst>
             </p:cNvPr>
@@ -1982,7 +1876,7 @@
           <p:cNvPr id="2" name="Title 1">
             <a:extLst>
               <a:ext uri="{FF2B5EF4-FFF2-40B4-BE49-F238E27FC236}">
-                <a16:creationId xmlns:a16="http://schemas.microsoft.com/office/drawing/2014/main" id="{3F08D64F-302C-4B73-A9F2-946CA338260A}"/>
+                <a16:creationId xmlns="" xmlns:a16="http://schemas.microsoft.com/office/drawing/2014/main" id="{3F08D64F-302C-4B73-A9F2-946CA338260A}"/>
               </a:ext>
             </a:extLst>
           </p:cNvPr>
@@ -2028,7 +1922,7 @@
           <p:cNvPr id="3" name="Content Placeholder 2">
             <a:extLst>
               <a:ext uri="{FF2B5EF4-FFF2-40B4-BE49-F238E27FC236}">
-                <a16:creationId xmlns:a16="http://schemas.microsoft.com/office/drawing/2014/main" id="{372EB2DC-2ADD-4476-921C-5457C12D154E}"/>
+                <a16:creationId xmlns="" xmlns:a16="http://schemas.microsoft.com/office/drawing/2014/main" id="{372EB2DC-2ADD-4476-921C-5457C12D154E}"/>
               </a:ext>
             </a:extLst>
           </p:cNvPr>
@@ -2144,7 +2038,7 @@
           <p:cNvPr id="4" name="Date Placeholder 3">
             <a:extLst>
               <a:ext uri="{FF2B5EF4-FFF2-40B4-BE49-F238E27FC236}">
-                <a16:creationId xmlns:a16="http://schemas.microsoft.com/office/drawing/2014/main" id="{C68B0C41-3748-45BA-AC12-3356750D6CCC}"/>
+                <a16:creationId xmlns="" xmlns:a16="http://schemas.microsoft.com/office/drawing/2014/main" id="{C68B0C41-3748-45BA-AC12-3356750D6CCC}"/>
               </a:ext>
             </a:extLst>
           </p:cNvPr>
@@ -2162,7 +2056,8 @@
           <a:p>
             <a:fld id="{D2474CCF-98B4-411A-8810-C31E8C29E19B}" type="datetimeFigureOut">
               <a:rPr lang="en-US" smtClean="0"/>
-              <a:t>7/7/2022</a:t>
+              <a:pPr/>
+              <a:t>2/15/2024</a:t>
             </a:fld>
             <a:endParaRPr lang="en-US"/>
           </a:p>
@@ -2173,7 +2068,7 @@
           <p:cNvPr id="5" name="Footer Placeholder 4">
             <a:extLst>
               <a:ext uri="{FF2B5EF4-FFF2-40B4-BE49-F238E27FC236}">
-                <a16:creationId xmlns:a16="http://schemas.microsoft.com/office/drawing/2014/main" id="{B2BC5298-80C2-435C-BE19-55A311B75B01}"/>
+                <a16:creationId xmlns="" xmlns:a16="http://schemas.microsoft.com/office/drawing/2014/main" id="{B2BC5298-80C2-435C-BE19-55A311B75B01}"/>
               </a:ext>
             </a:extLst>
           </p:cNvPr>
@@ -2198,7 +2093,7 @@
           <p:cNvPr id="6" name="Slide Number Placeholder 5">
             <a:extLst>
               <a:ext uri="{FF2B5EF4-FFF2-40B4-BE49-F238E27FC236}">
-                <a16:creationId xmlns:a16="http://schemas.microsoft.com/office/drawing/2014/main" id="{81E8E2F2-0AF5-4302-9483-8FB2AC4A12E3}"/>
+                <a16:creationId xmlns="" xmlns:a16="http://schemas.microsoft.com/office/drawing/2014/main" id="{81E8E2F2-0AF5-4302-9483-8FB2AC4A12E3}"/>
               </a:ext>
             </a:extLst>
           </p:cNvPr>
@@ -2216,16 +2111,50 @@
           <a:p>
             <a:fld id="{A1FD0E78-183D-4F7D-A18B-8A4BED7B6988}" type="slidenum">
               <a:rPr lang="en-US" smtClean="0"/>
+              <a:pPr/>
               <a:t>‹#›</a:t>
             </a:fld>
             <a:endParaRPr lang="en-US"/>
           </a:p>
         </p:txBody>
       </p:sp>
+      <p:pic>
+        <p:nvPicPr>
+          <p:cNvPr id="20481" name="Picture 1"/>
+          <p:cNvPicPr>
+            <a:picLocks noChangeAspect="1" noChangeArrowheads="1"/>
+          </p:cNvPicPr>
+          <p:nvPr userDrawn="1"/>
+        </p:nvPicPr>
+        <p:blipFill>
+          <a:blip r:embed="rId3"/>
+          <a:srcRect/>
+          <a:stretch>
+            <a:fillRect/>
+          </a:stretch>
+        </p:blipFill>
+        <p:spPr bwMode="auto">
+          <a:xfrm>
+            <a:off x="9601200" y="321046"/>
+            <a:ext cx="2590800" cy="695325"/>
+          </a:xfrm>
+          <a:prstGeom prst="rect">
+            <a:avLst/>
+          </a:prstGeom>
+          <a:noFill/>
+          <a:ln w="9525">
+            <a:noFill/>
+            <a:miter lim="800000"/>
+            <a:headEnd/>
+            <a:tailEnd/>
+          </a:ln>
+          <a:effectLst/>
+        </p:spPr>
+      </p:pic>
     </p:spTree>
     <p:extLst>
       <p:ext uri="{BB962C8B-B14F-4D97-AF65-F5344CB8AC3E}">
-        <p14:creationId xmlns:p14="http://schemas.microsoft.com/office/powerpoint/2010/main" val="4191452652"/>
+        <p14:creationId xmlns="" xmlns:p14="http://schemas.microsoft.com/office/powerpoint/2010/main" val="4191452652"/>
       </p:ext>
     </p:extLst>
   </p:cSld>
@@ -2257,7 +2186,7 @@
           <p:cNvPr id="7" name="Rectangle 6">
             <a:extLst>
               <a:ext uri="{FF2B5EF4-FFF2-40B4-BE49-F238E27FC236}">
-                <a16:creationId xmlns:a16="http://schemas.microsoft.com/office/drawing/2014/main" id="{CD1C76EB-EFA3-4D98-BF85-9CBAD51246C3}"/>
+                <a16:creationId xmlns="" xmlns:a16="http://schemas.microsoft.com/office/drawing/2014/main" id="{CD1C76EB-EFA3-4D98-BF85-9CBAD51246C3}"/>
               </a:ext>
             </a:extLst>
           </p:cNvPr>
@@ -2309,16 +2238,16 @@
           <p:cNvPr id="8" name="Rectangle 7">
             <a:extLst>
               <a:ext uri="{FF2B5EF4-FFF2-40B4-BE49-F238E27FC236}">
-                <a16:creationId xmlns:a16="http://schemas.microsoft.com/office/drawing/2014/main" id="{70F9218A-B816-4B5F-A0BE-D0AAD688BCDE}"/>
+                <a16:creationId xmlns="" xmlns:a16="http://schemas.microsoft.com/office/drawing/2014/main" id="{70F9218A-B816-4B5F-A0BE-D0AAD688BCDE}"/>
               </a:ext>
             </a:extLst>
           </p:cNvPr>
           <p:cNvSpPr/>
-          <p:nvPr/>
+          <p:nvPr userDrawn="1"/>
         </p:nvSpPr>
         <p:spPr>
           <a:xfrm>
-            <a:off x="3579669" y="198650"/>
+            <a:off x="3782293" y="111095"/>
             <a:ext cx="8409707" cy="6433806"/>
           </a:xfrm>
           <a:prstGeom prst="rect">
@@ -2361,49 +2290,12 @@
           </a:p>
         </p:txBody>
       </p:sp>
-      <p:pic>
-        <p:nvPicPr>
-          <p:cNvPr id="9" name="Picture 8">
-            <a:extLst>
-              <a:ext uri="{FF2B5EF4-FFF2-40B4-BE49-F238E27FC236}">
-                <a16:creationId xmlns:a16="http://schemas.microsoft.com/office/drawing/2014/main" id="{07792D18-2682-4285-9429-837643BCD1C7}"/>
-              </a:ext>
-            </a:extLst>
-          </p:cNvPr>
-          <p:cNvPicPr>
-            <a:picLocks noChangeAspect="1"/>
-          </p:cNvPicPr>
-          <p:nvPr/>
-        </p:nvPicPr>
-        <p:blipFill>
-          <a:blip r:embed="rId2">
-            <a:biLevel thresh="25000"/>
-            <a:extLst>
-              <a:ext uri="{28A0092B-C50C-407E-A947-70E740481C1C}">
-                <a14:useLocalDpi xmlns:a14="http://schemas.microsoft.com/office/drawing/2010/main" val="0"/>
-              </a:ext>
-            </a:extLst>
-          </a:blip>
-          <a:stretch>
-            <a:fillRect/>
-          </a:stretch>
-        </p:blipFill>
-        <p:spPr>
-          <a:xfrm>
-            <a:off x="452427" y="2435170"/>
-            <a:ext cx="2650991" cy="1213895"/>
-          </a:xfrm>
-          <a:prstGeom prst="rect">
-            <a:avLst/>
-          </a:prstGeom>
-        </p:spPr>
-      </p:pic>
       <p:sp>
         <p:nvSpPr>
           <p:cNvPr id="10" name="Rectangle 9">
             <a:extLst>
               <a:ext uri="{FF2B5EF4-FFF2-40B4-BE49-F238E27FC236}">
-                <a16:creationId xmlns:a16="http://schemas.microsoft.com/office/drawing/2014/main" id="{31E5457F-D05E-4FBC-AA16-B4542B833804}"/>
+                <a16:creationId xmlns="" xmlns:a16="http://schemas.microsoft.com/office/drawing/2014/main" id="{31E5457F-D05E-4FBC-AA16-B4542B833804}"/>
               </a:ext>
             </a:extLst>
           </p:cNvPr>
@@ -2465,7 +2357,7 @@
           <p:cNvPr id="11" name="Rectangle 10">
             <a:extLst>
               <a:ext uri="{FF2B5EF4-FFF2-40B4-BE49-F238E27FC236}">
-                <a16:creationId xmlns:a16="http://schemas.microsoft.com/office/drawing/2014/main" id="{3D20450F-F92F-43A7-B557-0485260B48EC}"/>
+                <a16:creationId xmlns="" xmlns:a16="http://schemas.microsoft.com/office/drawing/2014/main" id="{3D20450F-F92F-43A7-B557-0485260B48EC}"/>
               </a:ext>
             </a:extLst>
           </p:cNvPr>
@@ -2527,7 +2419,7 @@
           <p:cNvPr id="12" name="Rectangle 11">
             <a:extLst>
               <a:ext uri="{FF2B5EF4-FFF2-40B4-BE49-F238E27FC236}">
-                <a16:creationId xmlns:a16="http://schemas.microsoft.com/office/drawing/2014/main" id="{20D495CD-0755-4CD0-952C-38FDFD818912}"/>
+                <a16:creationId xmlns="" xmlns:a16="http://schemas.microsoft.com/office/drawing/2014/main" id="{20D495CD-0755-4CD0-952C-38FDFD818912}"/>
               </a:ext>
             </a:extLst>
           </p:cNvPr>
@@ -2589,7 +2481,7 @@
           <p:cNvPr id="13" name="Rectangle 12">
             <a:extLst>
               <a:ext uri="{FF2B5EF4-FFF2-40B4-BE49-F238E27FC236}">
-                <a16:creationId xmlns:a16="http://schemas.microsoft.com/office/drawing/2014/main" id="{F756530E-6471-4A98-9409-D28702635498}"/>
+                <a16:creationId xmlns="" xmlns:a16="http://schemas.microsoft.com/office/drawing/2014/main" id="{F756530E-6471-4A98-9409-D28702635498}"/>
               </a:ext>
             </a:extLst>
           </p:cNvPr>
@@ -2651,7 +2543,7 @@
           <p:cNvPr id="2" name="Title 1">
             <a:extLst>
               <a:ext uri="{FF2B5EF4-FFF2-40B4-BE49-F238E27FC236}">
-                <a16:creationId xmlns:a16="http://schemas.microsoft.com/office/drawing/2014/main" id="{54E16744-0EC5-4409-8030-9D707EE1A1D6}"/>
+                <a16:creationId xmlns="" xmlns:a16="http://schemas.microsoft.com/office/drawing/2014/main" id="{54E16744-0EC5-4409-8030-9D707EE1A1D6}"/>
               </a:ext>
             </a:extLst>
           </p:cNvPr>
@@ -2696,7 +2588,7 @@
           <p:cNvPr id="3" name="Text Placeholder 2">
             <a:extLst>
               <a:ext uri="{FF2B5EF4-FFF2-40B4-BE49-F238E27FC236}">
-                <a16:creationId xmlns:a16="http://schemas.microsoft.com/office/drawing/2014/main" id="{C98CF225-F19A-40FE-9134-ADAC53A2CB8E}"/>
+                <a16:creationId xmlns="" xmlns:a16="http://schemas.microsoft.com/office/drawing/2014/main" id="{C98CF225-F19A-40FE-9134-ADAC53A2CB8E}"/>
               </a:ext>
             </a:extLst>
           </p:cNvPr>
@@ -2822,7 +2714,7 @@
           <p:cNvPr id="4" name="Date Placeholder 3">
             <a:extLst>
               <a:ext uri="{FF2B5EF4-FFF2-40B4-BE49-F238E27FC236}">
-                <a16:creationId xmlns:a16="http://schemas.microsoft.com/office/drawing/2014/main" id="{E6052890-A463-40F0-8781-AB9ECF34701B}"/>
+                <a16:creationId xmlns="" xmlns:a16="http://schemas.microsoft.com/office/drawing/2014/main" id="{E6052890-A463-40F0-8781-AB9ECF34701B}"/>
               </a:ext>
             </a:extLst>
           </p:cNvPr>
@@ -2840,7 +2732,8 @@
           <a:p>
             <a:fld id="{D2474CCF-98B4-411A-8810-C31E8C29E19B}" type="datetimeFigureOut">
               <a:rPr lang="en-US" smtClean="0"/>
-              <a:t>7/7/2022</a:t>
+              <a:pPr/>
+              <a:t>2/15/2024</a:t>
             </a:fld>
             <a:endParaRPr lang="en-US"/>
           </a:p>
@@ -2848,35 +2741,10 @@
       </p:sp>
       <p:sp>
         <p:nvSpPr>
-          <p:cNvPr id="5" name="Footer Placeholder 4">
-            <a:extLst>
-              <a:ext uri="{FF2B5EF4-FFF2-40B4-BE49-F238E27FC236}">
-                <a16:creationId xmlns:a16="http://schemas.microsoft.com/office/drawing/2014/main" id="{4B4EBFC2-28E7-4B50-9949-2BDA85E26BB6}"/>
-              </a:ext>
-            </a:extLst>
-          </p:cNvPr>
-          <p:cNvSpPr>
-            <a:spLocks noGrp="1"/>
-          </p:cNvSpPr>
-          <p:nvPr>
-            <p:ph type="ftr" sz="quarter" idx="11"/>
-          </p:nvPr>
-        </p:nvSpPr>
-        <p:spPr/>
-        <p:txBody>
-          <a:bodyPr/>
-          <a:lstStyle/>
-          <a:p>
-            <a:endParaRPr lang="en-US"/>
-          </a:p>
-        </p:txBody>
-      </p:sp>
-      <p:sp>
-        <p:nvSpPr>
           <p:cNvPr id="6" name="Slide Number Placeholder 5">
             <a:extLst>
               <a:ext uri="{FF2B5EF4-FFF2-40B4-BE49-F238E27FC236}">
-                <a16:creationId xmlns:a16="http://schemas.microsoft.com/office/drawing/2014/main" id="{90C98516-7864-4AE1-84EA-04757DF14368}"/>
+                <a16:creationId xmlns="" xmlns:a16="http://schemas.microsoft.com/office/drawing/2014/main" id="{90C98516-7864-4AE1-84EA-04757DF14368}"/>
               </a:ext>
             </a:extLst>
           </p:cNvPr>
@@ -2894,6 +2762,7 @@
           <a:p>
             <a:fld id="{A1FD0E78-183D-4F7D-A18B-8A4BED7B6988}" type="slidenum">
               <a:rPr lang="en-US" smtClean="0"/>
+              <a:pPr/>
               <a:t>‹#›</a:t>
             </a:fld>
             <a:endParaRPr lang="en-US"/>
@@ -2905,7 +2774,7 @@
           <p:cNvPr id="14" name="Straight Connector 13">
             <a:extLst>
               <a:ext uri="{FF2B5EF4-FFF2-40B4-BE49-F238E27FC236}">
-                <a16:creationId xmlns:a16="http://schemas.microsoft.com/office/drawing/2014/main" id="{709AA055-0DD5-4F16-B6C2-4900CC928098}"/>
+                <a16:creationId xmlns="" xmlns:a16="http://schemas.microsoft.com/office/drawing/2014/main" id="{709AA055-0DD5-4F16-B6C2-4900CC928098}"/>
               </a:ext>
             </a:extLst>
           </p:cNvPr>
@@ -2936,10 +2805,135 @@
           </a:fontRef>
         </p:style>
       </p:cxnSp>
+      <p:pic>
+        <p:nvPicPr>
+          <p:cNvPr id="15" name="Picture 14" descr="12-08-3.jpg"/>
+          <p:cNvPicPr>
+            <a:picLocks noChangeAspect="1"/>
+          </p:cNvPicPr>
+          <p:nvPr userDrawn="1"/>
+        </p:nvPicPr>
+        <p:blipFill>
+          <a:blip r:embed="rId2" cstate="print"/>
+          <a:stretch>
+            <a:fillRect/>
+          </a:stretch>
+        </p:blipFill>
+        <p:spPr>
+          <a:xfrm>
+            <a:off x="1051902" y="2108049"/>
+            <a:ext cx="1456944" cy="1804416"/>
+          </a:xfrm>
+          <a:prstGeom prst="rect">
+            <a:avLst/>
+          </a:prstGeom>
+        </p:spPr>
+      </p:pic>
+      <p:sp>
+        <p:nvSpPr>
+          <p:cNvPr id="16" name="Footer Placeholder 4">
+            <a:extLst>
+              <a:ext uri="{FF2B5EF4-FFF2-40B4-BE49-F238E27FC236}">
+                <a16:creationId xmlns="" xmlns:a16="http://schemas.microsoft.com/office/drawing/2014/main" id="{5318EDC7-CDC2-4407-9F8F-C0CEAA400966}"/>
+              </a:ext>
+            </a:extLst>
+          </p:cNvPr>
+          <p:cNvSpPr txBox="1">
+            <a:spLocks/>
+          </p:cNvSpPr>
+          <p:nvPr userDrawn="1"/>
+        </p:nvSpPr>
+        <p:spPr>
+          <a:xfrm>
+            <a:off x="4002992" y="6141281"/>
+            <a:ext cx="4114800" cy="365125"/>
+          </a:xfrm>
+          <a:prstGeom prst="rect">
+            <a:avLst/>
+          </a:prstGeom>
+        </p:spPr>
+        <p:txBody>
+          <a:bodyPr vert="horz" lIns="91440" tIns="45720" rIns="91440" bIns="45720" rtlCol="0" anchor="ctr"/>
+          <a:lstStyle/>
+          <a:p>
+            <a:pPr marL="0" marR="0" lvl="0" indent="0" algn="ctr" defTabSz="914400" rtl="0" eaLnBrk="1" fontAlgn="auto" latinLnBrk="0" hangingPunct="1">
+              <a:lnSpc>
+                <a:spcPct val="100000"/>
+              </a:lnSpc>
+              <a:spcBef>
+                <a:spcPts val="0"/>
+              </a:spcBef>
+              <a:spcAft>
+                <a:spcPts val="0"/>
+              </a:spcAft>
+              <a:buClrTx/>
+              <a:buSzTx/>
+              <a:buFontTx/>
+              <a:buNone/>
+              <a:tabLst/>
+              <a:defRPr/>
+            </a:pPr>
+            <a:r>
+              <a:rPr kumimoji="0" lang="en-IN" sz="1200" b="0" i="0" u="none" strike="noStrike" kern="1200" cap="none" spc="0" normalizeH="0" baseline="0" noProof="0" dirty="0" err="1" smtClean="0">
+                <a:ln>
+                  <a:noFill/>
+                </a:ln>
+                <a:solidFill>
+                  <a:schemeClr val="tx1">
+                    <a:tint val="75000"/>
+                  </a:schemeClr>
+                </a:solidFill>
+                <a:effectLst/>
+                <a:uLnTx/>
+                <a:uFillTx/>
+                <a:latin typeface="+mn-lt"/>
+                <a:ea typeface="+mn-ea"/>
+                <a:cs typeface="+mn-cs"/>
+              </a:rPr>
+              <a:t>Sarita</a:t>
+            </a:r>
+            <a:r>
+              <a:rPr kumimoji="0" lang="en-IN" sz="1200" b="0" i="0" u="none" strike="noStrike" kern="1200" cap="none" spc="0" normalizeH="0" baseline="0" noProof="0" dirty="0" smtClean="0">
+                <a:ln>
+                  <a:noFill/>
+                </a:ln>
+                <a:solidFill>
+                  <a:schemeClr val="tx1">
+                    <a:tint val="75000"/>
+                  </a:schemeClr>
+                </a:solidFill>
+                <a:effectLst/>
+                <a:uLnTx/>
+                <a:uFillTx/>
+                <a:latin typeface="+mn-lt"/>
+                <a:ea typeface="+mn-ea"/>
+                <a:cs typeface="+mn-cs"/>
+              </a:rPr>
+              <a:t> Lad Corporate Trainer for CG,LTI,HCL, DXC Technology</a:t>
+            </a:r>
+            <a:endParaRPr kumimoji="0" lang="en-US" sz="1200" b="0" i="0" u="none" strike="noStrike" kern="1200" cap="none" spc="0" normalizeH="0" baseline="0" noProof="0" dirty="0">
+              <a:ln>
+                <a:noFill/>
+              </a:ln>
+              <a:solidFill>
+                <a:schemeClr val="tx1">
+                  <a:tint val="75000"/>
+                </a:schemeClr>
+              </a:solidFill>
+              <a:effectLst/>
+              <a:uLnTx/>
+              <a:uFillTx/>
+              <a:latin typeface="+mn-lt"/>
+              <a:ea typeface="+mn-ea"/>
+              <a:cs typeface="+mn-cs"/>
+            </a:endParaRPr>
+          </a:p>
+        </p:txBody>
+      </p:sp>
     </p:spTree>
     <p:extLst>
       <p:ext uri="{BB962C8B-B14F-4D97-AF65-F5344CB8AC3E}">
-        <p14:creationId xmlns:p14="http://schemas.microsoft.com/office/powerpoint/2010/main" val="3753181276"/>
+        <p14:creationId xmlns="" xmlns:p14="http://schemas.microsoft.com/office/powerpoint/2010/main" val="3753181276"/>
       </p:ext>
     </p:extLst>
   </p:cSld>
@@ -2971,7 +2965,7 @@
           <p:cNvPr id="8" name="Rectangle 7">
             <a:extLst>
               <a:ext uri="{FF2B5EF4-FFF2-40B4-BE49-F238E27FC236}">
-                <a16:creationId xmlns:a16="http://schemas.microsoft.com/office/drawing/2014/main" id="{428ED813-B8D0-48D3-B71C-48DF5BDC9A90}"/>
+                <a16:creationId xmlns="" xmlns:a16="http://schemas.microsoft.com/office/drawing/2014/main" id="{428ED813-B8D0-48D3-B71C-48DF5BDC9A90}"/>
               </a:ext>
             </a:extLst>
           </p:cNvPr>
@@ -3020,7 +3014,7 @@
           <p:cNvPr id="9" name="Rectangle 8">
             <a:extLst>
               <a:ext uri="{FF2B5EF4-FFF2-40B4-BE49-F238E27FC236}">
-                <a16:creationId xmlns:a16="http://schemas.microsoft.com/office/drawing/2014/main" id="{FDF0879C-37D2-4E04-A609-4FEBD2EB69A2}"/>
+                <a16:creationId xmlns="" xmlns:a16="http://schemas.microsoft.com/office/drawing/2014/main" id="{FDF0879C-37D2-4E04-A609-4FEBD2EB69A2}"/>
               </a:ext>
             </a:extLst>
           </p:cNvPr>
@@ -3077,7 +3071,7 @@
           <p:cNvPr id="10" name="Rectangle 9">
             <a:extLst>
               <a:ext uri="{FF2B5EF4-FFF2-40B4-BE49-F238E27FC236}">
-                <a16:creationId xmlns:a16="http://schemas.microsoft.com/office/drawing/2014/main" id="{94C859E1-EF9A-419B-B3AC-AEA4B510D174}"/>
+                <a16:creationId xmlns="" xmlns:a16="http://schemas.microsoft.com/office/drawing/2014/main" id="{94C859E1-EF9A-419B-B3AC-AEA4B510D174}"/>
               </a:ext>
             </a:extLst>
           </p:cNvPr>
@@ -3139,7 +3133,7 @@
           <p:cNvPr id="11" name="Rectangle 10">
             <a:extLst>
               <a:ext uri="{FF2B5EF4-FFF2-40B4-BE49-F238E27FC236}">
-                <a16:creationId xmlns:a16="http://schemas.microsoft.com/office/drawing/2014/main" id="{D14C3DBE-5B2C-4C2D-8079-CF803A046CD5}"/>
+                <a16:creationId xmlns="" xmlns:a16="http://schemas.microsoft.com/office/drawing/2014/main" id="{D14C3DBE-5B2C-4C2D-8079-CF803A046CD5}"/>
               </a:ext>
             </a:extLst>
           </p:cNvPr>
@@ -3201,7 +3195,7 @@
           <p:cNvPr id="12" name="Rectangle 11">
             <a:extLst>
               <a:ext uri="{FF2B5EF4-FFF2-40B4-BE49-F238E27FC236}">
-                <a16:creationId xmlns:a16="http://schemas.microsoft.com/office/drawing/2014/main" id="{ECE1258E-5E7B-49D9-AB2A-3FCE6F2AE3D9}"/>
+                <a16:creationId xmlns="" xmlns:a16="http://schemas.microsoft.com/office/drawing/2014/main" id="{ECE1258E-5E7B-49D9-AB2A-3FCE6F2AE3D9}"/>
               </a:ext>
             </a:extLst>
           </p:cNvPr>
@@ -3263,7 +3257,7 @@
           <p:cNvPr id="13" name="Rectangle 12">
             <a:extLst>
               <a:ext uri="{FF2B5EF4-FFF2-40B4-BE49-F238E27FC236}">
-                <a16:creationId xmlns:a16="http://schemas.microsoft.com/office/drawing/2014/main" id="{EF2A0B40-AB4B-42CA-AD19-364DF8432A34}"/>
+                <a16:creationId xmlns="" xmlns:a16="http://schemas.microsoft.com/office/drawing/2014/main" id="{EF2A0B40-AB4B-42CA-AD19-364DF8432A34}"/>
               </a:ext>
             </a:extLst>
           </p:cNvPr>
@@ -3320,48 +3314,12 @@
           </a:p>
         </p:txBody>
       </p:sp>
-      <p:pic>
-        <p:nvPicPr>
-          <p:cNvPr id="14" name="Picture 13">
-            <a:extLst>
-              <a:ext uri="{FF2B5EF4-FFF2-40B4-BE49-F238E27FC236}">
-                <a16:creationId xmlns:a16="http://schemas.microsoft.com/office/drawing/2014/main" id="{5ACF1E32-F9E6-49E7-B655-4856AC619B36}"/>
-              </a:ext>
-            </a:extLst>
-          </p:cNvPr>
-          <p:cNvPicPr>
-            <a:picLocks noChangeAspect="1"/>
-          </p:cNvPicPr>
-          <p:nvPr/>
-        </p:nvPicPr>
-        <p:blipFill>
-          <a:blip r:embed="rId2">
-            <a:extLst>
-              <a:ext uri="{28A0092B-C50C-407E-A947-70E740481C1C}">
-                <a14:useLocalDpi xmlns:a14="http://schemas.microsoft.com/office/drawing/2010/main" val="0"/>
-              </a:ext>
-            </a:extLst>
-          </a:blip>
-          <a:stretch>
-            <a:fillRect/>
-          </a:stretch>
-        </p:blipFill>
-        <p:spPr>
-          <a:xfrm>
-            <a:off x="9792281" y="278160"/>
-            <a:ext cx="2153769" cy="415804"/>
-          </a:xfrm>
-          <a:prstGeom prst="rect">
-            <a:avLst/>
-          </a:prstGeom>
-        </p:spPr>
-      </p:pic>
       <p:sp>
         <p:nvSpPr>
           <p:cNvPr id="2" name="Title 1">
             <a:extLst>
               <a:ext uri="{FF2B5EF4-FFF2-40B4-BE49-F238E27FC236}">
-                <a16:creationId xmlns:a16="http://schemas.microsoft.com/office/drawing/2014/main" id="{F3355067-D68C-4E9D-814B-94F341ACA832}"/>
+                <a16:creationId xmlns="" xmlns:a16="http://schemas.microsoft.com/office/drawing/2014/main" id="{F3355067-D68C-4E9D-814B-94F341ACA832}"/>
               </a:ext>
             </a:extLst>
           </p:cNvPr>
@@ -3389,7 +3347,7 @@
           <p:cNvPr id="3" name="Content Placeholder 2">
             <a:extLst>
               <a:ext uri="{FF2B5EF4-FFF2-40B4-BE49-F238E27FC236}">
-                <a16:creationId xmlns:a16="http://schemas.microsoft.com/office/drawing/2014/main" id="{E7E56A77-566F-415D-85B3-C170D979EF12}"/>
+                <a16:creationId xmlns="" xmlns:a16="http://schemas.microsoft.com/office/drawing/2014/main" id="{E7E56A77-566F-415D-85B3-C170D979EF12}"/>
               </a:ext>
             </a:extLst>
           </p:cNvPr>
@@ -3451,7 +3409,7 @@
           <p:cNvPr id="4" name="Content Placeholder 3">
             <a:extLst>
               <a:ext uri="{FF2B5EF4-FFF2-40B4-BE49-F238E27FC236}">
-                <a16:creationId xmlns:a16="http://schemas.microsoft.com/office/drawing/2014/main" id="{B022F81A-5D76-4DBF-9DF9-92CD90E7067D}"/>
+                <a16:creationId xmlns="" xmlns:a16="http://schemas.microsoft.com/office/drawing/2014/main" id="{B022F81A-5D76-4DBF-9DF9-92CD90E7067D}"/>
               </a:ext>
             </a:extLst>
           </p:cNvPr>
@@ -3513,7 +3471,7 @@
           <p:cNvPr id="5" name="Date Placeholder 4">
             <a:extLst>
               <a:ext uri="{FF2B5EF4-FFF2-40B4-BE49-F238E27FC236}">
-                <a16:creationId xmlns:a16="http://schemas.microsoft.com/office/drawing/2014/main" id="{F71F8005-F81C-45EB-B6F5-872E765EC87A}"/>
+                <a16:creationId xmlns="" xmlns:a16="http://schemas.microsoft.com/office/drawing/2014/main" id="{F71F8005-F81C-45EB-B6F5-872E765EC87A}"/>
               </a:ext>
             </a:extLst>
           </p:cNvPr>
@@ -3531,7 +3489,8 @@
           <a:p>
             <a:fld id="{D2474CCF-98B4-411A-8810-C31E8C29E19B}" type="datetimeFigureOut">
               <a:rPr lang="en-US" smtClean="0"/>
-              <a:t>7/7/2022</a:t>
+              <a:pPr/>
+              <a:t>2/15/2024</a:t>
             </a:fld>
             <a:endParaRPr lang="en-US"/>
           </a:p>
@@ -3542,7 +3501,7 @@
           <p:cNvPr id="6" name="Footer Placeholder 5">
             <a:extLst>
               <a:ext uri="{FF2B5EF4-FFF2-40B4-BE49-F238E27FC236}">
-                <a16:creationId xmlns:a16="http://schemas.microsoft.com/office/drawing/2014/main" id="{2062E53F-F0E3-4A6E-B3B1-F5491F54889A}"/>
+                <a16:creationId xmlns="" xmlns:a16="http://schemas.microsoft.com/office/drawing/2014/main" id="{2062E53F-F0E3-4A6E-B3B1-F5491F54889A}"/>
               </a:ext>
             </a:extLst>
           </p:cNvPr>
@@ -3567,7 +3526,7 @@
           <p:cNvPr id="7" name="Slide Number Placeholder 6">
             <a:extLst>
               <a:ext uri="{FF2B5EF4-FFF2-40B4-BE49-F238E27FC236}">
-                <a16:creationId xmlns:a16="http://schemas.microsoft.com/office/drawing/2014/main" id="{A8B69BF3-2B4A-42F7-B934-99F11627F82D}"/>
+                <a16:creationId xmlns="" xmlns:a16="http://schemas.microsoft.com/office/drawing/2014/main" id="{A8B69BF3-2B4A-42F7-B934-99F11627F82D}"/>
               </a:ext>
             </a:extLst>
           </p:cNvPr>
@@ -3585,16 +3544,50 @@
           <a:p>
             <a:fld id="{A1FD0E78-183D-4F7D-A18B-8A4BED7B6988}" type="slidenum">
               <a:rPr lang="en-US" smtClean="0"/>
+              <a:pPr/>
               <a:t>‹#›</a:t>
             </a:fld>
             <a:endParaRPr lang="en-US"/>
           </a:p>
         </p:txBody>
       </p:sp>
+      <p:pic>
+        <p:nvPicPr>
+          <p:cNvPr id="18433" name="Picture 1"/>
+          <p:cNvPicPr>
+            <a:picLocks noChangeAspect="1" noChangeArrowheads="1"/>
+          </p:cNvPicPr>
+          <p:nvPr userDrawn="1"/>
+        </p:nvPicPr>
+        <p:blipFill>
+          <a:blip r:embed="rId2"/>
+          <a:srcRect/>
+          <a:stretch>
+            <a:fillRect/>
+          </a:stretch>
+        </p:blipFill>
+        <p:spPr bwMode="auto">
+          <a:xfrm>
+            <a:off x="9601200" y="133039"/>
+            <a:ext cx="2590800" cy="695325"/>
+          </a:xfrm>
+          <a:prstGeom prst="rect">
+            <a:avLst/>
+          </a:prstGeom>
+          <a:noFill/>
+          <a:ln w="9525">
+            <a:noFill/>
+            <a:miter lim="800000"/>
+            <a:headEnd/>
+            <a:tailEnd/>
+          </a:ln>
+          <a:effectLst/>
+        </p:spPr>
+      </p:pic>
     </p:spTree>
     <p:extLst>
       <p:ext uri="{BB962C8B-B14F-4D97-AF65-F5344CB8AC3E}">
-        <p14:creationId xmlns:p14="http://schemas.microsoft.com/office/powerpoint/2010/main" val="2838539625"/>
+        <p14:creationId xmlns="" xmlns:p14="http://schemas.microsoft.com/office/powerpoint/2010/main" val="2838539625"/>
       </p:ext>
     </p:extLst>
   </p:cSld>
@@ -3626,7 +3619,7 @@
           <p:cNvPr id="10" name="Rectangle 9">
             <a:extLst>
               <a:ext uri="{FF2B5EF4-FFF2-40B4-BE49-F238E27FC236}">
-                <a16:creationId xmlns:a16="http://schemas.microsoft.com/office/drawing/2014/main" id="{5894546B-A81A-48D4-B4C5-7E2E6285F424}"/>
+                <a16:creationId xmlns="" xmlns:a16="http://schemas.microsoft.com/office/drawing/2014/main" id="{5894546B-A81A-48D4-B4C5-7E2E6285F424}"/>
               </a:ext>
             </a:extLst>
           </p:cNvPr>
@@ -3675,7 +3668,7 @@
           <p:cNvPr id="11" name="Rectangle 10">
             <a:extLst>
               <a:ext uri="{FF2B5EF4-FFF2-40B4-BE49-F238E27FC236}">
-                <a16:creationId xmlns:a16="http://schemas.microsoft.com/office/drawing/2014/main" id="{39C06CAA-5E4F-43E2-8A98-36361486A3A4}"/>
+                <a16:creationId xmlns="" xmlns:a16="http://schemas.microsoft.com/office/drawing/2014/main" id="{39C06CAA-5E4F-43E2-8A98-36361486A3A4}"/>
               </a:ext>
             </a:extLst>
           </p:cNvPr>
@@ -3732,7 +3725,7 @@
           <p:cNvPr id="12" name="Rectangle 11">
             <a:extLst>
               <a:ext uri="{FF2B5EF4-FFF2-40B4-BE49-F238E27FC236}">
-                <a16:creationId xmlns:a16="http://schemas.microsoft.com/office/drawing/2014/main" id="{128E28CB-622A-4807-91B6-87A76E180121}"/>
+                <a16:creationId xmlns="" xmlns:a16="http://schemas.microsoft.com/office/drawing/2014/main" id="{128E28CB-622A-4807-91B6-87A76E180121}"/>
               </a:ext>
             </a:extLst>
           </p:cNvPr>
@@ -3794,7 +3787,7 @@
           <p:cNvPr id="13" name="Rectangle 12">
             <a:extLst>
               <a:ext uri="{FF2B5EF4-FFF2-40B4-BE49-F238E27FC236}">
-                <a16:creationId xmlns:a16="http://schemas.microsoft.com/office/drawing/2014/main" id="{9C30D63E-AE12-491E-81E4-B3C25BA710AC}"/>
+                <a16:creationId xmlns="" xmlns:a16="http://schemas.microsoft.com/office/drawing/2014/main" id="{9C30D63E-AE12-491E-81E4-B3C25BA710AC}"/>
               </a:ext>
             </a:extLst>
           </p:cNvPr>
@@ -3856,7 +3849,7 @@
           <p:cNvPr id="14" name="Rectangle 13">
             <a:extLst>
               <a:ext uri="{FF2B5EF4-FFF2-40B4-BE49-F238E27FC236}">
-                <a16:creationId xmlns:a16="http://schemas.microsoft.com/office/drawing/2014/main" id="{BEA4929A-0E7F-4B2B-81BC-6899210E604F}"/>
+                <a16:creationId xmlns="" xmlns:a16="http://schemas.microsoft.com/office/drawing/2014/main" id="{BEA4929A-0E7F-4B2B-81BC-6899210E604F}"/>
               </a:ext>
             </a:extLst>
           </p:cNvPr>
@@ -3918,7 +3911,7 @@
           <p:cNvPr id="15" name="Rectangle 14">
             <a:extLst>
               <a:ext uri="{FF2B5EF4-FFF2-40B4-BE49-F238E27FC236}">
-                <a16:creationId xmlns:a16="http://schemas.microsoft.com/office/drawing/2014/main" id="{4C27A026-FFDC-4CB9-9AB8-BB4B31660FD8}"/>
+                <a16:creationId xmlns="" xmlns:a16="http://schemas.microsoft.com/office/drawing/2014/main" id="{4C27A026-FFDC-4CB9-9AB8-BB4B31660FD8}"/>
               </a:ext>
             </a:extLst>
           </p:cNvPr>
@@ -3975,48 +3968,12 @@
           </a:p>
         </p:txBody>
       </p:sp>
-      <p:pic>
-        <p:nvPicPr>
-          <p:cNvPr id="16" name="Picture 15">
-            <a:extLst>
-              <a:ext uri="{FF2B5EF4-FFF2-40B4-BE49-F238E27FC236}">
-                <a16:creationId xmlns:a16="http://schemas.microsoft.com/office/drawing/2014/main" id="{CE0FBF31-43A4-4034-8688-BF6697211B67}"/>
-              </a:ext>
-            </a:extLst>
-          </p:cNvPr>
-          <p:cNvPicPr>
-            <a:picLocks noChangeAspect="1"/>
-          </p:cNvPicPr>
-          <p:nvPr/>
-        </p:nvPicPr>
-        <p:blipFill>
-          <a:blip r:embed="rId2">
-            <a:extLst>
-              <a:ext uri="{28A0092B-C50C-407E-A947-70E740481C1C}">
-                <a14:useLocalDpi xmlns:a14="http://schemas.microsoft.com/office/drawing/2010/main" val="0"/>
-              </a:ext>
-            </a:extLst>
-          </a:blip>
-          <a:stretch>
-            <a:fillRect/>
-          </a:stretch>
-        </p:blipFill>
-        <p:spPr>
-          <a:xfrm>
-            <a:off x="9792281" y="278160"/>
-            <a:ext cx="2153769" cy="415804"/>
-          </a:xfrm>
-          <a:prstGeom prst="rect">
-            <a:avLst/>
-          </a:prstGeom>
-        </p:spPr>
-      </p:pic>
       <p:sp>
         <p:nvSpPr>
           <p:cNvPr id="2" name="Title 1">
             <a:extLst>
               <a:ext uri="{FF2B5EF4-FFF2-40B4-BE49-F238E27FC236}">
-                <a16:creationId xmlns:a16="http://schemas.microsoft.com/office/drawing/2014/main" id="{FA67B1EE-D3B9-4A72-BB78-BEAFBE1FD62F}"/>
+                <a16:creationId xmlns="" xmlns:a16="http://schemas.microsoft.com/office/drawing/2014/main" id="{FA67B1EE-D3B9-4A72-BB78-BEAFBE1FD62F}"/>
               </a:ext>
             </a:extLst>
           </p:cNvPr>
@@ -4049,7 +4006,7 @@
           <p:cNvPr id="3" name="Text Placeholder 2">
             <a:extLst>
               <a:ext uri="{FF2B5EF4-FFF2-40B4-BE49-F238E27FC236}">
-                <a16:creationId xmlns:a16="http://schemas.microsoft.com/office/drawing/2014/main" id="{53C1261F-F460-4F19-99F4-F65B97B6FB44}"/>
+                <a16:creationId xmlns="" xmlns:a16="http://schemas.microsoft.com/office/drawing/2014/main" id="{53C1261F-F460-4F19-99F4-F65B97B6FB44}"/>
               </a:ext>
             </a:extLst>
           </p:cNvPr>
@@ -4120,7 +4077,7 @@
           <p:cNvPr id="4" name="Content Placeholder 3">
             <a:extLst>
               <a:ext uri="{FF2B5EF4-FFF2-40B4-BE49-F238E27FC236}">
-                <a16:creationId xmlns:a16="http://schemas.microsoft.com/office/drawing/2014/main" id="{D0C84E1E-AD39-414E-A630-BB5F20BC8A9B}"/>
+                <a16:creationId xmlns="" xmlns:a16="http://schemas.microsoft.com/office/drawing/2014/main" id="{D0C84E1E-AD39-414E-A630-BB5F20BC8A9B}"/>
               </a:ext>
             </a:extLst>
           </p:cNvPr>
@@ -4182,7 +4139,7 @@
           <p:cNvPr id="5" name="Text Placeholder 4">
             <a:extLst>
               <a:ext uri="{FF2B5EF4-FFF2-40B4-BE49-F238E27FC236}">
-                <a16:creationId xmlns:a16="http://schemas.microsoft.com/office/drawing/2014/main" id="{9EEA01E5-2430-4A1C-8323-5D191529BD67}"/>
+                <a16:creationId xmlns="" xmlns:a16="http://schemas.microsoft.com/office/drawing/2014/main" id="{9EEA01E5-2430-4A1C-8323-5D191529BD67}"/>
               </a:ext>
             </a:extLst>
           </p:cNvPr>
@@ -4253,7 +4210,7 @@
           <p:cNvPr id="6" name="Content Placeholder 5">
             <a:extLst>
               <a:ext uri="{FF2B5EF4-FFF2-40B4-BE49-F238E27FC236}">
-                <a16:creationId xmlns:a16="http://schemas.microsoft.com/office/drawing/2014/main" id="{B4C4A9DA-01AC-4343-9532-A824358CD679}"/>
+                <a16:creationId xmlns="" xmlns:a16="http://schemas.microsoft.com/office/drawing/2014/main" id="{B4C4A9DA-01AC-4343-9532-A824358CD679}"/>
               </a:ext>
             </a:extLst>
           </p:cNvPr>
@@ -4315,7 +4272,7 @@
           <p:cNvPr id="7" name="Date Placeholder 6">
             <a:extLst>
               <a:ext uri="{FF2B5EF4-FFF2-40B4-BE49-F238E27FC236}">
-                <a16:creationId xmlns:a16="http://schemas.microsoft.com/office/drawing/2014/main" id="{CA9BA755-AEE2-4001-8DE6-415A8DBF9673}"/>
+                <a16:creationId xmlns="" xmlns:a16="http://schemas.microsoft.com/office/drawing/2014/main" id="{CA9BA755-AEE2-4001-8DE6-415A8DBF9673}"/>
               </a:ext>
             </a:extLst>
           </p:cNvPr>
@@ -4333,7 +4290,8 @@
           <a:p>
             <a:fld id="{D2474CCF-98B4-411A-8810-C31E8C29E19B}" type="datetimeFigureOut">
               <a:rPr lang="en-US" smtClean="0"/>
-              <a:t>7/7/2022</a:t>
+              <a:pPr/>
+              <a:t>2/15/2024</a:t>
             </a:fld>
             <a:endParaRPr lang="en-US"/>
           </a:p>
@@ -4344,7 +4302,7 @@
           <p:cNvPr id="8" name="Footer Placeholder 7">
             <a:extLst>
               <a:ext uri="{FF2B5EF4-FFF2-40B4-BE49-F238E27FC236}">
-                <a16:creationId xmlns:a16="http://schemas.microsoft.com/office/drawing/2014/main" id="{823B665F-223D-495A-BDBB-E3363CAFC9D8}"/>
+                <a16:creationId xmlns="" xmlns:a16="http://schemas.microsoft.com/office/drawing/2014/main" id="{823B665F-223D-495A-BDBB-E3363CAFC9D8}"/>
               </a:ext>
             </a:extLst>
           </p:cNvPr>
@@ -4369,7 +4327,7 @@
           <p:cNvPr id="9" name="Slide Number Placeholder 8">
             <a:extLst>
               <a:ext uri="{FF2B5EF4-FFF2-40B4-BE49-F238E27FC236}">
-                <a16:creationId xmlns:a16="http://schemas.microsoft.com/office/drawing/2014/main" id="{B19B297C-3F38-49A1-953B-17E3F6F667AE}"/>
+                <a16:creationId xmlns="" xmlns:a16="http://schemas.microsoft.com/office/drawing/2014/main" id="{B19B297C-3F38-49A1-953B-17E3F6F667AE}"/>
               </a:ext>
             </a:extLst>
           </p:cNvPr>
@@ -4387,16 +4345,50 @@
           <a:p>
             <a:fld id="{A1FD0E78-183D-4F7D-A18B-8A4BED7B6988}" type="slidenum">
               <a:rPr lang="en-US" smtClean="0"/>
+              <a:pPr/>
               <a:t>‹#›</a:t>
             </a:fld>
             <a:endParaRPr lang="en-US"/>
           </a:p>
         </p:txBody>
       </p:sp>
+      <p:pic>
+        <p:nvPicPr>
+          <p:cNvPr id="17409" name="Picture 1"/>
+          <p:cNvPicPr>
+            <a:picLocks noChangeAspect="1" noChangeArrowheads="1"/>
+          </p:cNvPicPr>
+          <p:nvPr userDrawn="1"/>
+        </p:nvPicPr>
+        <p:blipFill>
+          <a:blip r:embed="rId2"/>
+          <a:srcRect/>
+          <a:stretch>
+            <a:fillRect/>
+          </a:stretch>
+        </p:blipFill>
+        <p:spPr bwMode="auto">
+          <a:xfrm>
+            <a:off x="9492241" y="141584"/>
+            <a:ext cx="2590800" cy="695325"/>
+          </a:xfrm>
+          <a:prstGeom prst="rect">
+            <a:avLst/>
+          </a:prstGeom>
+          <a:noFill/>
+          <a:ln w="9525">
+            <a:noFill/>
+            <a:miter lim="800000"/>
+            <a:headEnd/>
+            <a:tailEnd/>
+          </a:ln>
+          <a:effectLst/>
+        </p:spPr>
+      </p:pic>
     </p:spTree>
     <p:extLst>
       <p:ext uri="{BB962C8B-B14F-4D97-AF65-F5344CB8AC3E}">
-        <p14:creationId xmlns:p14="http://schemas.microsoft.com/office/powerpoint/2010/main" val="265057621"/>
+        <p14:creationId xmlns="" xmlns:p14="http://schemas.microsoft.com/office/powerpoint/2010/main" val="265057621"/>
       </p:ext>
     </p:extLst>
   </p:cSld>
@@ -4428,7 +4420,7 @@
           <p:cNvPr id="6" name="Rectangle 5">
             <a:extLst>
               <a:ext uri="{FF2B5EF4-FFF2-40B4-BE49-F238E27FC236}">
-                <a16:creationId xmlns:a16="http://schemas.microsoft.com/office/drawing/2014/main" id="{37856098-1DA3-49E8-91B8-CAA5CDB7382E}"/>
+                <a16:creationId xmlns="" xmlns:a16="http://schemas.microsoft.com/office/drawing/2014/main" id="{37856098-1DA3-49E8-91B8-CAA5CDB7382E}"/>
               </a:ext>
             </a:extLst>
           </p:cNvPr>
@@ -4477,7 +4469,7 @@
           <p:cNvPr id="7" name="Rectangle 6">
             <a:extLst>
               <a:ext uri="{FF2B5EF4-FFF2-40B4-BE49-F238E27FC236}">
-                <a16:creationId xmlns:a16="http://schemas.microsoft.com/office/drawing/2014/main" id="{8AD2C0DA-73C9-4A83-97A2-EB4541745B64}"/>
+                <a16:creationId xmlns="" xmlns:a16="http://schemas.microsoft.com/office/drawing/2014/main" id="{8AD2C0DA-73C9-4A83-97A2-EB4541745B64}"/>
               </a:ext>
             </a:extLst>
           </p:cNvPr>
@@ -4534,7 +4526,7 @@
           <p:cNvPr id="8" name="Rectangle 7">
             <a:extLst>
               <a:ext uri="{FF2B5EF4-FFF2-40B4-BE49-F238E27FC236}">
-                <a16:creationId xmlns:a16="http://schemas.microsoft.com/office/drawing/2014/main" id="{B83A0938-3C8A-4ACA-8AD0-352B444392A9}"/>
+                <a16:creationId xmlns="" xmlns:a16="http://schemas.microsoft.com/office/drawing/2014/main" id="{B83A0938-3C8A-4ACA-8AD0-352B444392A9}"/>
               </a:ext>
             </a:extLst>
           </p:cNvPr>
@@ -4596,7 +4588,7 @@
           <p:cNvPr id="9" name="Rectangle 8">
             <a:extLst>
               <a:ext uri="{FF2B5EF4-FFF2-40B4-BE49-F238E27FC236}">
-                <a16:creationId xmlns:a16="http://schemas.microsoft.com/office/drawing/2014/main" id="{2FE9A254-00DC-4FF4-ABF3-8D548470A822}"/>
+                <a16:creationId xmlns="" xmlns:a16="http://schemas.microsoft.com/office/drawing/2014/main" id="{2FE9A254-00DC-4FF4-ABF3-8D548470A822}"/>
               </a:ext>
             </a:extLst>
           </p:cNvPr>
@@ -4658,7 +4650,7 @@
           <p:cNvPr id="10" name="Rectangle 9">
             <a:extLst>
               <a:ext uri="{FF2B5EF4-FFF2-40B4-BE49-F238E27FC236}">
-                <a16:creationId xmlns:a16="http://schemas.microsoft.com/office/drawing/2014/main" id="{27E83A17-368C-4CF3-93EE-956780C13754}"/>
+                <a16:creationId xmlns="" xmlns:a16="http://schemas.microsoft.com/office/drawing/2014/main" id="{27E83A17-368C-4CF3-93EE-956780C13754}"/>
               </a:ext>
             </a:extLst>
           </p:cNvPr>
@@ -4720,7 +4712,7 @@
           <p:cNvPr id="11" name="Rectangle 10">
             <a:extLst>
               <a:ext uri="{FF2B5EF4-FFF2-40B4-BE49-F238E27FC236}">
-                <a16:creationId xmlns:a16="http://schemas.microsoft.com/office/drawing/2014/main" id="{F86DDFCB-6B13-4853-B2B2-7FDD576847E1}"/>
+                <a16:creationId xmlns="" xmlns:a16="http://schemas.microsoft.com/office/drawing/2014/main" id="{F86DDFCB-6B13-4853-B2B2-7FDD576847E1}"/>
               </a:ext>
             </a:extLst>
           </p:cNvPr>
@@ -4777,48 +4769,12 @@
           </a:p>
         </p:txBody>
       </p:sp>
-      <p:pic>
-        <p:nvPicPr>
-          <p:cNvPr id="12" name="Picture 11">
-            <a:extLst>
-              <a:ext uri="{FF2B5EF4-FFF2-40B4-BE49-F238E27FC236}">
-                <a16:creationId xmlns:a16="http://schemas.microsoft.com/office/drawing/2014/main" id="{64C8E1E0-E974-41E1-9F43-DEF84D8A1F22}"/>
-              </a:ext>
-            </a:extLst>
-          </p:cNvPr>
-          <p:cNvPicPr>
-            <a:picLocks noChangeAspect="1"/>
-          </p:cNvPicPr>
-          <p:nvPr/>
-        </p:nvPicPr>
-        <p:blipFill>
-          <a:blip r:embed="rId2">
-            <a:extLst>
-              <a:ext uri="{28A0092B-C50C-407E-A947-70E740481C1C}">
-                <a14:useLocalDpi xmlns:a14="http://schemas.microsoft.com/office/drawing/2010/main" val="0"/>
-              </a:ext>
-            </a:extLst>
-          </a:blip>
-          <a:stretch>
-            <a:fillRect/>
-          </a:stretch>
-        </p:blipFill>
-        <p:spPr>
-          <a:xfrm>
-            <a:off x="9792281" y="278160"/>
-            <a:ext cx="2153769" cy="415804"/>
-          </a:xfrm>
-          <a:prstGeom prst="rect">
-            <a:avLst/>
-          </a:prstGeom>
-        </p:spPr>
-      </p:pic>
       <p:sp>
         <p:nvSpPr>
           <p:cNvPr id="2" name="Title 1">
             <a:extLst>
               <a:ext uri="{FF2B5EF4-FFF2-40B4-BE49-F238E27FC236}">
-                <a16:creationId xmlns:a16="http://schemas.microsoft.com/office/drawing/2014/main" id="{634473C1-75AC-4CC3-97E1-56E2CDDB9EEA}"/>
+                <a16:creationId xmlns="" xmlns:a16="http://schemas.microsoft.com/office/drawing/2014/main" id="{634473C1-75AC-4CC3-97E1-56E2CDDB9EEA}"/>
               </a:ext>
             </a:extLst>
           </p:cNvPr>
@@ -4846,7 +4802,7 @@
           <p:cNvPr id="3" name="Date Placeholder 2">
             <a:extLst>
               <a:ext uri="{FF2B5EF4-FFF2-40B4-BE49-F238E27FC236}">
-                <a16:creationId xmlns:a16="http://schemas.microsoft.com/office/drawing/2014/main" id="{8027F37E-14E1-44B3-BCD8-AEBD153A14BA}"/>
+                <a16:creationId xmlns="" xmlns:a16="http://schemas.microsoft.com/office/drawing/2014/main" id="{8027F37E-14E1-44B3-BCD8-AEBD153A14BA}"/>
               </a:ext>
             </a:extLst>
           </p:cNvPr>
@@ -4864,7 +4820,8 @@
           <a:p>
             <a:fld id="{D2474CCF-98B4-411A-8810-C31E8C29E19B}" type="datetimeFigureOut">
               <a:rPr lang="en-US" smtClean="0"/>
-              <a:t>7/7/2022</a:t>
+              <a:pPr/>
+              <a:t>2/15/2024</a:t>
             </a:fld>
             <a:endParaRPr lang="en-US"/>
           </a:p>
@@ -4875,7 +4832,7 @@
           <p:cNvPr id="4" name="Footer Placeholder 3">
             <a:extLst>
               <a:ext uri="{FF2B5EF4-FFF2-40B4-BE49-F238E27FC236}">
-                <a16:creationId xmlns:a16="http://schemas.microsoft.com/office/drawing/2014/main" id="{3EEB09FB-ACF3-4E2F-B66D-3E13733A5B2B}"/>
+                <a16:creationId xmlns="" xmlns:a16="http://schemas.microsoft.com/office/drawing/2014/main" id="{3EEB09FB-ACF3-4E2F-B66D-3E13733A5B2B}"/>
               </a:ext>
             </a:extLst>
           </p:cNvPr>
@@ -4900,7 +4857,7 @@
           <p:cNvPr id="5" name="Slide Number Placeholder 4">
             <a:extLst>
               <a:ext uri="{FF2B5EF4-FFF2-40B4-BE49-F238E27FC236}">
-                <a16:creationId xmlns:a16="http://schemas.microsoft.com/office/drawing/2014/main" id="{00D82C6C-9BFE-4C90-A547-8C325C55EAA2}"/>
+                <a16:creationId xmlns="" xmlns:a16="http://schemas.microsoft.com/office/drawing/2014/main" id="{00D82C6C-9BFE-4C90-A547-8C325C55EAA2}"/>
               </a:ext>
             </a:extLst>
           </p:cNvPr>
@@ -4918,16 +4875,50 @@
           <a:p>
             <a:fld id="{A1FD0E78-183D-4F7D-A18B-8A4BED7B6988}" type="slidenum">
               <a:rPr lang="en-US" smtClean="0"/>
+              <a:pPr/>
               <a:t>‹#›</a:t>
             </a:fld>
             <a:endParaRPr lang="en-US"/>
           </a:p>
         </p:txBody>
       </p:sp>
+      <p:pic>
+        <p:nvPicPr>
+          <p:cNvPr id="16385" name="Picture 1"/>
+          <p:cNvPicPr>
+            <a:picLocks noChangeAspect="1" noChangeArrowheads="1"/>
+          </p:cNvPicPr>
+          <p:nvPr userDrawn="1"/>
+        </p:nvPicPr>
+        <p:blipFill>
+          <a:blip r:embed="rId2"/>
+          <a:srcRect/>
+          <a:stretch>
+            <a:fillRect/>
+          </a:stretch>
+        </p:blipFill>
+        <p:spPr bwMode="auto">
+          <a:xfrm>
+            <a:off x="9601200" y="209951"/>
+            <a:ext cx="2590800" cy="695325"/>
+          </a:xfrm>
+          <a:prstGeom prst="rect">
+            <a:avLst/>
+          </a:prstGeom>
+          <a:noFill/>
+          <a:ln w="9525">
+            <a:noFill/>
+            <a:miter lim="800000"/>
+            <a:headEnd/>
+            <a:tailEnd/>
+          </a:ln>
+          <a:effectLst/>
+        </p:spPr>
+      </p:pic>
     </p:spTree>
     <p:extLst>
       <p:ext uri="{BB962C8B-B14F-4D97-AF65-F5344CB8AC3E}">
-        <p14:creationId xmlns:p14="http://schemas.microsoft.com/office/powerpoint/2010/main" val="3783065093"/>
+        <p14:creationId xmlns="" xmlns:p14="http://schemas.microsoft.com/office/powerpoint/2010/main" val="3783065093"/>
       </p:ext>
     </p:extLst>
   </p:cSld>
@@ -4959,7 +4950,7 @@
           <p:cNvPr id="5" name="Rectangle 4">
             <a:extLst>
               <a:ext uri="{FF2B5EF4-FFF2-40B4-BE49-F238E27FC236}">
-                <a16:creationId xmlns:a16="http://schemas.microsoft.com/office/drawing/2014/main" id="{F2FA0252-28E1-40E5-ACE6-20D14F5256B9}"/>
+                <a16:creationId xmlns="" xmlns:a16="http://schemas.microsoft.com/office/drawing/2014/main" id="{F2FA0252-28E1-40E5-ACE6-20D14F5256B9}"/>
               </a:ext>
             </a:extLst>
           </p:cNvPr>
@@ -5008,7 +4999,7 @@
           <p:cNvPr id="6" name="Rectangle 5">
             <a:extLst>
               <a:ext uri="{FF2B5EF4-FFF2-40B4-BE49-F238E27FC236}">
-                <a16:creationId xmlns:a16="http://schemas.microsoft.com/office/drawing/2014/main" id="{3E618FD9-31FC-4567-B182-23204706A8B0}"/>
+                <a16:creationId xmlns="" xmlns:a16="http://schemas.microsoft.com/office/drawing/2014/main" id="{3E618FD9-31FC-4567-B182-23204706A8B0}"/>
               </a:ext>
             </a:extLst>
           </p:cNvPr>
@@ -5065,7 +5056,7 @@
           <p:cNvPr id="7" name="Rectangle 6">
             <a:extLst>
               <a:ext uri="{FF2B5EF4-FFF2-40B4-BE49-F238E27FC236}">
-                <a16:creationId xmlns:a16="http://schemas.microsoft.com/office/drawing/2014/main" id="{0B29B7B4-B37A-4ECF-85D2-5A66AA4D9A3E}"/>
+                <a16:creationId xmlns="" xmlns:a16="http://schemas.microsoft.com/office/drawing/2014/main" id="{0B29B7B4-B37A-4ECF-85D2-5A66AA4D9A3E}"/>
               </a:ext>
             </a:extLst>
           </p:cNvPr>
@@ -5127,7 +5118,7 @@
           <p:cNvPr id="8" name="Rectangle 7">
             <a:extLst>
               <a:ext uri="{FF2B5EF4-FFF2-40B4-BE49-F238E27FC236}">
-                <a16:creationId xmlns:a16="http://schemas.microsoft.com/office/drawing/2014/main" id="{CCF4FB33-76DE-4704-8B1A-C3FE16F507E2}"/>
+                <a16:creationId xmlns="" xmlns:a16="http://schemas.microsoft.com/office/drawing/2014/main" id="{CCF4FB33-76DE-4704-8B1A-C3FE16F507E2}"/>
               </a:ext>
             </a:extLst>
           </p:cNvPr>
@@ -5189,7 +5180,7 @@
           <p:cNvPr id="9" name="Rectangle 8">
             <a:extLst>
               <a:ext uri="{FF2B5EF4-FFF2-40B4-BE49-F238E27FC236}">
-                <a16:creationId xmlns:a16="http://schemas.microsoft.com/office/drawing/2014/main" id="{58A894C9-4BA3-403A-B5F2-D596A188AF2F}"/>
+                <a16:creationId xmlns="" xmlns:a16="http://schemas.microsoft.com/office/drawing/2014/main" id="{58A894C9-4BA3-403A-B5F2-D596A188AF2F}"/>
               </a:ext>
             </a:extLst>
           </p:cNvPr>
@@ -5251,7 +5242,7 @@
           <p:cNvPr id="10" name="Rectangle 9">
             <a:extLst>
               <a:ext uri="{FF2B5EF4-FFF2-40B4-BE49-F238E27FC236}">
-                <a16:creationId xmlns:a16="http://schemas.microsoft.com/office/drawing/2014/main" id="{970B9174-D03E-4D6F-A8E5-B9D3C8C2DB80}"/>
+                <a16:creationId xmlns="" xmlns:a16="http://schemas.microsoft.com/office/drawing/2014/main" id="{970B9174-D03E-4D6F-A8E5-B9D3C8C2DB80}"/>
               </a:ext>
             </a:extLst>
           </p:cNvPr>
@@ -5313,7 +5304,7 @@
           <p:cNvPr id="11" name="Picture 10">
             <a:extLst>
               <a:ext uri="{FF2B5EF4-FFF2-40B4-BE49-F238E27FC236}">
-                <a16:creationId xmlns:a16="http://schemas.microsoft.com/office/drawing/2014/main" id="{16EAC91E-9BE5-4729-AA9E-F5E9394A8D1C}"/>
+                <a16:creationId xmlns="" xmlns:a16="http://schemas.microsoft.com/office/drawing/2014/main" id="{16EAC91E-9BE5-4729-AA9E-F5E9394A8D1C}"/>
               </a:ext>
             </a:extLst>
           </p:cNvPr>
@@ -5323,10 +5314,10 @@
           <p:nvPr/>
         </p:nvPicPr>
         <p:blipFill>
-          <a:blip r:embed="rId2">
+          <a:blip r:embed="rId2" cstate="print">
             <a:extLst>
               <a:ext uri="{28A0092B-C50C-407E-A947-70E740481C1C}">
-                <a14:useLocalDpi xmlns:a14="http://schemas.microsoft.com/office/drawing/2010/main" val="0"/>
+                <a14:useLocalDpi xmlns="" xmlns:a14="http://schemas.microsoft.com/office/drawing/2010/main" val="0"/>
               </a:ext>
             </a:extLst>
           </a:blip>
@@ -5349,7 +5340,7 @@
           <p:cNvPr id="2" name="Date Placeholder 1">
             <a:extLst>
               <a:ext uri="{FF2B5EF4-FFF2-40B4-BE49-F238E27FC236}">
-                <a16:creationId xmlns:a16="http://schemas.microsoft.com/office/drawing/2014/main" id="{7839A89A-4F67-468F-80FE-0E3680B1A7D2}"/>
+                <a16:creationId xmlns="" xmlns:a16="http://schemas.microsoft.com/office/drawing/2014/main" id="{7839A89A-4F67-468F-80FE-0E3680B1A7D2}"/>
               </a:ext>
             </a:extLst>
           </p:cNvPr>
@@ -5367,7 +5358,8 @@
           <a:p>
             <a:fld id="{D2474CCF-98B4-411A-8810-C31E8C29E19B}" type="datetimeFigureOut">
               <a:rPr lang="en-US" smtClean="0"/>
-              <a:t>7/7/2022</a:t>
+              <a:pPr/>
+              <a:t>2/15/2024</a:t>
             </a:fld>
             <a:endParaRPr lang="en-US"/>
           </a:p>
@@ -5378,7 +5370,7 @@
           <p:cNvPr id="3" name="Footer Placeholder 2">
             <a:extLst>
               <a:ext uri="{FF2B5EF4-FFF2-40B4-BE49-F238E27FC236}">
-                <a16:creationId xmlns:a16="http://schemas.microsoft.com/office/drawing/2014/main" id="{5C101976-8FCF-4B4F-B90A-B5E724625AE4}"/>
+                <a16:creationId xmlns="" xmlns:a16="http://schemas.microsoft.com/office/drawing/2014/main" id="{5C101976-8FCF-4B4F-B90A-B5E724625AE4}"/>
               </a:ext>
             </a:extLst>
           </p:cNvPr>
@@ -5403,7 +5395,7 @@
           <p:cNvPr id="4" name="Slide Number Placeholder 3">
             <a:extLst>
               <a:ext uri="{FF2B5EF4-FFF2-40B4-BE49-F238E27FC236}">
-                <a16:creationId xmlns:a16="http://schemas.microsoft.com/office/drawing/2014/main" id="{706AE299-AC97-4CB0-8712-61CB13DAB778}"/>
+                <a16:creationId xmlns="" xmlns:a16="http://schemas.microsoft.com/office/drawing/2014/main" id="{706AE299-AC97-4CB0-8712-61CB13DAB778}"/>
               </a:ext>
             </a:extLst>
           </p:cNvPr>
@@ -5421,6 +5413,7 @@
           <a:p>
             <a:fld id="{A1FD0E78-183D-4F7D-A18B-8A4BED7B6988}" type="slidenum">
               <a:rPr lang="en-US" smtClean="0"/>
+              <a:pPr/>
               <a:t>‹#›</a:t>
             </a:fld>
             <a:endParaRPr lang="en-US"/>
@@ -5430,7 +5423,7 @@
     </p:spTree>
     <p:extLst>
       <p:ext uri="{BB962C8B-B14F-4D97-AF65-F5344CB8AC3E}">
-        <p14:creationId xmlns:p14="http://schemas.microsoft.com/office/powerpoint/2010/main" val="3528334488"/>
+        <p14:creationId xmlns="" xmlns:p14="http://schemas.microsoft.com/office/powerpoint/2010/main" val="3528334488"/>
       </p:ext>
     </p:extLst>
   </p:cSld>
@@ -5462,7 +5455,7 @@
           <p:cNvPr id="2" name="Title 1">
             <a:extLst>
               <a:ext uri="{FF2B5EF4-FFF2-40B4-BE49-F238E27FC236}">
-                <a16:creationId xmlns:a16="http://schemas.microsoft.com/office/drawing/2014/main" id="{0AB6CCC9-CB97-4066-B6DA-4148BB88F608}"/>
+                <a16:creationId xmlns="" xmlns:a16="http://schemas.microsoft.com/office/drawing/2014/main" id="{0AB6CCC9-CB97-4066-B6DA-4148BB88F608}"/>
               </a:ext>
             </a:extLst>
           </p:cNvPr>
@@ -5499,7 +5492,7 @@
           <p:cNvPr id="3" name="Content Placeholder 2">
             <a:extLst>
               <a:ext uri="{FF2B5EF4-FFF2-40B4-BE49-F238E27FC236}">
-                <a16:creationId xmlns:a16="http://schemas.microsoft.com/office/drawing/2014/main" id="{F8B6ECEE-E57D-455E-A22A-6DE67E6B8B65}"/>
+                <a16:creationId xmlns="" xmlns:a16="http://schemas.microsoft.com/office/drawing/2014/main" id="{F8B6ECEE-E57D-455E-A22A-6DE67E6B8B65}"/>
               </a:ext>
             </a:extLst>
           </p:cNvPr>
@@ -5589,7 +5582,7 @@
           <p:cNvPr id="4" name="Text Placeholder 3">
             <a:extLst>
               <a:ext uri="{FF2B5EF4-FFF2-40B4-BE49-F238E27FC236}">
-                <a16:creationId xmlns:a16="http://schemas.microsoft.com/office/drawing/2014/main" id="{23E2D1F0-214E-43F0-A7BC-42F93E547BE6}"/>
+                <a16:creationId xmlns="" xmlns:a16="http://schemas.microsoft.com/office/drawing/2014/main" id="{23E2D1F0-214E-43F0-A7BC-42F93E547BE6}"/>
               </a:ext>
             </a:extLst>
           </p:cNvPr>
@@ -5660,7 +5653,7 @@
           <p:cNvPr id="5" name="Date Placeholder 4">
             <a:extLst>
               <a:ext uri="{FF2B5EF4-FFF2-40B4-BE49-F238E27FC236}">
-                <a16:creationId xmlns:a16="http://schemas.microsoft.com/office/drawing/2014/main" id="{D0B125E7-FC1E-4111-8E29-520E9E6AFC29}"/>
+                <a16:creationId xmlns="" xmlns:a16="http://schemas.microsoft.com/office/drawing/2014/main" id="{D0B125E7-FC1E-4111-8E29-520E9E6AFC29}"/>
               </a:ext>
             </a:extLst>
           </p:cNvPr>
@@ -5678,7 +5671,8 @@
           <a:p>
             <a:fld id="{D2474CCF-98B4-411A-8810-C31E8C29E19B}" type="datetimeFigureOut">
               <a:rPr lang="en-US" smtClean="0"/>
-              <a:t>7/7/2022</a:t>
+              <a:pPr/>
+              <a:t>2/15/2024</a:t>
             </a:fld>
             <a:endParaRPr lang="en-US"/>
           </a:p>
@@ -5689,7 +5683,7 @@
           <p:cNvPr id="6" name="Footer Placeholder 5">
             <a:extLst>
               <a:ext uri="{FF2B5EF4-FFF2-40B4-BE49-F238E27FC236}">
-                <a16:creationId xmlns:a16="http://schemas.microsoft.com/office/drawing/2014/main" id="{856E390C-8CD6-41DF-B8A7-0EA86E70449B}"/>
+                <a16:creationId xmlns="" xmlns:a16="http://schemas.microsoft.com/office/drawing/2014/main" id="{856E390C-8CD6-41DF-B8A7-0EA86E70449B}"/>
               </a:ext>
             </a:extLst>
           </p:cNvPr>
@@ -5714,7 +5708,7 @@
           <p:cNvPr id="7" name="Slide Number Placeholder 6">
             <a:extLst>
               <a:ext uri="{FF2B5EF4-FFF2-40B4-BE49-F238E27FC236}">
-                <a16:creationId xmlns:a16="http://schemas.microsoft.com/office/drawing/2014/main" id="{F24D1209-8122-481B-93F3-CD9D18358AD5}"/>
+                <a16:creationId xmlns="" xmlns:a16="http://schemas.microsoft.com/office/drawing/2014/main" id="{F24D1209-8122-481B-93F3-CD9D18358AD5}"/>
               </a:ext>
             </a:extLst>
           </p:cNvPr>
@@ -5732,16 +5726,50 @@
           <a:p>
             <a:fld id="{A1FD0E78-183D-4F7D-A18B-8A4BED7B6988}" type="slidenum">
               <a:rPr lang="en-US" smtClean="0"/>
+              <a:pPr/>
               <a:t>‹#›</a:t>
             </a:fld>
             <a:endParaRPr lang="en-US"/>
           </a:p>
         </p:txBody>
       </p:sp>
+      <p:pic>
+        <p:nvPicPr>
+          <p:cNvPr id="14337" name="Picture 1"/>
+          <p:cNvPicPr>
+            <a:picLocks noChangeAspect="1" noChangeArrowheads="1"/>
+          </p:cNvPicPr>
+          <p:nvPr userDrawn="1"/>
+        </p:nvPicPr>
+        <p:blipFill>
+          <a:blip r:embed="rId2"/>
+          <a:srcRect/>
+          <a:stretch>
+            <a:fillRect/>
+          </a:stretch>
+        </p:blipFill>
+        <p:spPr bwMode="auto">
+          <a:xfrm>
+            <a:off x="9601200" y="141585"/>
+            <a:ext cx="2590800" cy="695325"/>
+          </a:xfrm>
+          <a:prstGeom prst="rect">
+            <a:avLst/>
+          </a:prstGeom>
+          <a:noFill/>
+          <a:ln w="9525">
+            <a:noFill/>
+            <a:miter lim="800000"/>
+            <a:headEnd/>
+            <a:tailEnd/>
+          </a:ln>
+          <a:effectLst/>
+        </p:spPr>
+      </p:pic>
     </p:spTree>
     <p:extLst>
       <p:ext uri="{BB962C8B-B14F-4D97-AF65-F5344CB8AC3E}">
-        <p14:creationId xmlns:p14="http://schemas.microsoft.com/office/powerpoint/2010/main" val="2872829762"/>
+        <p14:creationId xmlns="" xmlns:p14="http://schemas.microsoft.com/office/powerpoint/2010/main" val="2872829762"/>
       </p:ext>
     </p:extLst>
   </p:cSld>
@@ -5773,7 +5801,7 @@
           <p:cNvPr id="2" name="Title 1">
             <a:extLst>
               <a:ext uri="{FF2B5EF4-FFF2-40B4-BE49-F238E27FC236}">
-                <a16:creationId xmlns:a16="http://schemas.microsoft.com/office/drawing/2014/main" id="{D0421060-B002-4A29-A677-95E1A92CC3EB}"/>
+                <a16:creationId xmlns="" xmlns:a16="http://schemas.microsoft.com/office/drawing/2014/main" id="{D0421060-B002-4A29-A677-95E1A92CC3EB}"/>
               </a:ext>
             </a:extLst>
           </p:cNvPr>
@@ -5810,7 +5838,7 @@
           <p:cNvPr id="3" name="Picture Placeholder 2">
             <a:extLst>
               <a:ext uri="{FF2B5EF4-FFF2-40B4-BE49-F238E27FC236}">
-                <a16:creationId xmlns:a16="http://schemas.microsoft.com/office/drawing/2014/main" id="{4DA23B8C-6470-4EFE-BA18-C7C748C1CA29}"/>
+                <a16:creationId xmlns="" xmlns:a16="http://schemas.microsoft.com/office/drawing/2014/main" id="{4DA23B8C-6470-4EFE-BA18-C7C748C1CA29}"/>
               </a:ext>
             </a:extLst>
           </p:cNvPr>
@@ -5880,7 +5908,7 @@
           <p:cNvPr id="4" name="Text Placeholder 3">
             <a:extLst>
               <a:ext uri="{FF2B5EF4-FFF2-40B4-BE49-F238E27FC236}">
-                <a16:creationId xmlns:a16="http://schemas.microsoft.com/office/drawing/2014/main" id="{0C14D961-FD3B-461E-A88E-64AC4821E64F}"/>
+                <a16:creationId xmlns="" xmlns:a16="http://schemas.microsoft.com/office/drawing/2014/main" id="{0C14D961-FD3B-461E-A88E-64AC4821E64F}"/>
               </a:ext>
             </a:extLst>
           </p:cNvPr>
@@ -5951,7 +5979,7 @@
           <p:cNvPr id="5" name="Date Placeholder 4">
             <a:extLst>
               <a:ext uri="{FF2B5EF4-FFF2-40B4-BE49-F238E27FC236}">
-                <a16:creationId xmlns:a16="http://schemas.microsoft.com/office/drawing/2014/main" id="{C64AF84C-0554-4D2A-95E2-84C361AAEDFA}"/>
+                <a16:creationId xmlns="" xmlns:a16="http://schemas.microsoft.com/office/drawing/2014/main" id="{C64AF84C-0554-4D2A-95E2-84C361AAEDFA}"/>
               </a:ext>
             </a:extLst>
           </p:cNvPr>
@@ -5969,7 +5997,8 @@
           <a:p>
             <a:fld id="{D2474CCF-98B4-411A-8810-C31E8C29E19B}" type="datetimeFigureOut">
               <a:rPr lang="en-US" smtClean="0"/>
-              <a:t>7/7/2022</a:t>
+              <a:pPr/>
+              <a:t>2/15/2024</a:t>
             </a:fld>
             <a:endParaRPr lang="en-US"/>
           </a:p>
@@ -5980,7 +6009,7 @@
           <p:cNvPr id="6" name="Footer Placeholder 5">
             <a:extLst>
               <a:ext uri="{FF2B5EF4-FFF2-40B4-BE49-F238E27FC236}">
-                <a16:creationId xmlns:a16="http://schemas.microsoft.com/office/drawing/2014/main" id="{682BC5B5-70F3-4D7C-9421-4846A194AF84}"/>
+                <a16:creationId xmlns="" xmlns:a16="http://schemas.microsoft.com/office/drawing/2014/main" id="{682BC5B5-70F3-4D7C-9421-4846A194AF84}"/>
               </a:ext>
             </a:extLst>
           </p:cNvPr>
@@ -6005,7 +6034,7 @@
           <p:cNvPr id="7" name="Slide Number Placeholder 6">
             <a:extLst>
               <a:ext uri="{FF2B5EF4-FFF2-40B4-BE49-F238E27FC236}">
-                <a16:creationId xmlns:a16="http://schemas.microsoft.com/office/drawing/2014/main" id="{040C9E27-8F16-42E6-B25A-6357B56B30CB}"/>
+                <a16:creationId xmlns="" xmlns:a16="http://schemas.microsoft.com/office/drawing/2014/main" id="{040C9E27-8F16-42E6-B25A-6357B56B30CB}"/>
               </a:ext>
             </a:extLst>
           </p:cNvPr>
@@ -6023,6 +6052,7 @@
           <a:p>
             <a:fld id="{A1FD0E78-183D-4F7D-A18B-8A4BED7B6988}" type="slidenum">
               <a:rPr lang="en-US" smtClean="0"/>
+              <a:pPr/>
               <a:t>‹#›</a:t>
             </a:fld>
             <a:endParaRPr lang="en-US"/>
@@ -6032,7 +6062,7 @@
     </p:spTree>
     <p:extLst>
       <p:ext uri="{BB962C8B-B14F-4D97-AF65-F5344CB8AC3E}">
-        <p14:creationId xmlns:p14="http://schemas.microsoft.com/office/powerpoint/2010/main" val="3978059408"/>
+        <p14:creationId xmlns="" xmlns:p14="http://schemas.microsoft.com/office/powerpoint/2010/main" val="3978059408"/>
       </p:ext>
     </p:extLst>
   </p:cSld>
@@ -6069,7 +6099,7 @@
           <p:cNvPr id="2" name="Title Placeholder 1">
             <a:extLst>
               <a:ext uri="{FF2B5EF4-FFF2-40B4-BE49-F238E27FC236}">
-                <a16:creationId xmlns:a16="http://schemas.microsoft.com/office/drawing/2014/main" id="{5672EF02-B3FB-409B-B71D-7DB59224D03E}"/>
+                <a16:creationId xmlns="" xmlns:a16="http://schemas.microsoft.com/office/drawing/2014/main" id="{5672EF02-B3FB-409B-B71D-7DB59224D03E}"/>
               </a:ext>
             </a:extLst>
           </p:cNvPr>
@@ -6107,7 +6137,7 @@
           <p:cNvPr id="3" name="Text Placeholder 2">
             <a:extLst>
               <a:ext uri="{FF2B5EF4-FFF2-40B4-BE49-F238E27FC236}">
-                <a16:creationId xmlns:a16="http://schemas.microsoft.com/office/drawing/2014/main" id="{1FD66FC5-8BC1-45FA-8841-F34FA58FDF13}"/>
+                <a16:creationId xmlns="" xmlns:a16="http://schemas.microsoft.com/office/drawing/2014/main" id="{1FD66FC5-8BC1-45FA-8841-F34FA58FDF13}"/>
               </a:ext>
             </a:extLst>
           </p:cNvPr>
@@ -6174,7 +6204,7 @@
           <p:cNvPr id="4" name="Date Placeholder 3">
             <a:extLst>
               <a:ext uri="{FF2B5EF4-FFF2-40B4-BE49-F238E27FC236}">
-                <a16:creationId xmlns:a16="http://schemas.microsoft.com/office/drawing/2014/main" id="{4107B98F-173F-4961-A753-124D5F25AED6}"/>
+                <a16:creationId xmlns="" xmlns:a16="http://schemas.microsoft.com/office/drawing/2014/main" id="{4107B98F-173F-4961-A753-124D5F25AED6}"/>
               </a:ext>
             </a:extLst>
           </p:cNvPr>
@@ -6210,7 +6240,8 @@
           <a:p>
             <a:fld id="{D2474CCF-98B4-411A-8810-C31E8C29E19B}" type="datetimeFigureOut">
               <a:rPr lang="en-US" smtClean="0"/>
-              <a:t>7/7/2022</a:t>
+              <a:pPr/>
+              <a:t>2/15/2024</a:t>
             </a:fld>
             <a:endParaRPr lang="en-US"/>
           </a:p>
@@ -6221,7 +6252,7 @@
           <p:cNvPr id="5" name="Footer Placeholder 4">
             <a:extLst>
               <a:ext uri="{FF2B5EF4-FFF2-40B4-BE49-F238E27FC236}">
-                <a16:creationId xmlns:a16="http://schemas.microsoft.com/office/drawing/2014/main" id="{69DB7A21-CD9E-479E-AAB2-6CC376E9F692}"/>
+                <a16:creationId xmlns="" xmlns:a16="http://schemas.microsoft.com/office/drawing/2014/main" id="{69DB7A21-CD9E-479E-AAB2-6CC376E9F692}"/>
               </a:ext>
             </a:extLst>
           </p:cNvPr>
@@ -6264,7 +6295,7 @@
           <p:cNvPr id="6" name="Slide Number Placeholder 5">
             <a:extLst>
               <a:ext uri="{FF2B5EF4-FFF2-40B4-BE49-F238E27FC236}">
-                <a16:creationId xmlns:a16="http://schemas.microsoft.com/office/drawing/2014/main" id="{C6ABC126-58FF-4F4D-A936-FEFCC877EF3A}"/>
+                <a16:creationId xmlns="" xmlns:a16="http://schemas.microsoft.com/office/drawing/2014/main" id="{C6ABC126-58FF-4F4D-A936-FEFCC877EF3A}"/>
               </a:ext>
             </a:extLst>
           </p:cNvPr>
@@ -6300,6 +6331,7 @@
           <a:p>
             <a:fld id="{A1FD0E78-183D-4F7D-A18B-8A4BED7B6988}" type="slidenum">
               <a:rPr lang="en-US" smtClean="0"/>
+              <a:pPr/>
               <a:t>‹#›</a:t>
             </a:fld>
             <a:endParaRPr lang="en-US"/>
@@ -6309,7 +6341,7 @@
     </p:spTree>
     <p:extLst>
       <p:ext uri="{BB962C8B-B14F-4D97-AF65-F5344CB8AC3E}">
-        <p14:creationId xmlns:p14="http://schemas.microsoft.com/office/powerpoint/2010/main" val="3606927380"/>
+        <p14:creationId xmlns="" xmlns:p14="http://schemas.microsoft.com/office/powerpoint/2010/main" val="3606927380"/>
       </p:ext>
     </p:extLst>
   </p:cSld>
@@ -6632,7 +6664,7 @@
           <p:cNvPr id="2" name="Title 1">
             <a:extLst>
               <a:ext uri="{FF2B5EF4-FFF2-40B4-BE49-F238E27FC236}">
-                <a16:creationId xmlns:a16="http://schemas.microsoft.com/office/drawing/2014/main" id="{C70F88C2-D62C-496E-8359-A6E42ABBE5C2}"/>
+                <a16:creationId xmlns="" xmlns:a16="http://schemas.microsoft.com/office/drawing/2014/main" id="{C70F88C2-D62C-496E-8359-A6E42ABBE5C2}"/>
               </a:ext>
             </a:extLst>
           </p:cNvPr>
@@ -6664,7 +6696,7 @@
           <p:cNvPr id="3" name="Subtitle 2">
             <a:extLst>
               <a:ext uri="{FF2B5EF4-FFF2-40B4-BE49-F238E27FC236}">
-                <a16:creationId xmlns:a16="http://schemas.microsoft.com/office/drawing/2014/main" id="{D66627D2-8B6B-4DCC-9D83-1FA969EFAFA0}"/>
+                <a16:creationId xmlns="" xmlns:a16="http://schemas.microsoft.com/office/drawing/2014/main" id="{D66627D2-8B6B-4DCC-9D83-1FA969EFAFA0}"/>
               </a:ext>
             </a:extLst>
           </p:cNvPr>
@@ -6705,7 +6737,97 @@
     </p:spTree>
     <p:extLst>
       <p:ext uri="{BB962C8B-B14F-4D97-AF65-F5344CB8AC3E}">
-        <p14:creationId xmlns:p14="http://schemas.microsoft.com/office/powerpoint/2010/main" val="926091206"/>
+        <p14:creationId xmlns="" xmlns:p14="http://schemas.microsoft.com/office/powerpoint/2010/main" val="926091206"/>
+      </p:ext>
+    </p:extLst>
+  </p:cSld>
+  <p:clrMapOvr>
+    <a:masterClrMapping/>
+  </p:clrMapOvr>
+  <p:timing>
+    <p:tnLst>
+      <p:par>
+        <p:cTn id="1" dur="indefinite" restart="never" nodeType="tmRoot"/>
+      </p:par>
+    </p:tnLst>
+  </p:timing>
+</p:sld>
+</file>
+
+<file path=ppt/slides/slide10.xml><?xml version="1.0" encoding="utf-8"?>
+<p:sld xmlns:a="http://schemas.openxmlformats.org/drawingml/2006/main" xmlns:r="http://schemas.openxmlformats.org/officeDocument/2006/relationships" xmlns:p="http://schemas.openxmlformats.org/presentationml/2006/main">
+  <p:cSld>
+    <p:spTree>
+      <p:nvGrpSpPr>
+        <p:cNvPr id="1" name=""/>
+        <p:cNvGrpSpPr/>
+        <p:nvPr/>
+      </p:nvGrpSpPr>
+      <p:grpSpPr>
+        <a:xfrm>
+          <a:off x="0" y="0"/>
+          <a:ext cx="0" cy="0"/>
+          <a:chOff x="0" y="0"/>
+          <a:chExt cx="0" cy="0"/>
+        </a:xfrm>
+      </p:grpSpPr>
+      <p:sp>
+        <p:nvSpPr>
+          <p:cNvPr id="4" name="Title 3">
+            <a:extLst>
+              <a:ext uri="{FF2B5EF4-FFF2-40B4-BE49-F238E27FC236}">
+                <a16:creationId xmlns="" xmlns:a16="http://schemas.microsoft.com/office/drawing/2014/main" id="{6A7E5E61-13E2-4755-865D-C70C8D050323}"/>
+              </a:ext>
+            </a:extLst>
+          </p:cNvPr>
+          <p:cNvSpPr>
+            <a:spLocks noGrp="1"/>
+          </p:cNvSpPr>
+          <p:nvPr>
+            <p:ph type="title"/>
+          </p:nvPr>
+        </p:nvSpPr>
+        <p:spPr/>
+        <p:txBody>
+          <a:bodyPr/>
+          <a:lstStyle/>
+          <a:p>
+            <a:r>
+              <a:rPr lang="en-US" dirty="0"/>
+              <a:t>Thank You</a:t>
+            </a:r>
+          </a:p>
+        </p:txBody>
+      </p:sp>
+      <p:sp>
+        <p:nvSpPr>
+          <p:cNvPr id="5" name="Text Placeholder 4">
+            <a:extLst>
+              <a:ext uri="{FF2B5EF4-FFF2-40B4-BE49-F238E27FC236}">
+                <a16:creationId xmlns="" xmlns:a16="http://schemas.microsoft.com/office/drawing/2014/main" id="{FEA8CE66-7498-4D1A-B413-025DF799C0EE}"/>
+              </a:ext>
+            </a:extLst>
+          </p:cNvPr>
+          <p:cNvSpPr>
+            <a:spLocks noGrp="1"/>
+          </p:cNvSpPr>
+          <p:nvPr>
+            <p:ph type="body" idx="1"/>
+          </p:nvPr>
+        </p:nvSpPr>
+        <p:spPr/>
+        <p:txBody>
+          <a:bodyPr/>
+          <a:lstStyle/>
+          <a:p>
+            <a:endParaRPr lang="en-US"/>
+          </a:p>
+        </p:txBody>
+      </p:sp>
+    </p:spTree>
+    <p:extLst>
+      <p:ext uri="{BB962C8B-B14F-4D97-AF65-F5344CB8AC3E}">
+        <p14:creationId xmlns="" xmlns:p14="http://schemas.microsoft.com/office/powerpoint/2010/main" val="3749363430"/>
       </p:ext>
     </p:extLst>
   </p:cSld>
@@ -6737,7 +6859,7 @@
           <p:cNvPr id="2" name="Title 1">
             <a:extLst>
               <a:ext uri="{FF2B5EF4-FFF2-40B4-BE49-F238E27FC236}">
-                <a16:creationId xmlns:a16="http://schemas.microsoft.com/office/drawing/2014/main" id="{426EEFDC-790E-4E47-A515-1EBCF1F2F2CD}"/>
+                <a16:creationId xmlns="" xmlns:a16="http://schemas.microsoft.com/office/drawing/2014/main" id="{426EEFDC-790E-4E47-A515-1EBCF1F2F2CD}"/>
               </a:ext>
             </a:extLst>
           </p:cNvPr>
@@ -6769,7 +6891,7 @@
           <p:cNvPr id="16" name="Content Placeholder 15">
             <a:extLst>
               <a:ext uri="{FF2B5EF4-FFF2-40B4-BE49-F238E27FC236}">
-                <a16:creationId xmlns:a16="http://schemas.microsoft.com/office/drawing/2014/main" id="{C110FDCF-2EC3-46D4-A98B-824D58833898}"/>
+                <a16:creationId xmlns="" xmlns:a16="http://schemas.microsoft.com/office/drawing/2014/main" id="{C110FDCF-2EC3-46D4-A98B-824D58833898}"/>
               </a:ext>
             </a:extLst>
           </p:cNvPr>
@@ -6958,13 +7080,20 @@
     </p:spTree>
     <p:extLst>
       <p:ext uri="{BB962C8B-B14F-4D97-AF65-F5344CB8AC3E}">
-        <p14:creationId xmlns:p14="http://schemas.microsoft.com/office/powerpoint/2010/main" val="1330197982"/>
+        <p14:creationId xmlns="" xmlns:p14="http://schemas.microsoft.com/office/powerpoint/2010/main" val="1330197982"/>
       </p:ext>
     </p:extLst>
   </p:cSld>
   <p:clrMapOvr>
     <a:masterClrMapping/>
   </p:clrMapOvr>
+  <p:timing>
+    <p:tnLst>
+      <p:par>
+        <p:cTn id="1" dur="indefinite" restart="never" nodeType="tmRoot"/>
+      </p:par>
+    </p:tnLst>
+  </p:timing>
 </p:sld>
 </file>
 
@@ -6987,13 +7116,7 @@
       </p:grpSpPr>
       <p:sp>
         <p:nvSpPr>
-          <p:cNvPr id="2" name="Title 1">
-            <a:extLst>
-              <a:ext uri="{FF2B5EF4-FFF2-40B4-BE49-F238E27FC236}">
-                <a16:creationId xmlns:a16="http://schemas.microsoft.com/office/drawing/2014/main" id="{426EEFDC-790E-4E47-A515-1EBCF1F2F2CD}"/>
-              </a:ext>
-            </a:extLst>
-          </p:cNvPr>
+          <p:cNvPr id="2" name="Title 1"/>
           <p:cNvSpPr>
             <a:spLocks noGrp="1"/>
           </p:cNvSpPr>
@@ -7001,36 +7124,30 @@
             <p:ph type="title"/>
           </p:nvPr>
         </p:nvSpPr>
-        <p:spPr>
-          <a:xfrm>
-            <a:off x="415709" y="0"/>
-            <a:ext cx="9438716" cy="797605"/>
-          </a:xfrm>
-        </p:spPr>
+        <p:spPr/>
         <p:txBody>
           <a:bodyPr/>
           <a:lstStyle/>
           <a:p>
-            <a:pPr algn="l" fontAlgn="base"/>
-            <a:r>
-              <a:rPr lang="en-US" b="1" i="0" dirty="0">
-                <a:effectLst/>
-                <a:latin typeface="-apple-system"/>
-              </a:rPr>
-              <a:t>Components of Angular Router Module</a:t>
-            </a:r>
-          </a:p>
-        </p:txBody>
-      </p:sp>
-      <p:sp>
-        <p:nvSpPr>
-          <p:cNvPr id="5" name="Rectangle 2">
-            <a:extLst>
-              <a:ext uri="{FF2B5EF4-FFF2-40B4-BE49-F238E27FC236}">
-                <a16:creationId xmlns:a16="http://schemas.microsoft.com/office/drawing/2014/main" id="{AC5FB7AF-931F-4B88-A505-AAB20F31848C}"/>
-              </a:ext>
-            </a:extLst>
-          </p:cNvPr>
+            <a:r>
+              <a:rPr lang="en-IN" b="1" dirty="0" smtClean="0">
+                <a:solidFill>
+                  <a:schemeClr val="accent1"/>
+                </a:solidFill>
+              </a:rPr>
+              <a:t>CLI command to create routing Module</a:t>
+            </a:r>
+            <a:endParaRPr lang="en-US" b="1" dirty="0">
+              <a:solidFill>
+                <a:schemeClr val="accent1"/>
+              </a:solidFill>
+            </a:endParaRPr>
+          </a:p>
+        </p:txBody>
+      </p:sp>
+      <p:sp>
+        <p:nvSpPr>
+          <p:cNvPr id="1025" name="Rectangle 1"/>
           <p:cNvSpPr>
             <a:spLocks noChangeArrowheads="1"/>
           </p:cNvSpPr>
@@ -7038,178 +7155,31 @@
         </p:nvSpPr>
         <p:spPr bwMode="auto">
           <a:xfrm>
-            <a:off x="587405" y="634256"/>
-            <a:ext cx="11017190" cy="6155531"/>
+            <a:off x="948906" y="2018580"/>
+            <a:ext cx="10136037" cy="523220"/>
           </a:xfrm>
           <a:prstGeom prst="rect">
             <a:avLst/>
           </a:prstGeom>
-          <a:solidFill>
-            <a:srgbClr val="F2F2F2"/>
-          </a:solidFill>
-          <a:ln>
+          <a:noFill/>
+          <a:ln w="9525">
             <a:noFill/>
+            <a:miter lim="800000"/>
+            <a:headEnd/>
+            <a:tailEnd/>
           </a:ln>
           <a:effectLst/>
-          <a:extLst>
-            <a:ext uri="{91240B29-F687-4F45-9708-019B960494DF}">
-              <a14:hiddenLine xmlns:a14="http://schemas.microsoft.com/office/drawing/2010/main" w="9525">
-                <a:solidFill>
-                  <a:schemeClr val="tx1"/>
-                </a:solidFill>
-                <a:miter lim="800000"/>
-                <a:headEnd/>
-                <a:tailEnd/>
-              </a14:hiddenLine>
-            </a:ext>
-            <a:ext uri="{AF507438-7753-43E0-B8FC-AC1667EBCBE1}">
-              <a14:hiddenEffects xmlns:a14="http://schemas.microsoft.com/office/drawing/2010/main">
-                <a:effectLst>
-                  <a:outerShdw dist="35921" dir="2700000" algn="ctr" rotWithShape="0">
-                    <a:schemeClr val="bg2"/>
-                  </a:outerShdw>
-                </a:effectLst>
-              </a14:hiddenEffects>
-            </a:ext>
-          </a:extLst>
         </p:spPr>
         <p:txBody>
-          <a:bodyPr vert="horz" wrap="square" lIns="0" tIns="0" rIns="0" bIns="0" numCol="1" anchor="ctr" anchorCtr="0" compatLnSpc="1">
+          <a:bodyPr vert="horz" wrap="square" lIns="91440" tIns="45720" rIns="91440" bIns="45720" numCol="1" anchor="ctr" anchorCtr="0" compatLnSpc="1">
             <a:prstTxWarp prst="textNoShape">
               <a:avLst/>
             </a:prstTxWarp>
             <a:spAutoFit/>
           </a:bodyPr>
-          <a:lstStyle>
-            <a:lvl1pPr eaLnBrk="0" fontAlgn="base" hangingPunct="0">
-              <a:spcBef>
-                <a:spcPct val="0"/>
-              </a:spcBef>
-              <a:spcAft>
-                <a:spcPct val="0"/>
-              </a:spcAft>
-              <a:defRPr>
-                <a:solidFill>
-                  <a:schemeClr val="tx1"/>
-                </a:solidFill>
-                <a:latin typeface="Arial" panose="020B0604020202020204" pitchFamily="34" charset="0"/>
-              </a:defRPr>
-            </a:lvl1pPr>
-            <a:lvl2pPr eaLnBrk="0" fontAlgn="base" hangingPunct="0">
-              <a:spcBef>
-                <a:spcPct val="0"/>
-              </a:spcBef>
-              <a:spcAft>
-                <a:spcPct val="0"/>
-              </a:spcAft>
-              <a:defRPr>
-                <a:solidFill>
-                  <a:schemeClr val="tx1"/>
-                </a:solidFill>
-                <a:latin typeface="Arial" panose="020B0604020202020204" pitchFamily="34" charset="0"/>
-              </a:defRPr>
-            </a:lvl2pPr>
-            <a:lvl3pPr eaLnBrk="0" fontAlgn="base" hangingPunct="0">
-              <a:spcBef>
-                <a:spcPct val="0"/>
-              </a:spcBef>
-              <a:spcAft>
-                <a:spcPct val="0"/>
-              </a:spcAft>
-              <a:defRPr>
-                <a:solidFill>
-                  <a:schemeClr val="tx1"/>
-                </a:solidFill>
-                <a:latin typeface="Arial" panose="020B0604020202020204" pitchFamily="34" charset="0"/>
-              </a:defRPr>
-            </a:lvl3pPr>
-            <a:lvl4pPr eaLnBrk="0" fontAlgn="base" hangingPunct="0">
-              <a:spcBef>
-                <a:spcPct val="0"/>
-              </a:spcBef>
-              <a:spcAft>
-                <a:spcPct val="0"/>
-              </a:spcAft>
-              <a:defRPr>
-                <a:solidFill>
-                  <a:schemeClr val="tx1"/>
-                </a:solidFill>
-                <a:latin typeface="Arial" panose="020B0604020202020204" pitchFamily="34" charset="0"/>
-              </a:defRPr>
-            </a:lvl4pPr>
-            <a:lvl5pPr eaLnBrk="0" fontAlgn="base" hangingPunct="0">
-              <a:spcBef>
-                <a:spcPct val="0"/>
-              </a:spcBef>
-              <a:spcAft>
-                <a:spcPct val="0"/>
-              </a:spcAft>
-              <a:defRPr>
-                <a:solidFill>
-                  <a:schemeClr val="tx1"/>
-                </a:solidFill>
-                <a:latin typeface="Arial" panose="020B0604020202020204" pitchFamily="34" charset="0"/>
-              </a:defRPr>
-            </a:lvl5pPr>
-            <a:lvl6pPr eaLnBrk="0" fontAlgn="base" hangingPunct="0">
-              <a:spcBef>
-                <a:spcPct val="0"/>
-              </a:spcBef>
-              <a:spcAft>
-                <a:spcPct val="0"/>
-              </a:spcAft>
-              <a:defRPr>
-                <a:solidFill>
-                  <a:schemeClr val="tx1"/>
-                </a:solidFill>
-                <a:latin typeface="Arial" panose="020B0604020202020204" pitchFamily="34" charset="0"/>
-              </a:defRPr>
-            </a:lvl6pPr>
-            <a:lvl7pPr eaLnBrk="0" fontAlgn="base" hangingPunct="0">
-              <a:spcBef>
-                <a:spcPct val="0"/>
-              </a:spcBef>
-              <a:spcAft>
-                <a:spcPct val="0"/>
-              </a:spcAft>
-              <a:defRPr>
-                <a:solidFill>
-                  <a:schemeClr val="tx1"/>
-                </a:solidFill>
-                <a:latin typeface="Arial" panose="020B0604020202020204" pitchFamily="34" charset="0"/>
-              </a:defRPr>
-            </a:lvl7pPr>
-            <a:lvl8pPr eaLnBrk="0" fontAlgn="base" hangingPunct="0">
-              <a:spcBef>
-                <a:spcPct val="0"/>
-              </a:spcBef>
-              <a:spcAft>
-                <a:spcPct val="0"/>
-              </a:spcAft>
-              <a:defRPr>
-                <a:solidFill>
-                  <a:schemeClr val="tx1"/>
-                </a:solidFill>
-                <a:latin typeface="Arial" panose="020B0604020202020204" pitchFamily="34" charset="0"/>
-              </a:defRPr>
-            </a:lvl8pPr>
-            <a:lvl9pPr eaLnBrk="0" fontAlgn="base" hangingPunct="0">
-              <a:spcBef>
-                <a:spcPct val="0"/>
-              </a:spcBef>
-              <a:spcAft>
-                <a:spcPct val="0"/>
-              </a:spcAft>
-              <a:defRPr>
-                <a:solidFill>
-                  <a:schemeClr val="tx1"/>
-                </a:solidFill>
-                <a:latin typeface="Arial" panose="020B0604020202020204" pitchFamily="34" charset="0"/>
-              </a:defRPr>
-            </a:lvl9pPr>
-          </a:lstStyle>
-          <a:p>
-            <a:pPr marL="0" marR="0" lvl="0" indent="0" algn="l" defTabSz="914400" rtl="0" eaLnBrk="0" fontAlgn="base" latinLnBrk="0" hangingPunct="0">
+          <a:lstStyle/>
+          <a:p>
+            <a:pPr marL="0" marR="0" lvl="0" indent="0" algn="l" defTabSz="914400" rtl="0" eaLnBrk="1" fontAlgn="base" latinLnBrk="0" hangingPunct="1">
               <a:lnSpc>
                 <a:spcPct val="100000"/>
               </a:lnSpc>
@@ -7226,38 +7196,21 @@
               <a:tabLst/>
             </a:pPr>
             <a:r>
-              <a:rPr kumimoji="0" lang="en-US" altLang="en-US" sz="2000" b="1" i="0" u="none" strike="noStrike" cap="none" normalizeH="0" baseline="0" dirty="0">
+              <a:rPr kumimoji="0" lang="en-US" sz="2800" b="0" i="0" u="none" strike="noStrike" cap="none" normalizeH="0" baseline="0" dirty="0" err="1" smtClean="0">
                 <a:ln>
                   <a:noFill/>
                 </a:ln>
                 <a:solidFill>
-                  <a:schemeClr val="tx1"/>
-                </a:solidFill>
-                <a:effectLst/>
-                <a:latin typeface="-apple-system"/>
-              </a:rPr>
-              <a:t>Router</a:t>
-            </a:r>
-          </a:p>
-          <a:p>
-            <a:pPr marL="0" marR="0" lvl="0" indent="0" algn="l" defTabSz="914400" rtl="0" eaLnBrk="0" fontAlgn="base" latinLnBrk="0" hangingPunct="0">
-              <a:lnSpc>
-                <a:spcPct val="100000"/>
-              </a:lnSpc>
-              <a:spcBef>
-                <a:spcPct val="0"/>
-              </a:spcBef>
-              <a:spcAft>
-                <a:spcPct val="0"/>
-              </a:spcAft>
-              <a:buClrTx/>
-              <a:buSzTx/>
-              <a:buFontTx/>
-              <a:buNone/>
-              <a:tabLst/>
-            </a:pPr>
-            <a:r>
-              <a:rPr kumimoji="0" lang="en-US" altLang="en-US" sz="2000" b="0" i="0" u="none" strike="noStrike" cap="none" normalizeH="0" baseline="0" dirty="0">
+                  <a:srgbClr val="000000"/>
+                </a:solidFill>
+                <a:effectLst/>
+                <a:latin typeface="inherit"/>
+                <a:cs typeface="Arial" pitchFamily="34" charset="0"/>
+              </a:rPr>
+              <a:t>ng</a:t>
+            </a:r>
+            <a:r>
+              <a:rPr kumimoji="0" lang="en-US" sz="2800" b="0" i="0" u="none" strike="noStrike" cap="none" normalizeH="0" baseline="0" dirty="0" smtClean="0">
                 <a:ln>
                   <a:noFill/>
                 </a:ln>
@@ -7265,505 +7218,29 @@
                   <a:srgbClr val="000000"/>
                 </a:solidFill>
                 <a:effectLst/>
-                <a:latin typeface="-apple-system"/>
-              </a:rPr>
-              <a:t>The Angular Router is an object that enables navigation from one component to the next component as users perform application tasks like clicking on menus links, buttons or clicking on back/forward button on the browser. We can access the router object and use its methods like navigate() or </a:t>
-            </a:r>
-            <a:r>
-              <a:rPr kumimoji="0" lang="en-US" altLang="en-US" sz="2000" b="0" i="0" u="none" strike="noStrike" cap="none" normalizeH="0" baseline="0" dirty="0" err="1">
+                <a:latin typeface="inherit"/>
+                <a:cs typeface="Arial" pitchFamily="34" charset="0"/>
+              </a:rPr>
+              <a:t> generate module app-routing --module app --flat</a:t>
+            </a:r>
+            <a:r>
+              <a:rPr kumimoji="0" lang="en-US" sz="2800" b="0" i="0" u="none" strike="noStrike" cap="none" normalizeH="0" baseline="0" dirty="0" smtClean="0">
                 <a:ln>
                   <a:noFill/>
                 </a:ln>
                 <a:solidFill>
-                  <a:srgbClr val="000000"/>
-                </a:solidFill>
-                <a:effectLst/>
-                <a:latin typeface="-apple-system"/>
-              </a:rPr>
-              <a:t>navigateByUrl</a:t>
-            </a:r>
-            <a:r>
-              <a:rPr kumimoji="0" lang="en-US" altLang="en-US" sz="2000" b="0" i="0" u="none" strike="noStrike" cap="none" normalizeH="0" baseline="0" dirty="0">
-                <a:ln>
-                  <a:noFill/>
-                </a:ln>
-                <a:solidFill>
-                  <a:srgbClr val="000000"/>
-                </a:solidFill>
-                <a:effectLst/>
-                <a:latin typeface="-apple-system"/>
-              </a:rPr>
-              <a:t>(), to navigate to a route</a:t>
-            </a:r>
-            <a:endParaRPr kumimoji="0" lang="en-US" altLang="en-US" sz="2000" b="1" i="0" u="none" strike="noStrike" cap="none" normalizeH="0" baseline="0" dirty="0">
-              <a:ln>
-                <a:noFill/>
-              </a:ln>
-              <a:solidFill>
-                <a:schemeClr val="tx1"/>
-              </a:solidFill>
-              <a:effectLst/>
-              <a:latin typeface="-apple-system"/>
-            </a:endParaRPr>
-          </a:p>
-          <a:p>
-            <a:pPr marL="0" marR="0" lvl="0" indent="0" algn="l" defTabSz="914400" rtl="0" eaLnBrk="0" fontAlgn="base" latinLnBrk="0" hangingPunct="0">
-              <a:lnSpc>
-                <a:spcPct val="100000"/>
-              </a:lnSpc>
-              <a:spcBef>
-                <a:spcPct val="0"/>
-              </a:spcBef>
-              <a:spcAft>
-                <a:spcPct val="0"/>
-              </a:spcAft>
-              <a:buClrTx/>
-              <a:buSzTx/>
-              <a:buFontTx/>
-              <a:buNone/>
-              <a:tabLst/>
-            </a:pPr>
-            <a:r>
-              <a:rPr kumimoji="0" lang="en-US" altLang="en-US" sz="2000" b="1" i="0" u="none" strike="noStrike" cap="none" normalizeH="0" baseline="0" dirty="0">
-                <a:ln>
-                  <a:noFill/>
-                </a:ln>
-                <a:solidFill>
                   <a:schemeClr val="tx1"/>
                 </a:solidFill>
                 <a:effectLst/>
-                <a:latin typeface="-apple-system"/>
-              </a:rPr>
-              <a:t>Route</a:t>
-            </a:r>
-          </a:p>
-          <a:p>
-            <a:pPr marL="0" marR="0" lvl="0" indent="0" algn="l" defTabSz="914400" rtl="0" eaLnBrk="0" fontAlgn="base" latinLnBrk="0" hangingPunct="0">
-              <a:lnSpc>
-                <a:spcPct val="100000"/>
-              </a:lnSpc>
-              <a:spcBef>
-                <a:spcPct val="0"/>
-              </a:spcBef>
-              <a:spcAft>
-                <a:spcPct val="0"/>
-              </a:spcAft>
-              <a:buClrTx/>
-              <a:buSzTx/>
-              <a:buFontTx/>
-              <a:buNone/>
-              <a:tabLst/>
-            </a:pPr>
-            <a:r>
-              <a:rPr kumimoji="0" lang="en-US" altLang="en-US" sz="2000" b="0" i="0" u="none" strike="noStrike" cap="none" normalizeH="0" baseline="0" dirty="0">
-                <a:ln>
-                  <a:noFill/>
-                </a:ln>
-                <a:solidFill>
-                  <a:srgbClr val="000000"/>
-                </a:solidFill>
-                <a:effectLst/>
-                <a:latin typeface="-apple-system"/>
-              </a:rPr>
-              <a:t>Route tells the Angular Router which view to display when a user clicks a link or pastes a URL into the browser address bar. Every Route consists of a path and a component it is mapped to. The Router object parses and builds the final URL using the Route</a:t>
-            </a:r>
-            <a:endParaRPr kumimoji="0" lang="en-US" altLang="en-US" sz="2000" b="1" i="0" u="none" strike="noStrike" cap="none" normalizeH="0" baseline="0" dirty="0">
-              <a:ln>
-                <a:noFill/>
-              </a:ln>
-              <a:solidFill>
-                <a:schemeClr val="tx1"/>
-              </a:solidFill>
-              <a:effectLst/>
-              <a:latin typeface="-apple-system"/>
-            </a:endParaRPr>
-          </a:p>
-          <a:p>
-            <a:pPr marL="0" marR="0" lvl="0" indent="0" algn="l" defTabSz="914400" rtl="0" eaLnBrk="0" fontAlgn="base" latinLnBrk="0" hangingPunct="0">
-              <a:lnSpc>
-                <a:spcPct val="100000"/>
-              </a:lnSpc>
-              <a:spcBef>
-                <a:spcPct val="0"/>
-              </a:spcBef>
-              <a:spcAft>
-                <a:spcPct val="0"/>
-              </a:spcAft>
-              <a:buClrTx/>
-              <a:buSzTx/>
-              <a:buFontTx/>
-              <a:buNone/>
-              <a:tabLst/>
-            </a:pPr>
-            <a:r>
-              <a:rPr kumimoji="0" lang="en-US" altLang="en-US" sz="2000" b="1" i="0" u="none" strike="noStrike" cap="none" normalizeH="0" baseline="0" dirty="0">
-                <a:ln>
-                  <a:noFill/>
-                </a:ln>
-                <a:solidFill>
-                  <a:schemeClr val="tx1"/>
-                </a:solidFill>
-                <a:effectLst/>
-                <a:latin typeface="-apple-system"/>
-              </a:rPr>
-              <a:t>Routes</a:t>
-            </a:r>
-          </a:p>
-          <a:p>
-            <a:pPr marL="0" marR="0" lvl="0" indent="0" algn="l" defTabSz="914400" rtl="0" eaLnBrk="0" fontAlgn="base" latinLnBrk="0" hangingPunct="0">
-              <a:lnSpc>
-                <a:spcPct val="100000"/>
-              </a:lnSpc>
-              <a:spcBef>
-                <a:spcPct val="0"/>
-              </a:spcBef>
-              <a:spcAft>
-                <a:spcPct val="0"/>
-              </a:spcAft>
-              <a:buClrTx/>
-              <a:buSzTx/>
-              <a:buFontTx/>
-              <a:buNone/>
-              <a:tabLst/>
-            </a:pPr>
-            <a:r>
-              <a:rPr kumimoji="0" lang="en-US" altLang="en-US" sz="2000" b="0" i="0" u="none" strike="noStrike" cap="none" normalizeH="0" baseline="0" dirty="0">
-                <a:ln>
-                  <a:noFill/>
-                </a:ln>
-                <a:solidFill>
-                  <a:srgbClr val="000000"/>
-                </a:solidFill>
-                <a:effectLst/>
-                <a:latin typeface="-apple-system"/>
-              </a:rPr>
-              <a:t>Routes is an array of Route objects our application supports</a:t>
-            </a:r>
-            <a:endParaRPr kumimoji="0" lang="en-US" altLang="en-US" sz="2000" b="1" i="0" u="none" strike="noStrike" cap="none" normalizeH="0" baseline="0" dirty="0">
-              <a:ln>
-                <a:noFill/>
-              </a:ln>
-              <a:solidFill>
-                <a:schemeClr val="tx1"/>
-              </a:solidFill>
-              <a:effectLst/>
-              <a:latin typeface="-apple-system"/>
-            </a:endParaRPr>
-          </a:p>
-          <a:p>
-            <a:pPr marL="0" marR="0" lvl="0" indent="0" algn="l" defTabSz="914400" rtl="0" eaLnBrk="0" fontAlgn="base" latinLnBrk="0" hangingPunct="0">
-              <a:lnSpc>
-                <a:spcPct val="100000"/>
-              </a:lnSpc>
-              <a:spcBef>
-                <a:spcPct val="0"/>
-              </a:spcBef>
-              <a:spcAft>
-                <a:spcPct val="0"/>
-              </a:spcAft>
-              <a:buClrTx/>
-              <a:buSzTx/>
-              <a:buFontTx/>
-              <a:buNone/>
-              <a:tabLst/>
-            </a:pPr>
-            <a:r>
-              <a:rPr kumimoji="0" lang="en-US" altLang="en-US" sz="2000" b="1" i="0" u="none" strike="noStrike" cap="none" normalizeH="0" baseline="0" dirty="0" err="1">
-                <a:ln>
-                  <a:noFill/>
-                </a:ln>
-                <a:solidFill>
-                  <a:schemeClr val="tx1"/>
-                </a:solidFill>
-                <a:effectLst/>
-                <a:latin typeface="-apple-system"/>
-              </a:rPr>
-              <a:t>RouterOutlet</a:t>
-            </a:r>
-            <a:endParaRPr kumimoji="0" lang="en-US" altLang="en-US" sz="2000" b="1" i="0" u="none" strike="noStrike" cap="none" normalizeH="0" baseline="0" dirty="0">
-              <a:ln>
-                <a:noFill/>
-              </a:ln>
-              <a:solidFill>
-                <a:schemeClr val="tx1"/>
-              </a:solidFill>
-              <a:effectLst/>
-              <a:latin typeface="-apple-system"/>
-            </a:endParaRPr>
-          </a:p>
-          <a:p>
-            <a:pPr marL="0" marR="0" lvl="0" indent="0" algn="l" defTabSz="914400" rtl="0" eaLnBrk="0" fontAlgn="base" latinLnBrk="0" hangingPunct="0">
-              <a:lnSpc>
-                <a:spcPct val="100000"/>
-              </a:lnSpc>
-              <a:spcBef>
-                <a:spcPct val="0"/>
-              </a:spcBef>
-              <a:spcAft>
-                <a:spcPct val="0"/>
-              </a:spcAft>
-              <a:buClrTx/>
-              <a:buSzTx/>
-              <a:buFontTx/>
-              <a:buNone/>
-              <a:tabLst/>
-            </a:pPr>
-            <a:r>
-              <a:rPr kumimoji="0" lang="en-US" altLang="en-US" sz="2000" b="0" i="0" u="none" strike="noStrike" cap="none" normalizeH="0" baseline="0" dirty="0">
-                <a:ln>
-                  <a:noFill/>
-                </a:ln>
-                <a:solidFill>
-                  <a:srgbClr val="000000"/>
-                </a:solidFill>
-                <a:effectLst/>
-                <a:latin typeface="-apple-system"/>
-              </a:rPr>
-              <a:t>The </a:t>
-            </a:r>
-            <a:r>
-              <a:rPr kumimoji="0" lang="en-US" altLang="en-US" sz="2000" b="0" i="0" u="none" strike="noStrike" cap="none" normalizeH="0" baseline="0" dirty="0" err="1">
-                <a:ln>
-                  <a:noFill/>
-                </a:ln>
-                <a:solidFill>
-                  <a:srgbClr val="000000"/>
-                </a:solidFill>
-                <a:effectLst/>
-                <a:latin typeface="-apple-system"/>
-              </a:rPr>
-              <a:t>outerOutlet</a:t>
-            </a:r>
-            <a:r>
-              <a:rPr kumimoji="0" lang="en-US" altLang="en-US" sz="2000" b="0" i="0" u="none" strike="noStrike" cap="none" normalizeH="0" baseline="0" dirty="0">
-                <a:ln>
-                  <a:noFill/>
-                </a:ln>
-                <a:solidFill>
-                  <a:srgbClr val="000000"/>
-                </a:solidFill>
-                <a:effectLst/>
-                <a:latin typeface="-apple-system"/>
-              </a:rPr>
-              <a:t> is a directive (&lt;router-outlet&gt;) that serves as a placeholder, where the Router should display the view</a:t>
-            </a:r>
-            <a:endParaRPr kumimoji="0" lang="en-US" altLang="en-US" sz="2000" b="1" i="0" u="none" strike="noStrike" cap="none" normalizeH="0" baseline="0" dirty="0">
-              <a:ln>
-                <a:noFill/>
-              </a:ln>
-              <a:solidFill>
-                <a:schemeClr val="tx1"/>
-              </a:solidFill>
-              <a:effectLst/>
-              <a:latin typeface="-apple-system"/>
-            </a:endParaRPr>
-          </a:p>
-          <a:p>
-            <a:pPr marL="0" marR="0" lvl="0" indent="0" algn="l" defTabSz="914400" rtl="0" eaLnBrk="0" fontAlgn="base" latinLnBrk="0" hangingPunct="0">
-              <a:lnSpc>
-                <a:spcPct val="100000"/>
-              </a:lnSpc>
-              <a:spcBef>
-                <a:spcPct val="0"/>
-              </a:spcBef>
-              <a:spcAft>
-                <a:spcPct val="0"/>
-              </a:spcAft>
-              <a:buClrTx/>
-              <a:buSzTx/>
-              <a:buFontTx/>
-              <a:buNone/>
-              <a:tabLst/>
-            </a:pPr>
-            <a:r>
-              <a:rPr kumimoji="0" lang="en-US" altLang="en-US" sz="2000" b="1" i="0" u="none" strike="noStrike" cap="none" normalizeH="0" baseline="0" dirty="0" err="1">
-                <a:ln>
-                  <a:noFill/>
-                </a:ln>
-                <a:solidFill>
-                  <a:schemeClr val="tx1"/>
-                </a:solidFill>
-                <a:effectLst/>
-                <a:latin typeface="-apple-system"/>
-              </a:rPr>
-              <a:t>RouterLink</a:t>
-            </a:r>
-            <a:endParaRPr kumimoji="0" lang="en-US" altLang="en-US" sz="2000" b="1" i="0" u="none" strike="noStrike" cap="none" normalizeH="0" baseline="0" dirty="0">
-              <a:ln>
-                <a:noFill/>
-              </a:ln>
-              <a:solidFill>
-                <a:schemeClr val="tx1"/>
-              </a:solidFill>
-              <a:effectLst/>
-              <a:latin typeface="-apple-system"/>
-            </a:endParaRPr>
-          </a:p>
-          <a:p>
-            <a:pPr marL="0" marR="0" lvl="0" indent="0" algn="l" defTabSz="914400" rtl="0" eaLnBrk="0" fontAlgn="base" latinLnBrk="0" hangingPunct="0">
-              <a:lnSpc>
-                <a:spcPct val="100000"/>
-              </a:lnSpc>
-              <a:spcBef>
-                <a:spcPct val="0"/>
-              </a:spcBef>
-              <a:spcAft>
-                <a:spcPct val="0"/>
-              </a:spcAft>
-              <a:buClrTx/>
-              <a:buSzTx/>
-              <a:buFontTx/>
-              <a:buNone/>
-              <a:tabLst/>
-            </a:pPr>
-            <a:r>
-              <a:rPr kumimoji="0" lang="en-US" altLang="en-US" sz="2000" b="0" i="0" u="none" strike="noStrike" cap="none" normalizeH="0" baseline="0" dirty="0">
-                <a:ln>
-                  <a:noFill/>
-                </a:ln>
-                <a:solidFill>
-                  <a:srgbClr val="000000"/>
-                </a:solidFill>
-                <a:effectLst/>
-                <a:latin typeface="-apple-system"/>
-              </a:rPr>
-              <a:t>The </a:t>
-            </a:r>
-            <a:r>
-              <a:rPr kumimoji="0" lang="en-US" altLang="en-US" sz="2000" b="0" i="0" u="none" strike="noStrike" cap="none" normalizeH="0" baseline="0" dirty="0" err="1">
-                <a:ln>
-                  <a:noFill/>
-                </a:ln>
-                <a:solidFill>
-                  <a:srgbClr val="000000"/>
-                </a:solidFill>
-                <a:effectLst/>
-                <a:latin typeface="-apple-system"/>
-              </a:rPr>
-              <a:t>RouterLink</a:t>
-            </a:r>
-            <a:r>
-              <a:rPr kumimoji="0" lang="en-US" altLang="en-US" sz="2000" b="0" i="0" u="none" strike="noStrike" cap="none" normalizeH="0" baseline="0" dirty="0">
-                <a:ln>
-                  <a:noFill/>
-                </a:ln>
-                <a:solidFill>
-                  <a:srgbClr val="000000"/>
-                </a:solidFill>
-                <a:effectLst/>
-                <a:latin typeface="-apple-system"/>
-              </a:rPr>
-              <a:t> is a directive that binds the HTML element to a Route. Clicking on the HTML element, which is bound to a </a:t>
-            </a:r>
-            <a:r>
-              <a:rPr kumimoji="0" lang="en-US" altLang="en-US" sz="2000" b="0" i="0" u="none" strike="noStrike" cap="none" normalizeH="0" baseline="0" dirty="0" err="1">
-                <a:ln>
-                  <a:noFill/>
-                </a:ln>
-                <a:solidFill>
-                  <a:srgbClr val="000000"/>
-                </a:solidFill>
-                <a:effectLst/>
-                <a:latin typeface="-apple-system"/>
-              </a:rPr>
-              <a:t>RouterLink</a:t>
-            </a:r>
-            <a:r>
-              <a:rPr kumimoji="0" lang="en-US" altLang="en-US" sz="2000" b="0" i="0" u="none" strike="noStrike" cap="none" normalizeH="0" baseline="0" dirty="0">
-                <a:ln>
-                  <a:noFill/>
-                </a:ln>
-                <a:solidFill>
-                  <a:srgbClr val="000000"/>
-                </a:solidFill>
-                <a:effectLst/>
-                <a:latin typeface="-apple-system"/>
-              </a:rPr>
-              <a:t>, will result in navigation to the Route. The </a:t>
-            </a:r>
-            <a:r>
-              <a:rPr kumimoji="0" lang="en-US" altLang="en-US" sz="2000" b="0" i="0" u="none" strike="noStrike" cap="none" normalizeH="0" baseline="0" dirty="0" err="1">
-                <a:ln>
-                  <a:noFill/>
-                </a:ln>
-                <a:solidFill>
-                  <a:srgbClr val="000000"/>
-                </a:solidFill>
-                <a:effectLst/>
-                <a:latin typeface="-apple-system"/>
-              </a:rPr>
-              <a:t>RouterLink</a:t>
-            </a:r>
-            <a:r>
-              <a:rPr kumimoji="0" lang="en-US" altLang="en-US" sz="2000" b="0" i="0" u="none" strike="noStrike" cap="none" normalizeH="0" baseline="0" dirty="0">
-                <a:ln>
-                  <a:noFill/>
-                </a:ln>
-                <a:solidFill>
-                  <a:srgbClr val="000000"/>
-                </a:solidFill>
-                <a:effectLst/>
-                <a:latin typeface="-apple-system"/>
-              </a:rPr>
-              <a:t> may contain parameters to be passed to the route’s component.</a:t>
-            </a:r>
-            <a:endParaRPr kumimoji="0" lang="en-US" altLang="en-US" sz="2000" b="1" i="0" u="none" strike="noStrike" cap="none" normalizeH="0" baseline="0" dirty="0">
-              <a:ln>
-                <a:noFill/>
-              </a:ln>
-              <a:solidFill>
-                <a:schemeClr val="tx1"/>
-              </a:solidFill>
-              <a:effectLst/>
-              <a:latin typeface="-apple-system"/>
-            </a:endParaRPr>
-          </a:p>
-          <a:p>
-            <a:pPr marL="0" marR="0" lvl="0" indent="0" algn="l" defTabSz="914400" rtl="0" eaLnBrk="0" fontAlgn="base" latinLnBrk="0" hangingPunct="0">
-              <a:lnSpc>
-                <a:spcPct val="100000"/>
-              </a:lnSpc>
-              <a:spcBef>
-                <a:spcPct val="0"/>
-              </a:spcBef>
-              <a:spcAft>
-                <a:spcPct val="0"/>
-              </a:spcAft>
-              <a:buClrTx/>
-              <a:buSzTx/>
-              <a:buFontTx/>
-              <a:buNone/>
-              <a:tabLst/>
-            </a:pPr>
-            <a:br>
-              <a:rPr kumimoji="0" lang="en-US" altLang="en-US" sz="2000" b="0" i="0" u="none" strike="noStrike" cap="none" normalizeH="0" baseline="0" dirty="0">
-                <a:ln>
-                  <a:noFill/>
-                </a:ln>
-                <a:solidFill>
-                  <a:schemeClr val="tx1"/>
-                </a:solidFill>
-                <a:effectLst/>
-              </a:rPr>
-            </a:br>
-            <a:endParaRPr kumimoji="0" lang="en-US" altLang="en-US" sz="2000" b="0" i="0" u="none" strike="noStrike" cap="none" normalizeH="0" baseline="0" dirty="0">
-              <a:ln>
-                <a:noFill/>
-              </a:ln>
-              <a:solidFill>
-                <a:schemeClr val="tx1"/>
-              </a:solidFill>
-              <a:effectLst/>
-            </a:endParaRPr>
+                <a:latin typeface="Arial" pitchFamily="34" charset="0"/>
+                <a:cs typeface="Arial" pitchFamily="34" charset="0"/>
+              </a:rPr>
+              <a:t> </a:t>
+            </a:r>
           </a:p>
         </p:txBody>
       </p:sp>
     </p:spTree>
-    <p:extLst>
-      <p:ext uri="{BB962C8B-B14F-4D97-AF65-F5344CB8AC3E}">
-        <p14:creationId xmlns:p14="http://schemas.microsoft.com/office/powerpoint/2010/main" val="2088929170"/>
-      </p:ext>
-    </p:extLst>
   </p:cSld>
   <p:clrMapOvr>
     <a:masterClrMapping/>
@@ -7790,10 +7267,10 @@
       </p:grpSpPr>
       <p:sp>
         <p:nvSpPr>
-          <p:cNvPr id="16" name="Content Placeholder 15">
-            <a:extLst>
-              <a:ext uri="{FF2B5EF4-FFF2-40B4-BE49-F238E27FC236}">
-                <a16:creationId xmlns:a16="http://schemas.microsoft.com/office/drawing/2014/main" id="{C110FDCF-2EC3-46D4-A98B-824D58833898}"/>
+          <p:cNvPr id="2" name="Title 1">
+            <a:extLst>
+              <a:ext uri="{FF2B5EF4-FFF2-40B4-BE49-F238E27FC236}">
+                <a16:creationId xmlns="" xmlns:a16="http://schemas.microsoft.com/office/drawing/2014/main" id="{426EEFDC-790E-4E47-A515-1EBCF1F2F2CD}"/>
               </a:ext>
             </a:extLst>
           </p:cNvPr>
@@ -7801,18 +7278,216 @@
             <a:spLocks noGrp="1"/>
           </p:cNvSpPr>
           <p:nvPr>
-            <p:ph idx="1"/>
+            <p:ph type="title"/>
           </p:nvPr>
         </p:nvSpPr>
         <p:spPr>
           <a:xfrm>
-            <a:off x="345454" y="356674"/>
-            <a:ext cx="11039452" cy="5053380"/>
+            <a:off x="415709" y="0"/>
+            <a:ext cx="9438716" cy="797605"/>
           </a:xfrm>
         </p:spPr>
         <p:txBody>
           <a:bodyPr/>
           <a:lstStyle/>
+          <a:p>
+            <a:pPr algn="l" fontAlgn="base"/>
+            <a:r>
+              <a:rPr lang="en-US" b="1" i="0" dirty="0">
+                <a:effectLst/>
+                <a:latin typeface="-apple-system"/>
+              </a:rPr>
+              <a:t>Components of Angular Router Module</a:t>
+            </a:r>
+          </a:p>
+        </p:txBody>
+      </p:sp>
+      <p:sp>
+        <p:nvSpPr>
+          <p:cNvPr id="5" name="Rectangle 2">
+            <a:extLst>
+              <a:ext uri="{FF2B5EF4-FFF2-40B4-BE49-F238E27FC236}">
+                <a16:creationId xmlns="" xmlns:a16="http://schemas.microsoft.com/office/drawing/2014/main" id="{AC5FB7AF-931F-4B88-A505-AAB20F31848C}"/>
+              </a:ext>
+            </a:extLst>
+          </p:cNvPr>
+          <p:cNvSpPr>
+            <a:spLocks noChangeArrowheads="1"/>
+          </p:cNvSpPr>
+          <p:nvPr/>
+        </p:nvSpPr>
+        <p:spPr bwMode="auto">
+          <a:xfrm>
+            <a:off x="268228" y="573073"/>
+            <a:ext cx="11017190" cy="6155531"/>
+          </a:xfrm>
+          <a:prstGeom prst="rect">
+            <a:avLst/>
+          </a:prstGeom>
+          <a:solidFill>
+            <a:srgbClr val="F2F2F2"/>
+          </a:solidFill>
+          <a:ln>
+            <a:noFill/>
+          </a:ln>
+          <a:effectLst/>
+          <a:extLst>
+            <a:ext uri="{91240B29-F687-4F45-9708-019B960494DF}">
+              <a14:hiddenLine xmlns="" xmlns:a14="http://schemas.microsoft.com/office/drawing/2010/main" w="9525">
+                <a:solidFill>
+                  <a:schemeClr val="tx1"/>
+                </a:solidFill>
+                <a:miter lim="800000"/>
+                <a:headEnd/>
+                <a:tailEnd/>
+              </a14:hiddenLine>
+            </a:ext>
+            <a:ext uri="{AF507438-7753-43E0-B8FC-AC1667EBCBE1}">
+              <a14:hiddenEffects xmlns="" xmlns:a14="http://schemas.microsoft.com/office/drawing/2010/main">
+                <a:effectLst>
+                  <a:outerShdw dist="35921" dir="2700000" algn="ctr" rotWithShape="0">
+                    <a:schemeClr val="bg2"/>
+                  </a:outerShdw>
+                </a:effectLst>
+              </a14:hiddenEffects>
+            </a:ext>
+          </a:extLst>
+        </p:spPr>
+        <p:txBody>
+          <a:bodyPr vert="horz" wrap="square" lIns="0" tIns="0" rIns="0" bIns="0" numCol="1" anchor="ctr" anchorCtr="0" compatLnSpc="1">
+            <a:prstTxWarp prst="textNoShape">
+              <a:avLst/>
+            </a:prstTxWarp>
+            <a:spAutoFit/>
+          </a:bodyPr>
+          <a:lstStyle>
+            <a:lvl1pPr eaLnBrk="0" fontAlgn="base" hangingPunct="0">
+              <a:spcBef>
+                <a:spcPct val="0"/>
+              </a:spcBef>
+              <a:spcAft>
+                <a:spcPct val="0"/>
+              </a:spcAft>
+              <a:defRPr>
+                <a:solidFill>
+                  <a:schemeClr val="tx1"/>
+                </a:solidFill>
+                <a:latin typeface="Arial" panose="020B0604020202020204" pitchFamily="34" charset="0"/>
+              </a:defRPr>
+            </a:lvl1pPr>
+            <a:lvl2pPr eaLnBrk="0" fontAlgn="base" hangingPunct="0">
+              <a:spcBef>
+                <a:spcPct val="0"/>
+              </a:spcBef>
+              <a:spcAft>
+                <a:spcPct val="0"/>
+              </a:spcAft>
+              <a:defRPr>
+                <a:solidFill>
+                  <a:schemeClr val="tx1"/>
+                </a:solidFill>
+                <a:latin typeface="Arial" panose="020B0604020202020204" pitchFamily="34" charset="0"/>
+              </a:defRPr>
+            </a:lvl2pPr>
+            <a:lvl3pPr eaLnBrk="0" fontAlgn="base" hangingPunct="0">
+              <a:spcBef>
+                <a:spcPct val="0"/>
+              </a:spcBef>
+              <a:spcAft>
+                <a:spcPct val="0"/>
+              </a:spcAft>
+              <a:defRPr>
+                <a:solidFill>
+                  <a:schemeClr val="tx1"/>
+                </a:solidFill>
+                <a:latin typeface="Arial" panose="020B0604020202020204" pitchFamily="34" charset="0"/>
+              </a:defRPr>
+            </a:lvl3pPr>
+            <a:lvl4pPr eaLnBrk="0" fontAlgn="base" hangingPunct="0">
+              <a:spcBef>
+                <a:spcPct val="0"/>
+              </a:spcBef>
+              <a:spcAft>
+                <a:spcPct val="0"/>
+              </a:spcAft>
+              <a:defRPr>
+                <a:solidFill>
+                  <a:schemeClr val="tx1"/>
+                </a:solidFill>
+                <a:latin typeface="Arial" panose="020B0604020202020204" pitchFamily="34" charset="0"/>
+              </a:defRPr>
+            </a:lvl4pPr>
+            <a:lvl5pPr eaLnBrk="0" fontAlgn="base" hangingPunct="0">
+              <a:spcBef>
+                <a:spcPct val="0"/>
+              </a:spcBef>
+              <a:spcAft>
+                <a:spcPct val="0"/>
+              </a:spcAft>
+              <a:defRPr>
+                <a:solidFill>
+                  <a:schemeClr val="tx1"/>
+                </a:solidFill>
+                <a:latin typeface="Arial" panose="020B0604020202020204" pitchFamily="34" charset="0"/>
+              </a:defRPr>
+            </a:lvl5pPr>
+            <a:lvl6pPr eaLnBrk="0" fontAlgn="base" hangingPunct="0">
+              <a:spcBef>
+                <a:spcPct val="0"/>
+              </a:spcBef>
+              <a:spcAft>
+                <a:spcPct val="0"/>
+              </a:spcAft>
+              <a:defRPr>
+                <a:solidFill>
+                  <a:schemeClr val="tx1"/>
+                </a:solidFill>
+                <a:latin typeface="Arial" panose="020B0604020202020204" pitchFamily="34" charset="0"/>
+              </a:defRPr>
+            </a:lvl6pPr>
+            <a:lvl7pPr eaLnBrk="0" fontAlgn="base" hangingPunct="0">
+              <a:spcBef>
+                <a:spcPct val="0"/>
+              </a:spcBef>
+              <a:spcAft>
+                <a:spcPct val="0"/>
+              </a:spcAft>
+              <a:defRPr>
+                <a:solidFill>
+                  <a:schemeClr val="tx1"/>
+                </a:solidFill>
+                <a:latin typeface="Arial" panose="020B0604020202020204" pitchFamily="34" charset="0"/>
+              </a:defRPr>
+            </a:lvl7pPr>
+            <a:lvl8pPr eaLnBrk="0" fontAlgn="base" hangingPunct="0">
+              <a:spcBef>
+                <a:spcPct val="0"/>
+              </a:spcBef>
+              <a:spcAft>
+                <a:spcPct val="0"/>
+              </a:spcAft>
+              <a:defRPr>
+                <a:solidFill>
+                  <a:schemeClr val="tx1"/>
+                </a:solidFill>
+                <a:latin typeface="Arial" panose="020B0604020202020204" pitchFamily="34" charset="0"/>
+              </a:defRPr>
+            </a:lvl8pPr>
+            <a:lvl9pPr eaLnBrk="0" fontAlgn="base" hangingPunct="0">
+              <a:spcBef>
+                <a:spcPct val="0"/>
+              </a:spcBef>
+              <a:spcAft>
+                <a:spcPct val="0"/>
+              </a:spcAft>
+              <a:defRPr>
+                <a:solidFill>
+                  <a:schemeClr val="tx1"/>
+                </a:solidFill>
+                <a:latin typeface="Arial" panose="020B0604020202020204" pitchFamily="34" charset="0"/>
+              </a:defRPr>
+            </a:lvl9pPr>
+          </a:lstStyle>
           <a:p>
             <a:pPr marL="0" marR="0" lvl="0" indent="0" algn="l" defTabSz="914400" rtl="0" eaLnBrk="0" fontAlgn="base" latinLnBrk="0" hangingPunct="0">
               <a:lnSpc>
@@ -7831,7 +7506,7 @@
               <a:tabLst/>
             </a:pPr>
             <a:r>
-              <a:rPr kumimoji="0" lang="en-US" altLang="en-US" sz="2400" b="1" i="0" u="none" strike="noStrike" cap="none" normalizeH="0" baseline="0" dirty="0" err="1">
+              <a:rPr kumimoji="0" lang="en-US" altLang="en-US" sz="2000" b="1" i="0" u="none" strike="noStrike" cap="none" normalizeH="0" baseline="0" dirty="0">
                 <a:ln>
                   <a:noFill/>
                 </a:ln>
@@ -7841,18 +7516,8 @@
                 <a:effectLst/>
                 <a:latin typeface="-apple-system"/>
               </a:rPr>
-              <a:t>RouterLinkActive</a:t>
-            </a:r>
-            <a:endParaRPr kumimoji="0" lang="en-US" altLang="en-US" sz="2400" b="1" i="0" u="none" strike="noStrike" cap="none" normalizeH="0" baseline="0" dirty="0">
-              <a:ln>
-                <a:noFill/>
-              </a:ln>
-              <a:solidFill>
-                <a:schemeClr val="tx1"/>
-              </a:solidFill>
-              <a:effectLst/>
-              <a:latin typeface="-apple-system"/>
-            </a:endParaRPr>
+              <a:t>Router</a:t>
+            </a:r>
           </a:p>
           <a:p>
             <a:pPr marL="0" marR="0" lvl="0" indent="0" algn="l" defTabSz="914400" rtl="0" eaLnBrk="0" fontAlgn="base" latinLnBrk="0" hangingPunct="0">
@@ -7872,7 +7537,7 @@
               <a:tabLst/>
             </a:pPr>
             <a:r>
-              <a:rPr kumimoji="0" lang="en-US" altLang="en-US" sz="2400" b="0" i="0" u="none" strike="noStrike" cap="none" normalizeH="0" baseline="0" dirty="0" err="1">
+              <a:rPr kumimoji="0" lang="en-US" altLang="en-US" sz="2000" b="0" i="0" u="none" strike="noStrike" cap="none" normalizeH="0" baseline="0" dirty="0">
                 <a:ln>
                   <a:noFill/>
                 </a:ln>
@@ -7882,10 +7547,10 @@
                 <a:effectLst/>
                 <a:latin typeface="-apple-system"/>
               </a:rPr>
-              <a:t>RouterLinkActive</a:t>
-            </a:r>
-            <a:r>
-              <a:rPr kumimoji="0" lang="en-US" altLang="en-US" sz="2400" b="0" i="0" u="none" strike="noStrike" cap="none" normalizeH="0" baseline="0" dirty="0">
+              <a:t>The Angular Router is an object that enables navigation from one component to the next component as users perform application tasks like clicking on menus links, buttons or clicking on back/forward button on the browser. We can access the router object and use its methods like navigate() or </a:t>
+            </a:r>
+            <a:r>
+              <a:rPr kumimoji="0" lang="en-US" altLang="en-US" sz="2000" b="0" i="0" u="none" strike="noStrike" cap="none" normalizeH="0" baseline="0" dirty="0" err="1">
                 <a:ln>
                   <a:noFill/>
                 </a:ln>
@@ -7895,10 +7560,10 @@
                 <a:effectLst/>
                 <a:latin typeface="-apple-system"/>
               </a:rPr>
-              <a:t> is a directive for adding or removing classes from an HTML element that is bound to a </a:t>
-            </a:r>
-            <a:r>
-              <a:rPr kumimoji="0" lang="en-US" altLang="en-US" sz="2400" b="0" i="0" u="none" strike="noStrike" cap="none" normalizeH="0" baseline="0" dirty="0" err="1">
+              <a:t>navigateByUrl</a:t>
+            </a:r>
+            <a:r>
+              <a:rPr kumimoji="0" lang="en-US" altLang="en-US" sz="2000" b="0" i="0" u="none" strike="noStrike" cap="none" normalizeH="0" baseline="0" dirty="0">
                 <a:ln>
                   <a:noFill/>
                 </a:ln>
@@ -7908,61 +7573,9 @@
                 <a:effectLst/>
                 <a:latin typeface="-apple-system"/>
               </a:rPr>
-              <a:t>RouterLink</a:t>
-            </a:r>
-            <a:r>
-              <a:rPr kumimoji="0" lang="en-US" altLang="en-US" sz="2400" b="0" i="0" u="none" strike="noStrike" cap="none" normalizeH="0" baseline="0" dirty="0">
-                <a:ln>
-                  <a:noFill/>
-                </a:ln>
-                <a:solidFill>
-                  <a:srgbClr val="000000"/>
-                </a:solidFill>
-                <a:effectLst/>
-                <a:latin typeface="-apple-system"/>
-              </a:rPr>
-              <a:t>. Using this directive, we can toggle CSS classes for active </a:t>
-            </a:r>
-            <a:r>
-              <a:rPr kumimoji="0" lang="en-US" altLang="en-US" sz="2400" b="0" i="0" u="none" strike="noStrike" cap="none" normalizeH="0" baseline="0" dirty="0" err="1">
-                <a:ln>
-                  <a:noFill/>
-                </a:ln>
-                <a:solidFill>
-                  <a:srgbClr val="000000"/>
-                </a:solidFill>
-                <a:effectLst/>
-                <a:latin typeface="-apple-system"/>
-              </a:rPr>
-              <a:t>RouterLinks</a:t>
-            </a:r>
-            <a:r>
-              <a:rPr kumimoji="0" lang="en-US" altLang="en-US" sz="2400" b="0" i="0" u="none" strike="noStrike" cap="none" normalizeH="0" baseline="0" dirty="0">
-                <a:ln>
-                  <a:noFill/>
-                </a:ln>
-                <a:solidFill>
-                  <a:srgbClr val="000000"/>
-                </a:solidFill>
-                <a:effectLst/>
-                <a:latin typeface="-apple-system"/>
-              </a:rPr>
-              <a:t> based on the current </a:t>
-            </a:r>
-            <a:r>
-              <a:rPr kumimoji="0" lang="en-US" altLang="en-US" sz="2400" b="0" i="0" u="none" strike="noStrike" cap="none" normalizeH="0" baseline="0" dirty="0" err="1">
-                <a:ln>
-                  <a:noFill/>
-                </a:ln>
-                <a:solidFill>
-                  <a:srgbClr val="000000"/>
-                </a:solidFill>
-                <a:effectLst/>
-                <a:latin typeface="-apple-system"/>
-              </a:rPr>
-              <a:t>RouterState</a:t>
-            </a:r>
-            <a:endParaRPr kumimoji="0" lang="en-US" altLang="en-US" sz="2400" b="1" i="0" u="none" strike="noStrike" cap="none" normalizeH="0" baseline="0" dirty="0">
+              <a:t>(), to navigate to a route</a:t>
+            </a:r>
+            <a:endParaRPr kumimoji="0" lang="en-US" altLang="en-US" sz="2000" b="1" i="0" u="none" strike="noStrike" cap="none" normalizeH="0" baseline="0" dirty="0">
               <a:ln>
                 <a:noFill/>
               </a:ln>
@@ -7991,7 +7604,7 @@
               <a:tabLst/>
             </a:pPr>
             <a:r>
-              <a:rPr kumimoji="0" lang="en-US" altLang="en-US" sz="2400" b="1" i="0" u="none" strike="noStrike" cap="none" normalizeH="0" baseline="0" dirty="0" err="1">
+              <a:rPr kumimoji="0" lang="en-US" altLang="en-US" sz="2000" b="1" i="0" u="none" strike="noStrike" cap="none" normalizeH="0" baseline="0" dirty="0">
                 <a:ln>
                   <a:noFill/>
                 </a:ln>
@@ -8001,18 +7614,8 @@
                 <a:effectLst/>
                 <a:latin typeface="-apple-system"/>
               </a:rPr>
-              <a:t>ActivatedRoute</a:t>
-            </a:r>
-            <a:endParaRPr kumimoji="0" lang="en-US" altLang="en-US" sz="2400" b="1" i="0" u="none" strike="noStrike" cap="none" normalizeH="0" baseline="0" dirty="0">
-              <a:ln>
-                <a:noFill/>
-              </a:ln>
-              <a:solidFill>
-                <a:schemeClr val="tx1"/>
-              </a:solidFill>
-              <a:effectLst/>
-              <a:latin typeface="-apple-system"/>
-            </a:endParaRPr>
+              <a:t>Route</a:t>
+            </a:r>
           </a:p>
           <a:p>
             <a:pPr marL="0" marR="0" lvl="0" indent="0" algn="l" defTabSz="914400" rtl="0" eaLnBrk="0" fontAlgn="base" latinLnBrk="0" hangingPunct="0">
@@ -8032,7 +7635,7 @@
               <a:tabLst/>
             </a:pPr>
             <a:r>
-              <a:rPr kumimoji="0" lang="en-US" altLang="en-US" sz="2400" b="0" i="0" u="none" strike="noStrike" cap="none" normalizeH="0" baseline="0" dirty="0">
+              <a:rPr kumimoji="0" lang="en-US" altLang="en-US" sz="2000" b="0" i="0" u="none" strike="noStrike" cap="none" normalizeH="0" baseline="0" dirty="0">
                 <a:ln>
                   <a:noFill/>
                 </a:ln>
@@ -8042,34 +7645,18 @@
                 <a:effectLst/>
                 <a:latin typeface="-apple-system"/>
               </a:rPr>
-              <a:t>The </a:t>
-            </a:r>
-            <a:r>
-              <a:rPr kumimoji="0" lang="en-US" altLang="en-US" sz="2400" b="0" i="0" u="none" strike="noStrike" cap="none" normalizeH="0" baseline="0" dirty="0" err="1">
-                <a:ln>
-                  <a:noFill/>
-                </a:ln>
-                <a:solidFill>
-                  <a:srgbClr val="000000"/>
-                </a:solidFill>
-                <a:effectLst/>
-                <a:latin typeface="-apple-system"/>
-              </a:rPr>
-              <a:t>ActivatedRoute</a:t>
-            </a:r>
-            <a:r>
-              <a:rPr kumimoji="0" lang="en-US" altLang="en-US" sz="2400" b="0" i="0" u="none" strike="noStrike" cap="none" normalizeH="0" baseline="0" dirty="0">
-                <a:ln>
-                  <a:noFill/>
-                </a:ln>
-                <a:solidFill>
-                  <a:srgbClr val="000000"/>
-                </a:solidFill>
-                <a:effectLst/>
-                <a:latin typeface="-apple-system"/>
-              </a:rPr>
-              <a:t> is an object that represents the currently activated route associated with the loaded Component.</a:t>
-            </a:r>
+              <a:t>Route tells the Angular Router which view to display when a user clicks a link or pastes a URL into the browser address bar. Every Route consists of a path and a component it is mapped to. The Router object parses and builds the final URL using the Route</a:t>
+            </a:r>
+            <a:endParaRPr kumimoji="0" lang="en-US" altLang="en-US" sz="2000" b="1" i="0" u="none" strike="noStrike" cap="none" normalizeH="0" baseline="0" dirty="0">
+              <a:ln>
+                <a:noFill/>
+              </a:ln>
+              <a:solidFill>
+                <a:schemeClr val="tx1"/>
+              </a:solidFill>
+              <a:effectLst/>
+              <a:latin typeface="-apple-system"/>
+            </a:endParaRPr>
           </a:p>
           <a:p>
             <a:pPr marL="0" marR="0" lvl="0" indent="0" algn="l" defTabSz="914400" rtl="0" eaLnBrk="0" fontAlgn="base" latinLnBrk="0" hangingPunct="0">
@@ -8088,207 +7675,20 @@
               <a:buNone/>
               <a:tabLst/>
             </a:pPr>
-            <a:endParaRPr kumimoji="0" lang="en-US" altLang="en-US" sz="2400" b="0" i="0" u="none" strike="noStrike" cap="none" normalizeH="0" baseline="0" dirty="0">
-              <a:ln>
-                <a:noFill/>
-              </a:ln>
-              <a:solidFill>
-                <a:schemeClr val="tx1"/>
-              </a:solidFill>
-              <a:effectLst/>
-            </a:endParaRPr>
-          </a:p>
-          <a:p>
-            <a:endParaRPr lang="en-US" dirty="0"/>
-          </a:p>
-        </p:txBody>
-      </p:sp>
-      <p:sp>
-        <p:nvSpPr>
-          <p:cNvPr id="5" name="Rectangle 1">
-            <a:extLst>
-              <a:ext uri="{FF2B5EF4-FFF2-40B4-BE49-F238E27FC236}">
-                <a16:creationId xmlns:a16="http://schemas.microsoft.com/office/drawing/2014/main" id="{5AC636EB-0FD5-47B6-82F3-F9B2177D5337}"/>
-              </a:ext>
-            </a:extLst>
-          </p:cNvPr>
-          <p:cNvSpPr>
-            <a:spLocks noChangeArrowheads="1"/>
-          </p:cNvSpPr>
-          <p:nvPr/>
-        </p:nvSpPr>
-        <p:spPr bwMode="auto">
-          <a:xfrm>
-            <a:off x="417251" y="3024559"/>
-            <a:ext cx="10591060" cy="2215991"/>
-          </a:xfrm>
-          <a:prstGeom prst="rect">
-            <a:avLst/>
-          </a:prstGeom>
-          <a:solidFill>
-            <a:srgbClr val="F2F2F2"/>
-          </a:solidFill>
-          <a:ln>
-            <a:noFill/>
-          </a:ln>
-          <a:effectLst/>
-          <a:extLst>
-            <a:ext uri="{91240B29-F687-4F45-9708-019B960494DF}">
-              <a14:hiddenLine xmlns:a14="http://schemas.microsoft.com/office/drawing/2010/main" w="9525">
+            <a:r>
+              <a:rPr kumimoji="0" lang="en-US" altLang="en-US" sz="2000" b="1" i="0" u="none" strike="noStrike" cap="none" normalizeH="0" baseline="0" dirty="0">
+                <a:ln>
+                  <a:noFill/>
+                </a:ln>
                 <a:solidFill>
                   <a:schemeClr val="tx1"/>
                 </a:solidFill>
-                <a:miter lim="800000"/>
-                <a:headEnd/>
-                <a:tailEnd/>
-              </a14:hiddenLine>
-            </a:ext>
-            <a:ext uri="{AF507438-7753-43E0-B8FC-AC1667EBCBE1}">
-              <a14:hiddenEffects xmlns:a14="http://schemas.microsoft.com/office/drawing/2010/main">
-                <a:effectLst>
-                  <a:outerShdw dist="35921" dir="2700000" algn="ctr" rotWithShape="0">
-                    <a:schemeClr val="bg2"/>
-                  </a:outerShdw>
-                </a:effectLst>
-              </a14:hiddenEffects>
-            </a:ext>
-          </a:extLst>
-        </p:spPr>
-        <p:txBody>
-          <a:bodyPr vert="horz" wrap="square" lIns="0" tIns="0" rIns="0" bIns="0" numCol="1" anchor="ctr" anchorCtr="0" compatLnSpc="1">
-            <a:prstTxWarp prst="textNoShape">
-              <a:avLst/>
-            </a:prstTxWarp>
-            <a:spAutoFit/>
-          </a:bodyPr>
-          <a:lstStyle>
-            <a:lvl1pPr eaLnBrk="0" fontAlgn="base" hangingPunct="0">
-              <a:spcBef>
-                <a:spcPct val="0"/>
-              </a:spcBef>
-              <a:spcAft>
-                <a:spcPct val="0"/>
-              </a:spcAft>
-              <a:defRPr>
-                <a:solidFill>
-                  <a:schemeClr val="tx1"/>
-                </a:solidFill>
-                <a:latin typeface="Arial" panose="020B0604020202020204" pitchFamily="34" charset="0"/>
-              </a:defRPr>
-            </a:lvl1pPr>
-            <a:lvl2pPr eaLnBrk="0" fontAlgn="base" hangingPunct="0">
-              <a:spcBef>
-                <a:spcPct val="0"/>
-              </a:spcBef>
-              <a:spcAft>
-                <a:spcPct val="0"/>
-              </a:spcAft>
-              <a:defRPr>
-                <a:solidFill>
-                  <a:schemeClr val="tx1"/>
-                </a:solidFill>
-                <a:latin typeface="Arial" panose="020B0604020202020204" pitchFamily="34" charset="0"/>
-              </a:defRPr>
-            </a:lvl2pPr>
-            <a:lvl3pPr eaLnBrk="0" fontAlgn="base" hangingPunct="0">
-              <a:spcBef>
-                <a:spcPct val="0"/>
-              </a:spcBef>
-              <a:spcAft>
-                <a:spcPct val="0"/>
-              </a:spcAft>
-              <a:defRPr>
-                <a:solidFill>
-                  <a:schemeClr val="tx1"/>
-                </a:solidFill>
-                <a:latin typeface="Arial" panose="020B0604020202020204" pitchFamily="34" charset="0"/>
-              </a:defRPr>
-            </a:lvl3pPr>
-            <a:lvl4pPr eaLnBrk="0" fontAlgn="base" hangingPunct="0">
-              <a:spcBef>
-                <a:spcPct val="0"/>
-              </a:spcBef>
-              <a:spcAft>
-                <a:spcPct val="0"/>
-              </a:spcAft>
-              <a:defRPr>
-                <a:solidFill>
-                  <a:schemeClr val="tx1"/>
-                </a:solidFill>
-                <a:latin typeface="Arial" panose="020B0604020202020204" pitchFamily="34" charset="0"/>
-              </a:defRPr>
-            </a:lvl4pPr>
-            <a:lvl5pPr eaLnBrk="0" fontAlgn="base" hangingPunct="0">
-              <a:spcBef>
-                <a:spcPct val="0"/>
-              </a:spcBef>
-              <a:spcAft>
-                <a:spcPct val="0"/>
-              </a:spcAft>
-              <a:defRPr>
-                <a:solidFill>
-                  <a:schemeClr val="tx1"/>
-                </a:solidFill>
-                <a:latin typeface="Arial" panose="020B0604020202020204" pitchFamily="34" charset="0"/>
-              </a:defRPr>
-            </a:lvl5pPr>
-            <a:lvl6pPr eaLnBrk="0" fontAlgn="base" hangingPunct="0">
-              <a:spcBef>
-                <a:spcPct val="0"/>
-              </a:spcBef>
-              <a:spcAft>
-                <a:spcPct val="0"/>
-              </a:spcAft>
-              <a:defRPr>
-                <a:solidFill>
-                  <a:schemeClr val="tx1"/>
-                </a:solidFill>
-                <a:latin typeface="Arial" panose="020B0604020202020204" pitchFamily="34" charset="0"/>
-              </a:defRPr>
-            </a:lvl6pPr>
-            <a:lvl7pPr eaLnBrk="0" fontAlgn="base" hangingPunct="0">
-              <a:spcBef>
-                <a:spcPct val="0"/>
-              </a:spcBef>
-              <a:spcAft>
-                <a:spcPct val="0"/>
-              </a:spcAft>
-              <a:defRPr>
-                <a:solidFill>
-                  <a:schemeClr val="tx1"/>
-                </a:solidFill>
-                <a:latin typeface="Arial" panose="020B0604020202020204" pitchFamily="34" charset="0"/>
-              </a:defRPr>
-            </a:lvl7pPr>
-            <a:lvl8pPr eaLnBrk="0" fontAlgn="base" hangingPunct="0">
-              <a:spcBef>
-                <a:spcPct val="0"/>
-              </a:spcBef>
-              <a:spcAft>
-                <a:spcPct val="0"/>
-              </a:spcAft>
-              <a:defRPr>
-                <a:solidFill>
-                  <a:schemeClr val="tx1"/>
-                </a:solidFill>
-                <a:latin typeface="Arial" panose="020B0604020202020204" pitchFamily="34" charset="0"/>
-              </a:defRPr>
-            </a:lvl8pPr>
-            <a:lvl9pPr eaLnBrk="0" fontAlgn="base" hangingPunct="0">
-              <a:spcBef>
-                <a:spcPct val="0"/>
-              </a:spcBef>
-              <a:spcAft>
-                <a:spcPct val="0"/>
-              </a:spcAft>
-              <a:defRPr>
-                <a:solidFill>
-                  <a:schemeClr val="tx1"/>
-                </a:solidFill>
-                <a:latin typeface="Arial" panose="020B0604020202020204" pitchFamily="34" charset="0"/>
-              </a:defRPr>
-            </a:lvl9pPr>
-          </a:lstStyle>
+                <a:effectLst/>
+                <a:latin typeface="-apple-system"/>
+              </a:rPr>
+              <a:t>Routes</a:t>
+            </a:r>
+          </a:p>
           <a:p>
             <a:pPr marL="0" marR="0" lvl="0" indent="0" algn="l" defTabSz="914400" rtl="0" eaLnBrk="0" fontAlgn="base" latinLnBrk="0" hangingPunct="0">
               <a:lnSpc>
@@ -8307,19 +7707,19 @@
               <a:tabLst/>
             </a:pPr>
             <a:r>
-              <a:rPr kumimoji="0" lang="en-US" altLang="en-US" sz="2400" b="1" i="0" u="none" strike="noStrike" cap="none" normalizeH="0" baseline="0" dirty="0" err="1">
+              <a:rPr kumimoji="0" lang="en-US" altLang="en-US" sz="2000" b="0" i="0" u="none" strike="noStrike" cap="none" normalizeH="0" baseline="0" dirty="0">
                 <a:ln>
                   <a:noFill/>
                 </a:ln>
                 <a:solidFill>
-                  <a:schemeClr val="tx1"/>
+                  <a:srgbClr val="000000"/>
                 </a:solidFill>
                 <a:effectLst/>
                 <a:latin typeface="-apple-system"/>
               </a:rPr>
-              <a:t>RouterState</a:t>
-            </a:r>
-            <a:endParaRPr kumimoji="0" lang="en-US" altLang="en-US" sz="2400" b="1" i="0" u="none" strike="noStrike" cap="none" normalizeH="0" baseline="0" dirty="0">
+              <a:t>Routes is an array of Route objects our application supports</a:t>
+            </a:r>
+            <a:endParaRPr kumimoji="0" lang="en-US" altLang="en-US" sz="2000" b="1" i="0" u="none" strike="noStrike" cap="none" normalizeH="0" baseline="0" dirty="0">
               <a:ln>
                 <a:noFill/>
               </a:ln>
@@ -8348,19 +7748,19 @@
               <a:tabLst/>
             </a:pPr>
             <a:r>
-              <a:rPr kumimoji="0" lang="en-US" altLang="en-US" sz="2400" b="0" i="0" u="none" strike="noStrike" cap="none" normalizeH="0" baseline="0" dirty="0">
+              <a:rPr kumimoji="0" lang="en-US" altLang="en-US" sz="2000" b="1" i="0" u="none" strike="noStrike" cap="none" normalizeH="0" baseline="0" dirty="0" smtClean="0">
                 <a:ln>
                   <a:noFill/>
                 </a:ln>
                 <a:solidFill>
-                  <a:srgbClr val="000000"/>
+                  <a:schemeClr val="tx1"/>
                 </a:solidFill>
                 <a:effectLst/>
                 <a:latin typeface="-apple-system"/>
               </a:rPr>
-              <a:t>The current state of the router including a tree of the currently activated routes together with convenience methods for traversing the route tree.</a:t>
-            </a:r>
-            <a:endParaRPr kumimoji="0" lang="en-US" altLang="en-US" sz="2400" b="1" i="0" u="none" strike="noStrike" cap="none" normalizeH="0" baseline="0" dirty="0">
+              <a:t>Router-Outlet</a:t>
+            </a:r>
+            <a:endParaRPr kumimoji="0" lang="en-US" altLang="en-US" sz="2000" b="1" i="0" u="none" strike="noStrike" cap="none" normalizeH="0" baseline="0" dirty="0">
               <a:ln>
                 <a:noFill/>
               </a:ln>
@@ -8389,31 +7789,54 @@
               <a:tabLst/>
             </a:pPr>
             <a:r>
-              <a:rPr kumimoji="0" lang="en-US" altLang="en-US" sz="2400" b="1" i="0" u="none" strike="noStrike" cap="none" normalizeH="0" baseline="0" dirty="0" err="1">
+              <a:rPr kumimoji="0" lang="en-US" altLang="en-US" sz="2000" b="0" i="0" u="none" strike="noStrike" cap="none" normalizeH="0" baseline="0" dirty="0">
                 <a:ln>
                   <a:noFill/>
                 </a:ln>
                 <a:solidFill>
-                  <a:schemeClr val="tx1"/>
+                  <a:srgbClr val="000000"/>
                 </a:solidFill>
                 <a:effectLst/>
                 <a:latin typeface="-apple-system"/>
               </a:rPr>
-              <a:t>RouteLink</a:t>
-            </a:r>
-            <a:r>
-              <a:rPr kumimoji="0" lang="en-US" altLang="en-US" sz="2400" b="1" i="0" u="none" strike="noStrike" cap="none" normalizeH="0" baseline="0" dirty="0">
+              <a:t>The </a:t>
+            </a:r>
+            <a:r>
+              <a:rPr kumimoji="0" lang="en-US" altLang="en-US" sz="2000" b="0" i="0" u="none" strike="noStrike" cap="none" normalizeH="0" baseline="0" dirty="0" err="1">
                 <a:ln>
                   <a:noFill/>
                 </a:ln>
                 <a:solidFill>
-                  <a:schemeClr val="tx1"/>
+                  <a:srgbClr val="000000"/>
                 </a:solidFill>
                 <a:effectLst/>
                 <a:latin typeface="-apple-system"/>
               </a:rPr>
-              <a:t> Parameters array</a:t>
-            </a:r>
+              <a:t>outerOutlet</a:t>
+            </a:r>
+            <a:r>
+              <a:rPr kumimoji="0" lang="en-US" altLang="en-US" sz="2000" b="0" i="0" u="none" strike="noStrike" cap="none" normalizeH="0" baseline="0" dirty="0">
+                <a:ln>
+                  <a:noFill/>
+                </a:ln>
+                <a:solidFill>
+                  <a:srgbClr val="000000"/>
+                </a:solidFill>
+                <a:effectLst/>
+                <a:latin typeface="-apple-system"/>
+              </a:rPr>
+              <a:t> is a directive (&lt;router-outlet&gt;) that serves as a placeholder, where the Router should display the view</a:t>
+            </a:r>
+            <a:endParaRPr kumimoji="0" lang="en-US" altLang="en-US" sz="2000" b="1" i="0" u="none" strike="noStrike" cap="none" normalizeH="0" baseline="0" dirty="0">
+              <a:ln>
+                <a:noFill/>
+              </a:ln>
+              <a:solidFill>
+                <a:schemeClr val="tx1"/>
+              </a:solidFill>
+              <a:effectLst/>
+              <a:latin typeface="-apple-system"/>
+            </a:endParaRPr>
           </a:p>
           <a:p>
             <a:pPr marL="0" marR="0" lvl="0" indent="0" algn="l" defTabSz="914400" rtl="0" eaLnBrk="0" fontAlgn="base" latinLnBrk="0" hangingPunct="0">
@@ -8433,20 +7856,48 @@
               <a:tabLst/>
             </a:pPr>
             <a:r>
-              <a:rPr kumimoji="0" lang="en-US" altLang="en-US" sz="2400" b="0" i="0" u="none" strike="noStrike" cap="none" normalizeH="0" baseline="0" dirty="0">
+              <a:rPr kumimoji="0" lang="en-US" altLang="en-US" sz="2000" b="1" i="0" u="none" strike="noStrike" cap="none" normalizeH="0" baseline="0" dirty="0" err="1">
                 <a:ln>
                   <a:noFill/>
                 </a:ln>
                 <a:solidFill>
-                  <a:srgbClr val="000000"/>
+                  <a:schemeClr val="tx1"/>
                 </a:solidFill>
                 <a:effectLst/>
                 <a:latin typeface="-apple-system"/>
               </a:rPr>
-              <a:t>The Parameters or arguments to the Route. It is an array which you can bind to </a:t>
-            </a:r>
-            <a:r>
-              <a:rPr kumimoji="0" lang="en-US" altLang="en-US" sz="2400" b="0" i="0" u="none" strike="noStrike" cap="none" normalizeH="0" baseline="0" dirty="0" err="1">
+              <a:t>RouterLink</a:t>
+            </a:r>
+            <a:endParaRPr kumimoji="0" lang="en-US" altLang="en-US" sz="2000" b="1" i="0" u="none" strike="noStrike" cap="none" normalizeH="0" baseline="0" dirty="0">
+              <a:ln>
+                <a:noFill/>
+              </a:ln>
+              <a:solidFill>
+                <a:schemeClr val="tx1"/>
+              </a:solidFill>
+              <a:effectLst/>
+              <a:latin typeface="-apple-system"/>
+            </a:endParaRPr>
+          </a:p>
+          <a:p>
+            <a:pPr marL="0" marR="0" lvl="0" indent="0" algn="l" defTabSz="914400" rtl="0" eaLnBrk="0" fontAlgn="base" latinLnBrk="0" hangingPunct="0">
+              <a:lnSpc>
+                <a:spcPct val="100000"/>
+              </a:lnSpc>
+              <a:spcBef>
+                <a:spcPct val="0"/>
+              </a:spcBef>
+              <a:spcAft>
+                <a:spcPct val="0"/>
+              </a:spcAft>
+              <a:buClrTx/>
+              <a:buSzTx/>
+              <a:buFontTx/>
+              <a:buNone/>
+              <a:tabLst/>
+            </a:pPr>
+            <a:r>
+              <a:rPr kumimoji="0" lang="en-US" altLang="en-US" sz="2000" b="0" i="0" u="none" strike="noStrike" cap="none" normalizeH="0" baseline="0" dirty="0">
                 <a:ln>
                   <a:noFill/>
                 </a:ln>
@@ -8456,10 +7907,10 @@
                 <a:effectLst/>
                 <a:latin typeface="-apple-system"/>
               </a:rPr>
-              <a:t>RouterLink</a:t>
-            </a:r>
-            <a:r>
-              <a:rPr kumimoji="0" lang="en-US" altLang="en-US" sz="2400" b="0" i="0" u="none" strike="noStrike" cap="none" normalizeH="0" baseline="0" dirty="0">
+              <a:t>The </a:t>
+            </a:r>
+            <a:r>
+              <a:rPr kumimoji="0" lang="en-US" altLang="en-US" sz="2000" b="0" i="0" u="none" strike="noStrike" cap="none" normalizeH="0" baseline="0" dirty="0" err="1">
                 <a:ln>
                   <a:noFill/>
                 </a:ln>
@@ -8469,10 +7920,10 @@
                 <a:effectLst/>
                 <a:latin typeface="-apple-system"/>
               </a:rPr>
-              <a:t> directive or pass it as an argument to the </a:t>
-            </a:r>
-            <a:r>
-              <a:rPr kumimoji="0" lang="en-US" altLang="en-US" sz="2400" b="0" i="0" u="none" strike="noStrike" cap="none" normalizeH="0" baseline="0" dirty="0" err="1">
+              <a:t>RouterLink</a:t>
+            </a:r>
+            <a:r>
+              <a:rPr kumimoji="0" lang="en-US" altLang="en-US" sz="2000" b="0" i="0" u="none" strike="noStrike" cap="none" normalizeH="0" baseline="0" dirty="0">
                 <a:ln>
                   <a:noFill/>
                 </a:ln>
@@ -8482,10 +7933,10 @@
                 <a:effectLst/>
                 <a:latin typeface="-apple-system"/>
               </a:rPr>
-              <a:t>Router.navigate</a:t>
-            </a:r>
-            <a:r>
-              <a:rPr kumimoji="0" lang="en-US" altLang="en-US" sz="2400" b="0" i="0" u="none" strike="noStrike" cap="none" normalizeH="0" baseline="0" dirty="0">
+              <a:t> is a directive that binds the HTML element to a Route. Clicking on the HTML element, which is bound to a </a:t>
+            </a:r>
+            <a:r>
+              <a:rPr kumimoji="0" lang="en-US" altLang="en-US" sz="2000" b="0" i="0" u="none" strike="noStrike" cap="none" normalizeH="0" baseline="0" dirty="0" err="1">
                 <a:ln>
                   <a:noFill/>
                 </a:ln>
@@ -8495,9 +7946,99 @@
                 <a:effectLst/>
                 <a:latin typeface="-apple-system"/>
               </a:rPr>
-              <a:t> method.</a:t>
-            </a:r>
-            <a:endParaRPr kumimoji="0" lang="en-US" altLang="en-US" sz="2400" b="0" i="0" u="none" strike="noStrike" cap="none" normalizeH="0" baseline="0" dirty="0">
+              <a:t>RouterLink</a:t>
+            </a:r>
+            <a:r>
+              <a:rPr kumimoji="0" lang="en-US" altLang="en-US" sz="2000" b="0" i="0" u="none" strike="noStrike" cap="none" normalizeH="0" baseline="0" dirty="0">
+                <a:ln>
+                  <a:noFill/>
+                </a:ln>
+                <a:solidFill>
+                  <a:srgbClr val="000000"/>
+                </a:solidFill>
+                <a:effectLst/>
+                <a:latin typeface="-apple-system"/>
+              </a:rPr>
+              <a:t>, will result in navigation to the Route. The </a:t>
+            </a:r>
+            <a:r>
+              <a:rPr kumimoji="0" lang="en-US" altLang="en-US" sz="2000" b="0" i="0" u="none" strike="noStrike" cap="none" normalizeH="0" baseline="0" dirty="0" err="1">
+                <a:ln>
+                  <a:noFill/>
+                </a:ln>
+                <a:solidFill>
+                  <a:srgbClr val="000000"/>
+                </a:solidFill>
+                <a:effectLst/>
+                <a:latin typeface="-apple-system"/>
+              </a:rPr>
+              <a:t>RouterLink</a:t>
+            </a:r>
+            <a:r>
+              <a:rPr kumimoji="0" lang="en-US" altLang="en-US" sz="2000" b="0" i="0" u="none" strike="noStrike" cap="none" normalizeH="0" baseline="0" dirty="0">
+                <a:ln>
+                  <a:noFill/>
+                </a:ln>
+                <a:solidFill>
+                  <a:srgbClr val="000000"/>
+                </a:solidFill>
+                <a:effectLst/>
+                <a:latin typeface="-apple-system"/>
+              </a:rPr>
+              <a:t> may contain parameters to be passed to the route’s component.</a:t>
+            </a:r>
+            <a:endParaRPr kumimoji="0" lang="en-US" altLang="en-US" sz="2000" b="1" i="0" u="none" strike="noStrike" cap="none" normalizeH="0" baseline="0" dirty="0">
+              <a:ln>
+                <a:noFill/>
+              </a:ln>
+              <a:solidFill>
+                <a:schemeClr val="tx1"/>
+              </a:solidFill>
+              <a:effectLst/>
+              <a:latin typeface="-apple-system"/>
+            </a:endParaRPr>
+          </a:p>
+          <a:p>
+            <a:pPr marL="0" marR="0" lvl="0" indent="0" algn="l" defTabSz="914400" rtl="0" eaLnBrk="0" fontAlgn="base" latinLnBrk="0" hangingPunct="0">
+              <a:lnSpc>
+                <a:spcPct val="100000"/>
+              </a:lnSpc>
+              <a:spcBef>
+                <a:spcPct val="0"/>
+              </a:spcBef>
+              <a:spcAft>
+                <a:spcPct val="0"/>
+              </a:spcAft>
+              <a:buClrTx/>
+              <a:buSzTx/>
+              <a:buFontTx/>
+              <a:buNone/>
+              <a:tabLst/>
+            </a:pPr>
+            <a:r>
+              <a:rPr kumimoji="0" lang="en-US" altLang="en-US" sz="2000" b="0" i="0" u="none" strike="noStrike" cap="none" normalizeH="0" baseline="0" dirty="0">
+                <a:ln>
+                  <a:noFill/>
+                </a:ln>
+                <a:solidFill>
+                  <a:schemeClr val="tx1"/>
+                </a:solidFill>
+                <a:effectLst/>
+              </a:rPr>
+              <a:t/>
+            </a:r>
+            <a:br>
+              <a:rPr kumimoji="0" lang="en-US" altLang="en-US" sz="2000" b="0" i="0" u="none" strike="noStrike" cap="none" normalizeH="0" baseline="0" dirty="0">
+                <a:ln>
+                  <a:noFill/>
+                </a:ln>
+                <a:solidFill>
+                  <a:schemeClr val="tx1"/>
+                </a:solidFill>
+                <a:effectLst/>
+              </a:rPr>
+            </a:br>
+            <a:endParaRPr kumimoji="0" lang="en-US" altLang="en-US" sz="2000" b="0" i="0" u="none" strike="noStrike" cap="none" normalizeH="0" baseline="0" dirty="0">
               <a:ln>
                 <a:noFill/>
               </a:ln>
@@ -8512,7 +8053,7 @@
     </p:spTree>
     <p:extLst>
       <p:ext uri="{BB962C8B-B14F-4D97-AF65-F5344CB8AC3E}">
-        <p14:creationId xmlns:p14="http://schemas.microsoft.com/office/powerpoint/2010/main" val="2290764849"/>
+        <p14:creationId xmlns="" xmlns:p14="http://schemas.microsoft.com/office/powerpoint/2010/main" val="2088929170"/>
       </p:ext>
     </p:extLst>
   </p:cSld>
@@ -8541,42 +8082,10 @@
       </p:grpSpPr>
       <p:sp>
         <p:nvSpPr>
-          <p:cNvPr id="2" name="Title 1">
-            <a:extLst>
-              <a:ext uri="{FF2B5EF4-FFF2-40B4-BE49-F238E27FC236}">
-                <a16:creationId xmlns:a16="http://schemas.microsoft.com/office/drawing/2014/main" id="{426EEFDC-790E-4E47-A515-1EBCF1F2F2CD}"/>
-              </a:ext>
-            </a:extLst>
-          </p:cNvPr>
-          <p:cNvSpPr>
-            <a:spLocks noGrp="1"/>
-          </p:cNvSpPr>
-          <p:nvPr>
-            <p:ph type="title"/>
-          </p:nvPr>
-        </p:nvSpPr>
-        <p:spPr/>
-        <p:txBody>
-          <a:bodyPr/>
-          <a:lstStyle/>
-          <a:p>
-            <a:pPr algn="l" fontAlgn="base"/>
-            <a:r>
-              <a:rPr lang="en-US" b="1" i="0" dirty="0">
-                <a:effectLst/>
-                <a:latin typeface="-apple-system"/>
-              </a:rPr>
-              <a:t>How to configure Angular Router?</a:t>
-            </a:r>
-          </a:p>
-        </p:txBody>
-      </p:sp>
-      <p:sp>
-        <p:nvSpPr>
           <p:cNvPr id="16" name="Content Placeholder 15">
             <a:extLst>
               <a:ext uri="{FF2B5EF4-FFF2-40B4-BE49-F238E27FC236}">
-                <a16:creationId xmlns:a16="http://schemas.microsoft.com/office/drawing/2014/main" id="{C110FDCF-2EC3-46D4-A98B-824D58833898}"/>
+                <a16:creationId xmlns="" xmlns:a16="http://schemas.microsoft.com/office/drawing/2014/main" id="{C110FDCF-2EC3-46D4-A98B-824D58833898}"/>
               </a:ext>
             </a:extLst>
           </p:cNvPr>
@@ -8587,132 +8096,715 @@
             <p:ph idx="1"/>
           </p:nvPr>
         </p:nvSpPr>
-        <p:spPr/>
+        <p:spPr>
+          <a:xfrm>
+            <a:off x="345454" y="356674"/>
+            <a:ext cx="11039452" cy="5053380"/>
+          </a:xfrm>
+        </p:spPr>
         <p:txBody>
           <a:bodyPr/>
           <a:lstStyle/>
           <a:p>
-            <a:pPr algn="l" fontAlgn="base"/>
-            <a:r>
-              <a:rPr lang="en-US" b="0" i="0" dirty="0">
+            <a:pPr marL="0" marR="0" lvl="0" indent="0" algn="l" defTabSz="914400" rtl="0" eaLnBrk="0" fontAlgn="base" latinLnBrk="0" hangingPunct="0">
+              <a:lnSpc>
+                <a:spcPct val="100000"/>
+              </a:lnSpc>
+              <a:spcBef>
+                <a:spcPct val="0"/>
+              </a:spcBef>
+              <a:spcAft>
+                <a:spcPct val="0"/>
+              </a:spcAft>
+              <a:buClrTx/>
+              <a:buSzTx/>
+              <a:buFontTx/>
+              <a:buNone/>
+              <a:tabLst/>
+            </a:pPr>
+            <a:r>
+              <a:rPr kumimoji="0" lang="en-US" altLang="en-US" sz="2400" b="1" i="0" u="none" strike="noStrike" cap="none" normalizeH="0" baseline="0" dirty="0" err="1">
+                <a:ln>
+                  <a:noFill/>
+                </a:ln>
+                <a:solidFill>
+                  <a:schemeClr val="tx1"/>
+                </a:solidFill>
+                <a:effectLst/>
+                <a:latin typeface="-apple-system"/>
+              </a:rPr>
+              <a:t>RouterLinkActive</a:t>
+            </a:r>
+            <a:endParaRPr kumimoji="0" lang="en-US" altLang="en-US" sz="2400" b="1" i="0" u="none" strike="noStrike" cap="none" normalizeH="0" baseline="0" dirty="0">
+              <a:ln>
+                <a:noFill/>
+              </a:ln>
+              <a:solidFill>
+                <a:schemeClr val="tx1"/>
+              </a:solidFill>
+              <a:effectLst/>
+              <a:latin typeface="-apple-system"/>
+            </a:endParaRPr>
+          </a:p>
+          <a:p>
+            <a:pPr marL="0" marR="0" lvl="0" indent="0" algn="l" defTabSz="914400" rtl="0" eaLnBrk="0" fontAlgn="base" latinLnBrk="0" hangingPunct="0">
+              <a:lnSpc>
+                <a:spcPct val="100000"/>
+              </a:lnSpc>
+              <a:spcBef>
+                <a:spcPct val="0"/>
+              </a:spcBef>
+              <a:spcAft>
+                <a:spcPct val="0"/>
+              </a:spcAft>
+              <a:buClrTx/>
+              <a:buSzTx/>
+              <a:buFontTx/>
+              <a:buNone/>
+              <a:tabLst/>
+            </a:pPr>
+            <a:r>
+              <a:rPr kumimoji="0" lang="en-US" altLang="en-US" sz="2400" b="0" i="0" u="none" strike="noStrike" cap="none" normalizeH="0" baseline="0" dirty="0" err="1">
+                <a:ln>
+                  <a:noFill/>
+                </a:ln>
                 <a:solidFill>
                   <a:srgbClr val="000000"/>
                 </a:solidFill>
                 <a:effectLst/>
                 <a:latin typeface="-apple-system"/>
               </a:rPr>
-              <a:t>To Configure the Router in Angular, you need to follow these steps</a:t>
-            </a:r>
-          </a:p>
-          <a:p>
-            <a:pPr algn="l" fontAlgn="base">
-              <a:buFont typeface="Arial" panose="020B0604020202020204" pitchFamily="34" charset="0"/>
-              <a:buChar char="•"/>
+              <a:t>RouterLinkActive</a:t>
+            </a:r>
+            <a:r>
+              <a:rPr kumimoji="0" lang="en-US" altLang="en-US" sz="2400" b="0" i="0" u="none" strike="noStrike" cap="none" normalizeH="0" baseline="0" dirty="0">
+                <a:ln>
+                  <a:noFill/>
+                </a:ln>
+                <a:solidFill>
+                  <a:srgbClr val="000000"/>
+                </a:solidFill>
+                <a:effectLst/>
+                <a:latin typeface="-apple-system"/>
+              </a:rPr>
+              <a:t> is a directive for adding or removing classes from an HTML element that is bound to a </a:t>
+            </a:r>
+            <a:r>
+              <a:rPr kumimoji="0" lang="en-US" altLang="en-US" sz="2400" b="0" i="0" u="none" strike="noStrike" cap="none" normalizeH="0" baseline="0" dirty="0" err="1">
+                <a:ln>
+                  <a:noFill/>
+                </a:ln>
+                <a:solidFill>
+                  <a:srgbClr val="000000"/>
+                </a:solidFill>
+                <a:effectLst/>
+                <a:latin typeface="-apple-system"/>
+              </a:rPr>
+              <a:t>RouterLink</a:t>
+            </a:r>
+            <a:r>
+              <a:rPr kumimoji="0" lang="en-US" altLang="en-US" sz="2400" b="0" i="0" u="none" strike="noStrike" cap="none" normalizeH="0" baseline="0" dirty="0">
+                <a:ln>
+                  <a:noFill/>
+                </a:ln>
+                <a:solidFill>
+                  <a:srgbClr val="000000"/>
+                </a:solidFill>
+                <a:effectLst/>
+                <a:latin typeface="-apple-system"/>
+              </a:rPr>
+              <a:t>. Using this directive, we can toggle CSS classes for active </a:t>
+            </a:r>
+            <a:r>
+              <a:rPr kumimoji="0" lang="en-US" altLang="en-US" sz="2400" b="0" i="0" u="none" strike="noStrike" cap="none" normalizeH="0" baseline="0" dirty="0" err="1">
+                <a:ln>
+                  <a:noFill/>
+                </a:ln>
+                <a:solidFill>
+                  <a:srgbClr val="000000"/>
+                </a:solidFill>
+                <a:effectLst/>
+                <a:latin typeface="-apple-system"/>
+              </a:rPr>
+              <a:t>RouterLinks</a:t>
+            </a:r>
+            <a:r>
+              <a:rPr kumimoji="0" lang="en-US" altLang="en-US" sz="2400" b="0" i="0" u="none" strike="noStrike" cap="none" normalizeH="0" baseline="0" dirty="0">
+                <a:ln>
+                  <a:noFill/>
+                </a:ln>
+                <a:solidFill>
+                  <a:srgbClr val="000000"/>
+                </a:solidFill>
+                <a:effectLst/>
+                <a:latin typeface="-apple-system"/>
+              </a:rPr>
+              <a:t> based on the current </a:t>
+            </a:r>
+            <a:r>
+              <a:rPr kumimoji="0" lang="en-US" altLang="en-US" sz="2400" b="0" i="0" u="none" strike="noStrike" cap="none" normalizeH="0" baseline="0" dirty="0" err="1">
+                <a:ln>
+                  <a:noFill/>
+                </a:ln>
+                <a:solidFill>
+                  <a:srgbClr val="000000"/>
+                </a:solidFill>
+                <a:effectLst/>
+                <a:latin typeface="-apple-system"/>
+              </a:rPr>
+              <a:t>RouterState</a:t>
+            </a:r>
+            <a:endParaRPr kumimoji="0" lang="en-US" altLang="en-US" sz="2400" b="1" i="0" u="none" strike="noStrike" cap="none" normalizeH="0" baseline="0" dirty="0">
+              <a:ln>
+                <a:noFill/>
+              </a:ln>
+              <a:solidFill>
+                <a:schemeClr val="tx1"/>
+              </a:solidFill>
+              <a:effectLst/>
+              <a:latin typeface="-apple-system"/>
+            </a:endParaRPr>
+          </a:p>
+          <a:p>
+            <a:pPr marL="0" marR="0" lvl="0" indent="0" algn="l" defTabSz="914400" rtl="0" eaLnBrk="0" fontAlgn="base" latinLnBrk="0" hangingPunct="0">
+              <a:lnSpc>
+                <a:spcPct val="100000"/>
+              </a:lnSpc>
+              <a:spcBef>
+                <a:spcPct val="0"/>
+              </a:spcBef>
+              <a:spcAft>
+                <a:spcPct val="0"/>
+              </a:spcAft>
+              <a:buClrTx/>
+              <a:buSzTx/>
+              <a:buFontTx/>
+              <a:buNone/>
+              <a:tabLst/>
             </a:pPr>
             <a:r>
-              <a:rPr lang="en-US" b="0" i="0" dirty="0">
+              <a:rPr kumimoji="0" lang="en-US" altLang="en-US" sz="2400" b="1" i="0" u="none" strike="noStrike" cap="none" normalizeH="0" baseline="0" dirty="0" err="1">
+                <a:ln>
+                  <a:noFill/>
+                </a:ln>
+                <a:solidFill>
+                  <a:schemeClr val="tx1"/>
+                </a:solidFill>
+                <a:effectLst/>
+                <a:latin typeface="-apple-system"/>
+              </a:rPr>
+              <a:t>ActivatedRoute</a:t>
+            </a:r>
+            <a:endParaRPr kumimoji="0" lang="en-US" altLang="en-US" sz="2400" b="1" i="0" u="none" strike="noStrike" cap="none" normalizeH="0" baseline="0" dirty="0">
+              <a:ln>
+                <a:noFill/>
+              </a:ln>
+              <a:solidFill>
+                <a:schemeClr val="tx1"/>
+              </a:solidFill>
+              <a:effectLst/>
+              <a:latin typeface="-apple-system"/>
+            </a:endParaRPr>
+          </a:p>
+          <a:p>
+            <a:pPr marL="0" marR="0" lvl="0" indent="0" algn="l" defTabSz="914400" rtl="0" eaLnBrk="0" fontAlgn="base" latinLnBrk="0" hangingPunct="0">
+              <a:lnSpc>
+                <a:spcPct val="100000"/>
+              </a:lnSpc>
+              <a:spcBef>
+                <a:spcPct val="0"/>
+              </a:spcBef>
+              <a:spcAft>
+                <a:spcPct val="0"/>
+              </a:spcAft>
+              <a:buClrTx/>
+              <a:buSzTx/>
+              <a:buFontTx/>
+              <a:buNone/>
+              <a:tabLst/>
+            </a:pPr>
+            <a:r>
+              <a:rPr kumimoji="0" lang="en-US" altLang="en-US" sz="2400" b="0" i="0" u="none" strike="noStrike" cap="none" normalizeH="0" baseline="0" dirty="0">
+                <a:ln>
+                  <a:noFill/>
+                </a:ln>
                 <a:solidFill>
                   <a:srgbClr val="000000"/>
                 </a:solidFill>
                 <a:effectLst/>
                 <a:latin typeface="-apple-system"/>
               </a:rPr>
-              <a:t>Set the &lt;base </a:t>
-            </a:r>
-            <a:r>
-              <a:rPr lang="en-US" b="0" i="0" dirty="0" err="1">
+              <a:t>The </a:t>
+            </a:r>
+            <a:r>
+              <a:rPr kumimoji="0" lang="en-US" altLang="en-US" sz="2400" b="0" i="0" u="none" strike="noStrike" cap="none" normalizeH="0" baseline="0" dirty="0" err="1">
+                <a:ln>
+                  <a:noFill/>
+                </a:ln>
                 <a:solidFill>
                   <a:srgbClr val="000000"/>
                 </a:solidFill>
                 <a:effectLst/>
                 <a:latin typeface="-apple-system"/>
               </a:rPr>
-              <a:t>href</a:t>
-            </a:r>
-            <a:r>
-              <a:rPr lang="en-US" b="0" i="0" dirty="0">
+              <a:t>ActivatedRoute</a:t>
+            </a:r>
+            <a:r>
+              <a:rPr kumimoji="0" lang="en-US" altLang="en-US" sz="2400" b="0" i="0" u="none" strike="noStrike" cap="none" normalizeH="0" baseline="0" dirty="0">
+                <a:ln>
+                  <a:noFill/>
+                </a:ln>
                 <a:solidFill>
                   <a:srgbClr val="000000"/>
                 </a:solidFill>
                 <a:effectLst/>
                 <a:latin typeface="-apple-system"/>
               </a:rPr>
-              <a:t>&gt;</a:t>
-            </a:r>
-          </a:p>
-          <a:p>
-            <a:pPr algn="l" fontAlgn="base">
-              <a:buFont typeface="Arial" panose="020B0604020202020204" pitchFamily="34" charset="0"/>
-              <a:buChar char="•"/>
+              <a:t> is an object that represents the currently activated route associated with the loaded Component.</a:t>
+            </a:r>
+          </a:p>
+          <a:p>
+            <a:pPr marL="0" marR="0" lvl="0" indent="0" algn="l" defTabSz="914400" rtl="0" eaLnBrk="0" fontAlgn="base" latinLnBrk="0" hangingPunct="0">
+              <a:lnSpc>
+                <a:spcPct val="100000"/>
+              </a:lnSpc>
+              <a:spcBef>
+                <a:spcPct val="0"/>
+              </a:spcBef>
+              <a:spcAft>
+                <a:spcPct val="0"/>
+              </a:spcAft>
+              <a:buClrTx/>
+              <a:buSzTx/>
+              <a:buFontTx/>
+              <a:buNone/>
+              <a:tabLst/>
             </a:pPr>
-            <a:r>
-              <a:rPr lang="en-US" b="0" i="0" dirty="0">
+            <a:endParaRPr kumimoji="0" lang="en-US" altLang="en-US" sz="2400" b="0" i="0" u="none" strike="noStrike" cap="none" normalizeH="0" baseline="0" dirty="0">
+              <a:ln>
+                <a:noFill/>
+              </a:ln>
+              <a:solidFill>
+                <a:schemeClr val="tx1"/>
+              </a:solidFill>
+              <a:effectLst/>
+            </a:endParaRPr>
+          </a:p>
+          <a:p>
+            <a:endParaRPr lang="en-US" dirty="0"/>
+          </a:p>
+        </p:txBody>
+      </p:sp>
+      <p:sp>
+        <p:nvSpPr>
+          <p:cNvPr id="5" name="Rectangle 1">
+            <a:extLst>
+              <a:ext uri="{FF2B5EF4-FFF2-40B4-BE49-F238E27FC236}">
+                <a16:creationId xmlns="" xmlns:a16="http://schemas.microsoft.com/office/drawing/2014/main" id="{5AC636EB-0FD5-47B6-82F3-F9B2177D5337}"/>
+              </a:ext>
+            </a:extLst>
+          </p:cNvPr>
+          <p:cNvSpPr>
+            <a:spLocks noChangeArrowheads="1"/>
+          </p:cNvSpPr>
+          <p:nvPr/>
+        </p:nvSpPr>
+        <p:spPr bwMode="auto">
+          <a:xfrm>
+            <a:off x="417251" y="3024559"/>
+            <a:ext cx="10591060" cy="2215991"/>
+          </a:xfrm>
+          <a:prstGeom prst="rect">
+            <a:avLst/>
+          </a:prstGeom>
+          <a:solidFill>
+            <a:srgbClr val="F2F2F2"/>
+          </a:solidFill>
+          <a:ln>
+            <a:noFill/>
+          </a:ln>
+          <a:effectLst/>
+          <a:extLst>
+            <a:ext uri="{91240B29-F687-4F45-9708-019B960494DF}">
+              <a14:hiddenLine xmlns="" xmlns:a14="http://schemas.microsoft.com/office/drawing/2010/main" w="9525">
+                <a:solidFill>
+                  <a:schemeClr val="tx1"/>
+                </a:solidFill>
+                <a:miter lim="800000"/>
+                <a:headEnd/>
+                <a:tailEnd/>
+              </a14:hiddenLine>
+            </a:ext>
+            <a:ext uri="{AF507438-7753-43E0-B8FC-AC1667EBCBE1}">
+              <a14:hiddenEffects xmlns="" xmlns:a14="http://schemas.microsoft.com/office/drawing/2010/main">
+                <a:effectLst>
+                  <a:outerShdw dist="35921" dir="2700000" algn="ctr" rotWithShape="0">
+                    <a:schemeClr val="bg2"/>
+                  </a:outerShdw>
+                </a:effectLst>
+              </a14:hiddenEffects>
+            </a:ext>
+          </a:extLst>
+        </p:spPr>
+        <p:txBody>
+          <a:bodyPr vert="horz" wrap="square" lIns="0" tIns="0" rIns="0" bIns="0" numCol="1" anchor="ctr" anchorCtr="0" compatLnSpc="1">
+            <a:prstTxWarp prst="textNoShape">
+              <a:avLst/>
+            </a:prstTxWarp>
+            <a:spAutoFit/>
+          </a:bodyPr>
+          <a:lstStyle>
+            <a:lvl1pPr eaLnBrk="0" fontAlgn="base" hangingPunct="0">
+              <a:spcBef>
+                <a:spcPct val="0"/>
+              </a:spcBef>
+              <a:spcAft>
+                <a:spcPct val="0"/>
+              </a:spcAft>
+              <a:defRPr>
+                <a:solidFill>
+                  <a:schemeClr val="tx1"/>
+                </a:solidFill>
+                <a:latin typeface="Arial" panose="020B0604020202020204" pitchFamily="34" charset="0"/>
+              </a:defRPr>
+            </a:lvl1pPr>
+            <a:lvl2pPr eaLnBrk="0" fontAlgn="base" hangingPunct="0">
+              <a:spcBef>
+                <a:spcPct val="0"/>
+              </a:spcBef>
+              <a:spcAft>
+                <a:spcPct val="0"/>
+              </a:spcAft>
+              <a:defRPr>
+                <a:solidFill>
+                  <a:schemeClr val="tx1"/>
+                </a:solidFill>
+                <a:latin typeface="Arial" panose="020B0604020202020204" pitchFamily="34" charset="0"/>
+              </a:defRPr>
+            </a:lvl2pPr>
+            <a:lvl3pPr eaLnBrk="0" fontAlgn="base" hangingPunct="0">
+              <a:spcBef>
+                <a:spcPct val="0"/>
+              </a:spcBef>
+              <a:spcAft>
+                <a:spcPct val="0"/>
+              </a:spcAft>
+              <a:defRPr>
+                <a:solidFill>
+                  <a:schemeClr val="tx1"/>
+                </a:solidFill>
+                <a:latin typeface="Arial" panose="020B0604020202020204" pitchFamily="34" charset="0"/>
+              </a:defRPr>
+            </a:lvl3pPr>
+            <a:lvl4pPr eaLnBrk="0" fontAlgn="base" hangingPunct="0">
+              <a:spcBef>
+                <a:spcPct val="0"/>
+              </a:spcBef>
+              <a:spcAft>
+                <a:spcPct val="0"/>
+              </a:spcAft>
+              <a:defRPr>
+                <a:solidFill>
+                  <a:schemeClr val="tx1"/>
+                </a:solidFill>
+                <a:latin typeface="Arial" panose="020B0604020202020204" pitchFamily="34" charset="0"/>
+              </a:defRPr>
+            </a:lvl4pPr>
+            <a:lvl5pPr eaLnBrk="0" fontAlgn="base" hangingPunct="0">
+              <a:spcBef>
+                <a:spcPct val="0"/>
+              </a:spcBef>
+              <a:spcAft>
+                <a:spcPct val="0"/>
+              </a:spcAft>
+              <a:defRPr>
+                <a:solidFill>
+                  <a:schemeClr val="tx1"/>
+                </a:solidFill>
+                <a:latin typeface="Arial" panose="020B0604020202020204" pitchFamily="34" charset="0"/>
+              </a:defRPr>
+            </a:lvl5pPr>
+            <a:lvl6pPr eaLnBrk="0" fontAlgn="base" hangingPunct="0">
+              <a:spcBef>
+                <a:spcPct val="0"/>
+              </a:spcBef>
+              <a:spcAft>
+                <a:spcPct val="0"/>
+              </a:spcAft>
+              <a:defRPr>
+                <a:solidFill>
+                  <a:schemeClr val="tx1"/>
+                </a:solidFill>
+                <a:latin typeface="Arial" panose="020B0604020202020204" pitchFamily="34" charset="0"/>
+              </a:defRPr>
+            </a:lvl6pPr>
+            <a:lvl7pPr eaLnBrk="0" fontAlgn="base" hangingPunct="0">
+              <a:spcBef>
+                <a:spcPct val="0"/>
+              </a:spcBef>
+              <a:spcAft>
+                <a:spcPct val="0"/>
+              </a:spcAft>
+              <a:defRPr>
+                <a:solidFill>
+                  <a:schemeClr val="tx1"/>
+                </a:solidFill>
+                <a:latin typeface="Arial" panose="020B0604020202020204" pitchFamily="34" charset="0"/>
+              </a:defRPr>
+            </a:lvl7pPr>
+            <a:lvl8pPr eaLnBrk="0" fontAlgn="base" hangingPunct="0">
+              <a:spcBef>
+                <a:spcPct val="0"/>
+              </a:spcBef>
+              <a:spcAft>
+                <a:spcPct val="0"/>
+              </a:spcAft>
+              <a:defRPr>
+                <a:solidFill>
+                  <a:schemeClr val="tx1"/>
+                </a:solidFill>
+                <a:latin typeface="Arial" panose="020B0604020202020204" pitchFamily="34" charset="0"/>
+              </a:defRPr>
+            </a:lvl8pPr>
+            <a:lvl9pPr eaLnBrk="0" fontAlgn="base" hangingPunct="0">
+              <a:spcBef>
+                <a:spcPct val="0"/>
+              </a:spcBef>
+              <a:spcAft>
+                <a:spcPct val="0"/>
+              </a:spcAft>
+              <a:defRPr>
+                <a:solidFill>
+                  <a:schemeClr val="tx1"/>
+                </a:solidFill>
+                <a:latin typeface="Arial" panose="020B0604020202020204" pitchFamily="34" charset="0"/>
+              </a:defRPr>
+            </a:lvl9pPr>
+          </a:lstStyle>
+          <a:p>
+            <a:pPr marL="0" marR="0" lvl="0" indent="0" algn="l" defTabSz="914400" rtl="0" eaLnBrk="0" fontAlgn="base" latinLnBrk="0" hangingPunct="0">
+              <a:lnSpc>
+                <a:spcPct val="100000"/>
+              </a:lnSpc>
+              <a:spcBef>
+                <a:spcPct val="0"/>
+              </a:spcBef>
+              <a:spcAft>
+                <a:spcPct val="0"/>
+              </a:spcAft>
+              <a:buClrTx/>
+              <a:buSzTx/>
+              <a:buFontTx/>
+              <a:buNone/>
+              <a:tabLst/>
+            </a:pPr>
+            <a:r>
+              <a:rPr kumimoji="0" lang="en-US" altLang="en-US" sz="2400" b="1" i="0" u="none" strike="noStrike" cap="none" normalizeH="0" baseline="0" dirty="0" err="1">
+                <a:ln>
+                  <a:noFill/>
+                </a:ln>
+                <a:solidFill>
+                  <a:schemeClr val="tx1"/>
+                </a:solidFill>
+                <a:effectLst/>
+                <a:latin typeface="-apple-system"/>
+              </a:rPr>
+              <a:t>RouterState</a:t>
+            </a:r>
+            <a:endParaRPr kumimoji="0" lang="en-US" altLang="en-US" sz="2400" b="1" i="0" u="none" strike="noStrike" cap="none" normalizeH="0" baseline="0" dirty="0">
+              <a:ln>
+                <a:noFill/>
+              </a:ln>
+              <a:solidFill>
+                <a:schemeClr val="tx1"/>
+              </a:solidFill>
+              <a:effectLst/>
+              <a:latin typeface="-apple-system"/>
+            </a:endParaRPr>
+          </a:p>
+          <a:p>
+            <a:pPr marL="0" marR="0" lvl="0" indent="0" algn="l" defTabSz="914400" rtl="0" eaLnBrk="0" fontAlgn="base" latinLnBrk="0" hangingPunct="0">
+              <a:lnSpc>
+                <a:spcPct val="100000"/>
+              </a:lnSpc>
+              <a:spcBef>
+                <a:spcPct val="0"/>
+              </a:spcBef>
+              <a:spcAft>
+                <a:spcPct val="0"/>
+              </a:spcAft>
+              <a:buClrTx/>
+              <a:buSzTx/>
+              <a:buFontTx/>
+              <a:buNone/>
+              <a:tabLst/>
+            </a:pPr>
+            <a:r>
+              <a:rPr kumimoji="0" lang="en-US" altLang="en-US" sz="2400" b="0" i="0" u="none" strike="noStrike" cap="none" normalizeH="0" baseline="0" dirty="0">
+                <a:ln>
+                  <a:noFill/>
+                </a:ln>
                 <a:solidFill>
                   <a:srgbClr val="000000"/>
                 </a:solidFill>
                 <a:effectLst/>
                 <a:latin typeface="-apple-system"/>
               </a:rPr>
-              <a:t>Define routes for the view</a:t>
-            </a:r>
-          </a:p>
-          <a:p>
-            <a:pPr algn="l" fontAlgn="base">
-              <a:buFont typeface="Arial" panose="020B0604020202020204" pitchFamily="34" charset="0"/>
-              <a:buChar char="•"/>
+              <a:t>The current state of the router including a tree of the currently activated routes together with convenience methods for traversing the route tree.</a:t>
+            </a:r>
+            <a:endParaRPr kumimoji="0" lang="en-US" altLang="en-US" sz="2400" b="1" i="0" u="none" strike="noStrike" cap="none" normalizeH="0" baseline="0" dirty="0">
+              <a:ln>
+                <a:noFill/>
+              </a:ln>
+              <a:solidFill>
+                <a:schemeClr val="tx1"/>
+              </a:solidFill>
+              <a:effectLst/>
+              <a:latin typeface="-apple-system"/>
+            </a:endParaRPr>
+          </a:p>
+          <a:p>
+            <a:pPr marL="0" marR="0" lvl="0" indent="0" algn="l" defTabSz="914400" rtl="0" eaLnBrk="0" fontAlgn="base" latinLnBrk="0" hangingPunct="0">
+              <a:lnSpc>
+                <a:spcPct val="100000"/>
+              </a:lnSpc>
+              <a:spcBef>
+                <a:spcPct val="0"/>
+              </a:spcBef>
+              <a:spcAft>
+                <a:spcPct val="0"/>
+              </a:spcAft>
+              <a:buClrTx/>
+              <a:buSzTx/>
+              <a:buFontTx/>
+              <a:buNone/>
+              <a:tabLst/>
             </a:pPr>
             <a:r>
-              <a:rPr lang="en-US" b="0" i="0" dirty="0">
+              <a:rPr kumimoji="0" lang="en-US" altLang="en-US" sz="2400" b="1" i="0" u="none" strike="noStrike" cap="none" normalizeH="0" baseline="0" dirty="0" err="1">
+                <a:ln>
+                  <a:noFill/>
+                </a:ln>
+                <a:solidFill>
+                  <a:schemeClr val="tx1"/>
+                </a:solidFill>
+                <a:effectLst/>
+                <a:latin typeface="-apple-system"/>
+              </a:rPr>
+              <a:t>RouteLink</a:t>
+            </a:r>
+            <a:r>
+              <a:rPr kumimoji="0" lang="en-US" altLang="en-US" sz="2400" b="1" i="0" u="none" strike="noStrike" cap="none" normalizeH="0" baseline="0" dirty="0">
+                <a:ln>
+                  <a:noFill/>
+                </a:ln>
+                <a:solidFill>
+                  <a:schemeClr val="tx1"/>
+                </a:solidFill>
+                <a:effectLst/>
+                <a:latin typeface="-apple-system"/>
+              </a:rPr>
+              <a:t> Parameters array</a:t>
+            </a:r>
+          </a:p>
+          <a:p>
+            <a:pPr marL="0" marR="0" lvl="0" indent="0" algn="l" defTabSz="914400" rtl="0" eaLnBrk="0" fontAlgn="base" latinLnBrk="0" hangingPunct="0">
+              <a:lnSpc>
+                <a:spcPct val="100000"/>
+              </a:lnSpc>
+              <a:spcBef>
+                <a:spcPct val="0"/>
+              </a:spcBef>
+              <a:spcAft>
+                <a:spcPct val="0"/>
+              </a:spcAft>
+              <a:buClrTx/>
+              <a:buSzTx/>
+              <a:buFontTx/>
+              <a:buNone/>
+              <a:tabLst/>
+            </a:pPr>
+            <a:r>
+              <a:rPr kumimoji="0" lang="en-US" altLang="en-US" sz="2400" b="0" i="0" u="none" strike="noStrike" cap="none" normalizeH="0" baseline="0" dirty="0">
+                <a:ln>
+                  <a:noFill/>
+                </a:ln>
                 <a:solidFill>
                   <a:srgbClr val="000000"/>
                 </a:solidFill>
                 <a:effectLst/>
                 <a:latin typeface="-apple-system"/>
               </a:rPr>
-              <a:t>Register the Router Service with Routes</a:t>
-            </a:r>
-          </a:p>
-          <a:p>
-            <a:pPr algn="l" fontAlgn="base">
-              <a:buFont typeface="Arial" panose="020B0604020202020204" pitchFamily="34" charset="0"/>
-              <a:buChar char="•"/>
-            </a:pPr>
-            <a:r>
-              <a:rPr lang="en-US" b="0" i="0" dirty="0">
+              <a:t>The Parameters or arguments to the Route. It is an array which you can bind to </a:t>
+            </a:r>
+            <a:r>
+              <a:rPr kumimoji="0" lang="en-US" altLang="en-US" sz="2400" b="0" i="0" u="none" strike="noStrike" cap="none" normalizeH="0" baseline="0" dirty="0" err="1">
+                <a:ln>
+                  <a:noFill/>
+                </a:ln>
                 <a:solidFill>
                   <a:srgbClr val="000000"/>
                 </a:solidFill>
                 <a:effectLst/>
                 <a:latin typeface="-apple-system"/>
               </a:rPr>
-              <a:t>Map HTML Element actions to Route</a:t>
-            </a:r>
-          </a:p>
-          <a:p>
-            <a:pPr algn="l" fontAlgn="base">
-              <a:buFont typeface="Arial" panose="020B0604020202020204" pitchFamily="34" charset="0"/>
-              <a:buChar char="•"/>
-            </a:pPr>
-            <a:r>
-              <a:rPr lang="en-US" b="0" i="0" dirty="0">
+              <a:t>RouterLink</a:t>
+            </a:r>
+            <a:r>
+              <a:rPr kumimoji="0" lang="en-US" altLang="en-US" sz="2400" b="0" i="0" u="none" strike="noStrike" cap="none" normalizeH="0" baseline="0" dirty="0">
+                <a:ln>
+                  <a:noFill/>
+                </a:ln>
                 <a:solidFill>
                   <a:srgbClr val="000000"/>
                 </a:solidFill>
                 <a:effectLst/>
                 <a:latin typeface="-apple-system"/>
               </a:rPr>
-              <a:t>Choose where you want to display the view</a:t>
-            </a:r>
-          </a:p>
-          <a:p>
-            <a:endParaRPr lang="en-US" dirty="0"/>
+              <a:t> directive or pass it as an argument to the </a:t>
+            </a:r>
+            <a:r>
+              <a:rPr kumimoji="0" lang="en-US" altLang="en-US" sz="2400" b="0" i="0" u="none" strike="noStrike" cap="none" normalizeH="0" baseline="0" dirty="0" err="1">
+                <a:ln>
+                  <a:noFill/>
+                </a:ln>
+                <a:solidFill>
+                  <a:srgbClr val="000000"/>
+                </a:solidFill>
+                <a:effectLst/>
+                <a:latin typeface="-apple-system"/>
+              </a:rPr>
+              <a:t>Router.navigate</a:t>
+            </a:r>
+            <a:r>
+              <a:rPr kumimoji="0" lang="en-US" altLang="en-US" sz="2400" b="0" i="0" u="none" strike="noStrike" cap="none" normalizeH="0" baseline="0" dirty="0">
+                <a:ln>
+                  <a:noFill/>
+                </a:ln>
+                <a:solidFill>
+                  <a:srgbClr val="000000"/>
+                </a:solidFill>
+                <a:effectLst/>
+                <a:latin typeface="-apple-system"/>
+              </a:rPr>
+              <a:t> method.</a:t>
+            </a:r>
+            <a:endParaRPr kumimoji="0" lang="en-US" altLang="en-US" sz="2400" b="0" i="0" u="none" strike="noStrike" cap="none" normalizeH="0" baseline="0" dirty="0">
+              <a:ln>
+                <a:noFill/>
+              </a:ln>
+              <a:solidFill>
+                <a:schemeClr val="tx1"/>
+              </a:solidFill>
+              <a:effectLst/>
+            </a:endParaRPr>
           </a:p>
         </p:txBody>
       </p:sp>
     </p:spTree>
     <p:extLst>
       <p:ext uri="{BB962C8B-B14F-4D97-AF65-F5344CB8AC3E}">
-        <p14:creationId xmlns:p14="http://schemas.microsoft.com/office/powerpoint/2010/main" val="291101666"/>
+        <p14:creationId xmlns="" xmlns:p14="http://schemas.microsoft.com/office/powerpoint/2010/main" val="2290764849"/>
       </p:ext>
     </p:extLst>
   </p:cSld>
@@ -8741,10 +8833,10 @@
       </p:grpSpPr>
       <p:sp>
         <p:nvSpPr>
-          <p:cNvPr id="4" name="Title 3">
-            <a:extLst>
-              <a:ext uri="{FF2B5EF4-FFF2-40B4-BE49-F238E27FC236}">
-                <a16:creationId xmlns:a16="http://schemas.microsoft.com/office/drawing/2014/main" id="{2D78FD26-B56B-4BFF-9136-D99C5D60B7DA}"/>
+          <p:cNvPr id="2" name="Title 1">
+            <a:extLst>
+              <a:ext uri="{FF2B5EF4-FFF2-40B4-BE49-F238E27FC236}">
+                <a16:creationId xmlns="" xmlns:a16="http://schemas.microsoft.com/office/drawing/2014/main" id="{426EEFDC-790E-4E47-A515-1EBCF1F2F2CD}"/>
               </a:ext>
             </a:extLst>
           </p:cNvPr>
@@ -8755,30 +8847,28 @@
             <p:ph type="title"/>
           </p:nvPr>
         </p:nvSpPr>
-        <p:spPr>
-          <a:xfrm>
-            <a:off x="477852" y="0"/>
-            <a:ext cx="9438716" cy="797605"/>
-          </a:xfrm>
-        </p:spPr>
+        <p:spPr/>
         <p:txBody>
           <a:bodyPr/>
           <a:lstStyle/>
           <a:p>
-            <a:r>
-              <a:rPr lang="en-US" dirty="0"/>
-              <a:t>Route configuration:</a:t>
-            </a:r>
-            <a:endParaRPr lang="en-IN" dirty="0"/>
-          </a:p>
-        </p:txBody>
-      </p:sp>
-      <p:sp>
-        <p:nvSpPr>
-          <p:cNvPr id="6" name="Content Placeholder 5">
-            <a:extLst>
-              <a:ext uri="{FF2B5EF4-FFF2-40B4-BE49-F238E27FC236}">
-                <a16:creationId xmlns:a16="http://schemas.microsoft.com/office/drawing/2014/main" id="{8C19A422-3BA6-44F5-94A2-055C67DF77E0}"/>
+            <a:pPr algn="l" fontAlgn="base"/>
+            <a:r>
+              <a:rPr lang="en-US" b="1" i="0" dirty="0">
+                <a:effectLst/>
+                <a:latin typeface="-apple-system"/>
+              </a:rPr>
+              <a:t>How to configure Angular Router?</a:t>
+            </a:r>
+          </a:p>
+        </p:txBody>
+      </p:sp>
+      <p:sp>
+        <p:nvSpPr>
+          <p:cNvPr id="16" name="Content Placeholder 15">
+            <a:extLst>
+              <a:ext uri="{FF2B5EF4-FFF2-40B4-BE49-F238E27FC236}">
+                <a16:creationId xmlns="" xmlns:a16="http://schemas.microsoft.com/office/drawing/2014/main" id="{C110FDCF-2EC3-46D4-A98B-824D58833898}"/>
               </a:ext>
             </a:extLst>
           </p:cNvPr>
@@ -8789,1305 +8879,132 @@
             <p:ph idx="1"/>
           </p:nvPr>
         </p:nvSpPr>
-        <p:spPr>
-          <a:xfrm>
-            <a:off x="477852" y="562449"/>
-            <a:ext cx="11039452" cy="5053380"/>
-          </a:xfrm>
-        </p:spPr>
+        <p:spPr/>
         <p:txBody>
           <a:bodyPr/>
           <a:lstStyle/>
           <a:p>
             <a:pPr algn="l" fontAlgn="base"/>
             <a:r>
-              <a:rPr lang="en-IN" b="0" i="0" dirty="0">
-                <a:solidFill>
-                  <a:srgbClr val="008080"/>
-                </a:solidFill>
-                <a:effectLst/>
-                <a:latin typeface="inherit"/>
-              </a:rPr>
-              <a:t>export </a:t>
-            </a:r>
-            <a:r>
-              <a:rPr lang="en-IN" b="0" i="0" dirty="0" err="1">
-                <a:solidFill>
-                  <a:srgbClr val="800080"/>
-                </a:solidFill>
-                <a:effectLst/>
-                <a:latin typeface="inherit"/>
-              </a:rPr>
-              <a:t>const</a:t>
-            </a:r>
-            <a:r>
-              <a:rPr lang="en-IN" b="0" i="0" dirty="0">
-                <a:solidFill>
-                  <a:srgbClr val="006FE0"/>
-                </a:solidFill>
-                <a:effectLst/>
-                <a:latin typeface="inherit"/>
-              </a:rPr>
-              <a:t> </a:t>
-            </a:r>
-            <a:r>
-              <a:rPr lang="en-IN" b="0" i="0" dirty="0" err="1">
+              <a:rPr lang="en-US" b="0" i="0" dirty="0">
                 <a:solidFill>
                   <a:srgbClr val="000000"/>
                 </a:solidFill>
                 <a:effectLst/>
-                <a:latin typeface="inherit"/>
-              </a:rPr>
-              <a:t>appRoutes</a:t>
-            </a:r>
-            <a:r>
-              <a:rPr lang="en-IN" b="0" i="0" dirty="0">
-                <a:solidFill>
-                  <a:srgbClr val="333333"/>
-                </a:solidFill>
-                <a:effectLst/>
-                <a:latin typeface="inherit"/>
-              </a:rPr>
-              <a:t>:</a:t>
-            </a:r>
-            <a:r>
-              <a:rPr lang="en-IN" b="0" i="0" dirty="0">
-                <a:solidFill>
-                  <a:srgbClr val="006FE0"/>
-                </a:solidFill>
-                <a:effectLst/>
-                <a:latin typeface="inherit"/>
-              </a:rPr>
-              <a:t> </a:t>
-            </a:r>
-            <a:r>
-              <a:rPr lang="en-IN" b="0" i="0" dirty="0">
+                <a:latin typeface="-apple-system"/>
+              </a:rPr>
+              <a:t>To Configure the Router in Angular, you need to follow these steps</a:t>
+            </a:r>
+          </a:p>
+          <a:p>
+            <a:pPr algn="l" fontAlgn="base">
+              <a:buFont typeface="Arial" panose="020B0604020202020204" pitchFamily="34" charset="0"/>
+              <a:buChar char="•"/>
+            </a:pPr>
+            <a:r>
+              <a:rPr lang="en-US" b="0" i="0" dirty="0">
                 <a:solidFill>
                   <a:srgbClr val="000000"/>
                 </a:solidFill>
                 <a:effectLst/>
-                <a:latin typeface="inherit"/>
-              </a:rPr>
-              <a:t>Routes</a:t>
-            </a:r>
-            <a:r>
-              <a:rPr lang="en-IN" b="0" i="0" dirty="0">
-                <a:solidFill>
-                  <a:srgbClr val="006FE0"/>
-                </a:solidFill>
-                <a:effectLst/>
-                <a:latin typeface="inherit"/>
-              </a:rPr>
-              <a:t> </a:t>
-            </a:r>
-            <a:r>
-              <a:rPr lang="en-IN" b="0" i="0" dirty="0">
+                <a:latin typeface="-apple-system"/>
+              </a:rPr>
+              <a:t>Set the &lt;base </a:t>
+            </a:r>
+            <a:r>
+              <a:rPr lang="en-US" b="0" i="0" dirty="0" err="1">
                 <a:solidFill>
                   <a:srgbClr val="000000"/>
                 </a:solidFill>
                 <a:effectLst/>
-                <a:latin typeface="Verdana" panose="020B0604030504040204" pitchFamily="34" charset="0"/>
-              </a:rPr>
-              <a:t>=</a:t>
-            </a:r>
-            <a:r>
-              <a:rPr lang="en-IN" b="0" i="0" dirty="0">
-                <a:solidFill>
-                  <a:srgbClr val="006FE0"/>
-                </a:solidFill>
-                <a:effectLst/>
-                <a:latin typeface="inherit"/>
-              </a:rPr>
-              <a:t> </a:t>
-            </a:r>
-            <a:r>
-              <a:rPr lang="en-IN" b="0" i="0" dirty="0">
-                <a:solidFill>
-                  <a:srgbClr val="333333"/>
-                </a:solidFill>
-                <a:effectLst/>
-                <a:latin typeface="inherit"/>
-              </a:rPr>
-              <a:t>[</a:t>
-            </a:r>
-            <a:endParaRPr lang="en-IN" b="0" i="0" dirty="0">
-              <a:solidFill>
-                <a:srgbClr val="000000"/>
-              </a:solidFill>
-              <a:effectLst/>
-              <a:latin typeface="Verdana" panose="020B0604030504040204" pitchFamily="34" charset="0"/>
-            </a:endParaRPr>
-          </a:p>
-          <a:p>
-            <a:pPr algn="l" fontAlgn="base"/>
-            <a:r>
-              <a:rPr lang="en-IN" b="0" i="0" dirty="0">
-                <a:solidFill>
-                  <a:srgbClr val="006FE0"/>
-                </a:solidFill>
-                <a:effectLst/>
-                <a:latin typeface="inherit"/>
-              </a:rPr>
-              <a:t>  </a:t>
-            </a:r>
-            <a:r>
-              <a:rPr lang="en-IN" b="0" i="0" dirty="0">
-                <a:solidFill>
-                  <a:srgbClr val="333333"/>
-                </a:solidFill>
-                <a:effectLst/>
-                <a:latin typeface="inherit"/>
-              </a:rPr>
-              <a:t>{</a:t>
-            </a:r>
-            <a:r>
-              <a:rPr lang="en-IN" b="0" i="0" dirty="0">
-                <a:solidFill>
-                  <a:srgbClr val="006FE0"/>
-                </a:solidFill>
-                <a:effectLst/>
-                <a:latin typeface="inherit"/>
-              </a:rPr>
-              <a:t> </a:t>
-            </a:r>
-            <a:r>
-              <a:rPr lang="en-IN" b="0" i="0" dirty="0">
+                <a:latin typeface="-apple-system"/>
+              </a:rPr>
+              <a:t>href</a:t>
+            </a:r>
+            <a:r>
+              <a:rPr lang="en-US" b="0" i="0" dirty="0">
                 <a:solidFill>
                   <a:srgbClr val="000000"/>
                 </a:solidFill>
                 <a:effectLst/>
-                <a:latin typeface="inherit"/>
-              </a:rPr>
-              <a:t>path</a:t>
-            </a:r>
-            <a:r>
-              <a:rPr lang="en-IN" b="0" i="0" dirty="0">
-                <a:solidFill>
-                  <a:srgbClr val="333333"/>
-                </a:solidFill>
-                <a:effectLst/>
-                <a:latin typeface="inherit"/>
-              </a:rPr>
-              <a:t>:</a:t>
-            </a:r>
-            <a:r>
-              <a:rPr lang="en-IN" b="0" i="0" dirty="0">
-                <a:solidFill>
-                  <a:srgbClr val="006FE0"/>
-                </a:solidFill>
-                <a:effectLst/>
-                <a:latin typeface="inherit"/>
-              </a:rPr>
-              <a:t> </a:t>
-            </a:r>
-            <a:r>
-              <a:rPr lang="en-IN" b="0" i="0" dirty="0">
-                <a:solidFill>
-                  <a:srgbClr val="DD1144"/>
-                </a:solidFill>
-                <a:effectLst/>
-                <a:latin typeface="inherit"/>
-              </a:rPr>
-              <a:t>‘'</a:t>
-            </a:r>
-            <a:r>
-              <a:rPr lang="en-IN" b="0" i="0" dirty="0">
-                <a:solidFill>
-                  <a:srgbClr val="333333"/>
-                </a:solidFill>
-                <a:effectLst/>
-                <a:latin typeface="inherit"/>
-              </a:rPr>
-              <a:t>,</a:t>
-            </a:r>
-            <a:r>
-              <a:rPr lang="en-IN" b="0" i="0" dirty="0">
-                <a:solidFill>
-                  <a:srgbClr val="006FE0"/>
-                </a:solidFill>
-                <a:effectLst/>
-                <a:latin typeface="inherit"/>
-              </a:rPr>
-              <a:t> </a:t>
-            </a:r>
-            <a:r>
-              <a:rPr lang="en-IN" b="0" i="0" dirty="0" err="1">
+                <a:latin typeface="-apple-system"/>
+              </a:rPr>
+              <a:t>&gt;</a:t>
+            </a:r>
+          </a:p>
+          <a:p>
+            <a:pPr algn="l" fontAlgn="base">
+              <a:buFont typeface="Arial" panose="020B0604020202020204" pitchFamily="34" charset="0"/>
+              <a:buChar char="•"/>
+            </a:pPr>
+            <a:r>
+              <a:rPr lang="en-US" b="0" i="0" dirty="0">
                 <a:solidFill>
                   <a:srgbClr val="000000"/>
                 </a:solidFill>
                 <a:effectLst/>
-                <a:latin typeface="inherit"/>
-              </a:rPr>
-              <a:t>redirectTo</a:t>
-            </a:r>
-            <a:r>
-              <a:rPr lang="en-IN" b="0" i="0" dirty="0">
-                <a:solidFill>
-                  <a:srgbClr val="333333"/>
-                </a:solidFill>
-                <a:effectLst/>
-                <a:latin typeface="inherit"/>
-              </a:rPr>
-              <a:t>:</a:t>
-            </a:r>
-            <a:r>
-              <a:rPr lang="en-IN" b="0" i="0" dirty="0">
-                <a:solidFill>
-                  <a:srgbClr val="006FE0"/>
-                </a:solidFill>
-                <a:effectLst/>
-                <a:latin typeface="inherit"/>
-              </a:rPr>
-              <a:t> </a:t>
-            </a:r>
-            <a:r>
-              <a:rPr lang="en-IN" b="0" i="0" dirty="0">
-                <a:solidFill>
-                  <a:srgbClr val="DD1144"/>
-                </a:solidFill>
-                <a:effectLst/>
-                <a:latin typeface="inherit"/>
-              </a:rPr>
-              <a:t>'home'</a:t>
-            </a:r>
-            <a:r>
-              <a:rPr lang="en-IN" b="0" i="0" dirty="0">
-                <a:solidFill>
-                  <a:srgbClr val="333333"/>
-                </a:solidFill>
-                <a:effectLst/>
-                <a:latin typeface="inherit"/>
-              </a:rPr>
-              <a:t>,</a:t>
-            </a:r>
-            <a:r>
-              <a:rPr lang="en-IN" b="0" i="0" dirty="0">
-                <a:solidFill>
-                  <a:srgbClr val="006FE0"/>
-                </a:solidFill>
-                <a:effectLst/>
-                <a:latin typeface="inherit"/>
-              </a:rPr>
-              <a:t> </a:t>
-            </a:r>
-            <a:r>
-              <a:rPr lang="en-IN" b="0" i="0" dirty="0" err="1">
+                <a:latin typeface="-apple-system"/>
+              </a:rPr>
+              <a:t>Define routes for the view</a:t>
+            </a:r>
+          </a:p>
+          <a:p>
+            <a:pPr algn="l" fontAlgn="base">
+              <a:buFont typeface="Arial" panose="020B0604020202020204" pitchFamily="34" charset="0"/>
+              <a:buChar char="•"/>
+            </a:pPr>
+            <a:r>
+              <a:rPr lang="en-US" b="0" i="0" dirty="0">
                 <a:solidFill>
                   <a:srgbClr val="000000"/>
                 </a:solidFill>
                 <a:effectLst/>
-                <a:latin typeface="inherit"/>
-              </a:rPr>
-              <a:t>pathMatch</a:t>
-            </a:r>
-            <a:r>
-              <a:rPr lang="en-IN" b="0" i="0" dirty="0">
-                <a:solidFill>
-                  <a:srgbClr val="333333"/>
-                </a:solidFill>
-                <a:effectLst/>
-                <a:latin typeface="inherit"/>
-              </a:rPr>
-              <a:t>:</a:t>
-            </a:r>
-            <a:r>
-              <a:rPr lang="en-IN" b="0" i="0" dirty="0">
-                <a:solidFill>
-                  <a:srgbClr val="006FE0"/>
-                </a:solidFill>
-                <a:effectLst/>
-                <a:latin typeface="inherit"/>
-              </a:rPr>
-              <a:t> </a:t>
-            </a:r>
-            <a:r>
-              <a:rPr lang="en-IN" b="0" i="0" dirty="0">
-                <a:solidFill>
-                  <a:srgbClr val="DD1144"/>
-                </a:solidFill>
-                <a:effectLst/>
-                <a:latin typeface="inherit"/>
-              </a:rPr>
-              <a:t>'full'</a:t>
-            </a:r>
-            <a:r>
-              <a:rPr lang="en-IN" b="0" i="0" dirty="0">
-                <a:solidFill>
-                  <a:srgbClr val="006FE0"/>
-                </a:solidFill>
-                <a:effectLst/>
-                <a:latin typeface="inherit"/>
-              </a:rPr>
-              <a:t> </a:t>
-            </a:r>
-            <a:r>
-              <a:rPr lang="en-IN" b="0" i="0" dirty="0">
-                <a:solidFill>
-                  <a:srgbClr val="333333"/>
-                </a:solidFill>
-                <a:effectLst/>
-                <a:latin typeface="inherit"/>
-              </a:rPr>
-              <a:t>},</a:t>
-            </a:r>
-            <a:endParaRPr lang="en-IN" b="0" i="0" dirty="0">
-              <a:solidFill>
-                <a:srgbClr val="006FE0"/>
-              </a:solidFill>
-              <a:effectLst/>
-              <a:latin typeface="inherit"/>
-            </a:endParaRPr>
-          </a:p>
-          <a:p>
-            <a:pPr algn="l" fontAlgn="base"/>
-            <a:r>
-              <a:rPr lang="en-IN" b="0" i="0" dirty="0">
-                <a:solidFill>
-                  <a:srgbClr val="333333"/>
-                </a:solidFill>
-                <a:effectLst/>
-                <a:latin typeface="inherit"/>
-              </a:rPr>
-              <a:t>{</a:t>
-            </a:r>
-            <a:r>
-              <a:rPr lang="en-IN" b="0" i="0" dirty="0">
-                <a:solidFill>
-                  <a:srgbClr val="006FE0"/>
-                </a:solidFill>
-                <a:effectLst/>
-                <a:latin typeface="inherit"/>
-              </a:rPr>
-              <a:t> </a:t>
-            </a:r>
-            <a:r>
-              <a:rPr lang="en-IN" b="0" i="0" dirty="0">
+                <a:latin typeface="-apple-system"/>
+              </a:rPr>
+              <a:t>Register the Router Service with Routes</a:t>
+            </a:r>
+          </a:p>
+          <a:p>
+            <a:pPr algn="l" fontAlgn="base">
+              <a:buFont typeface="Arial" panose="020B0604020202020204" pitchFamily="34" charset="0"/>
+              <a:buChar char="•"/>
+            </a:pPr>
+            <a:r>
+              <a:rPr lang="en-US" b="0" i="0" dirty="0">
                 <a:solidFill>
                   <a:srgbClr val="000000"/>
                 </a:solidFill>
                 <a:effectLst/>
-                <a:latin typeface="inherit"/>
-              </a:rPr>
-              <a:t>path</a:t>
-            </a:r>
-            <a:r>
-              <a:rPr lang="en-IN" b="0" i="0" dirty="0">
-                <a:solidFill>
-                  <a:srgbClr val="333333"/>
-                </a:solidFill>
-                <a:effectLst/>
-                <a:latin typeface="inherit"/>
-              </a:rPr>
-              <a:t>:</a:t>
-            </a:r>
-            <a:r>
-              <a:rPr lang="en-IN" b="0" i="0" dirty="0">
-                <a:solidFill>
-                  <a:srgbClr val="006FE0"/>
-                </a:solidFill>
-                <a:effectLst/>
-                <a:latin typeface="inherit"/>
-              </a:rPr>
-              <a:t> </a:t>
-            </a:r>
-            <a:r>
-              <a:rPr lang="en-IN" b="0" i="0" dirty="0">
-                <a:solidFill>
-                  <a:srgbClr val="DD1144"/>
-                </a:solidFill>
-                <a:effectLst/>
-                <a:latin typeface="inherit"/>
-              </a:rPr>
-              <a:t>'home'</a:t>
-            </a:r>
-            <a:r>
-              <a:rPr lang="en-IN" b="0" i="0" dirty="0">
-                <a:solidFill>
-                  <a:srgbClr val="333333"/>
-                </a:solidFill>
-                <a:effectLst/>
-                <a:latin typeface="inherit"/>
-              </a:rPr>
-              <a:t>,</a:t>
-            </a:r>
-            <a:r>
-              <a:rPr lang="en-IN" b="0" i="0" dirty="0">
-                <a:solidFill>
-                  <a:srgbClr val="006FE0"/>
-                </a:solidFill>
-                <a:effectLst/>
-                <a:latin typeface="inherit"/>
-              </a:rPr>
-              <a:t> </a:t>
-            </a:r>
-            <a:r>
-              <a:rPr lang="en-IN" b="0" i="0" dirty="0">
+                <a:latin typeface="-apple-system"/>
+              </a:rPr>
+              <a:t>Map HTML Element actions to Route</a:t>
+            </a:r>
+          </a:p>
+          <a:p>
+            <a:pPr algn="l" fontAlgn="base">
+              <a:buFont typeface="Arial" panose="020B0604020202020204" pitchFamily="34" charset="0"/>
+              <a:buChar char="•"/>
+            </a:pPr>
+            <a:r>
+              <a:rPr lang="en-US" b="0" i="0" dirty="0">
                 <a:solidFill>
                   <a:srgbClr val="000000"/>
                 </a:solidFill>
                 <a:effectLst/>
-                <a:latin typeface="inherit"/>
-              </a:rPr>
-              <a:t>component</a:t>
-            </a:r>
-            <a:r>
-              <a:rPr lang="en-IN" b="0" i="0" dirty="0">
-                <a:solidFill>
-                  <a:srgbClr val="333333"/>
-                </a:solidFill>
-                <a:effectLst/>
-                <a:latin typeface="inherit"/>
-              </a:rPr>
-              <a:t>:</a:t>
-            </a:r>
-            <a:r>
-              <a:rPr lang="en-IN" b="0" i="0" dirty="0">
-                <a:solidFill>
-                  <a:srgbClr val="006FE0"/>
-                </a:solidFill>
-                <a:effectLst/>
-                <a:latin typeface="inherit"/>
-              </a:rPr>
-              <a:t> </a:t>
-            </a:r>
-            <a:r>
-              <a:rPr lang="en-IN" b="0" i="0" dirty="0" err="1">
-                <a:solidFill>
-                  <a:srgbClr val="000000"/>
-                </a:solidFill>
-                <a:effectLst/>
-                <a:latin typeface="inherit"/>
-              </a:rPr>
-              <a:t>HomeComponent</a:t>
-            </a:r>
-            <a:r>
-              <a:rPr lang="en-IN" b="0" i="0" dirty="0">
-                <a:solidFill>
-                  <a:srgbClr val="006FE0"/>
-                </a:solidFill>
-                <a:effectLst/>
-                <a:latin typeface="inherit"/>
-              </a:rPr>
-              <a:t> </a:t>
-            </a:r>
-            <a:r>
-              <a:rPr lang="en-IN" b="0" i="0" dirty="0">
-                <a:solidFill>
-                  <a:srgbClr val="333333"/>
-                </a:solidFill>
-                <a:effectLst/>
-                <a:latin typeface="inherit"/>
-              </a:rPr>
-              <a:t>},</a:t>
-            </a:r>
-            <a:endParaRPr lang="en-IN" b="0" i="0" dirty="0">
-              <a:solidFill>
-                <a:srgbClr val="000000"/>
-              </a:solidFill>
-              <a:effectLst/>
-              <a:latin typeface="Verdana" panose="020B0604030504040204" pitchFamily="34" charset="0"/>
-            </a:endParaRPr>
-          </a:p>
-          <a:p>
-            <a:pPr algn="l" fontAlgn="base"/>
-            <a:r>
-              <a:rPr lang="en-IN" b="0" i="0" dirty="0">
-                <a:solidFill>
-                  <a:srgbClr val="006FE0"/>
-                </a:solidFill>
-                <a:effectLst/>
-                <a:latin typeface="inherit"/>
-              </a:rPr>
-              <a:t>  </a:t>
-            </a:r>
-            <a:r>
-              <a:rPr lang="en-IN" b="0" i="0" dirty="0">
-                <a:solidFill>
-                  <a:srgbClr val="333333"/>
-                </a:solidFill>
-                <a:effectLst/>
-                <a:latin typeface="inherit"/>
-              </a:rPr>
-              <a:t>{</a:t>
-            </a:r>
-            <a:r>
-              <a:rPr lang="en-IN" b="0" i="0" dirty="0">
-                <a:solidFill>
-                  <a:srgbClr val="006FE0"/>
-                </a:solidFill>
-                <a:effectLst/>
-                <a:latin typeface="inherit"/>
-              </a:rPr>
-              <a:t> </a:t>
-            </a:r>
-            <a:r>
-              <a:rPr lang="en-IN" b="0" i="0" dirty="0">
-                <a:solidFill>
-                  <a:srgbClr val="000000"/>
-                </a:solidFill>
-                <a:effectLst/>
-                <a:latin typeface="inherit"/>
-              </a:rPr>
-              <a:t>path</a:t>
-            </a:r>
-            <a:r>
-              <a:rPr lang="en-IN" b="0" i="0" dirty="0">
-                <a:solidFill>
-                  <a:srgbClr val="333333"/>
-                </a:solidFill>
-                <a:effectLst/>
-                <a:latin typeface="inherit"/>
-              </a:rPr>
-              <a:t>:</a:t>
-            </a:r>
-            <a:r>
-              <a:rPr lang="en-IN" b="0" i="0" dirty="0">
-                <a:solidFill>
-                  <a:srgbClr val="006FE0"/>
-                </a:solidFill>
-                <a:effectLst/>
-                <a:latin typeface="inherit"/>
-              </a:rPr>
-              <a:t> </a:t>
-            </a:r>
-            <a:r>
-              <a:rPr lang="en-IN" b="0" i="0" dirty="0">
-                <a:solidFill>
-                  <a:srgbClr val="DD1144"/>
-                </a:solidFill>
-                <a:effectLst/>
-                <a:latin typeface="inherit"/>
-              </a:rPr>
-              <a:t>'contact'</a:t>
-            </a:r>
-            <a:r>
-              <a:rPr lang="en-IN" b="0" i="0" dirty="0">
-                <a:solidFill>
-                  <a:srgbClr val="333333"/>
-                </a:solidFill>
-                <a:effectLst/>
-                <a:latin typeface="inherit"/>
-              </a:rPr>
-              <a:t>,</a:t>
-            </a:r>
-            <a:r>
-              <a:rPr lang="en-IN" b="0" i="0" dirty="0">
-                <a:solidFill>
-                  <a:srgbClr val="006FE0"/>
-                </a:solidFill>
-                <a:effectLst/>
-                <a:latin typeface="inherit"/>
-              </a:rPr>
-              <a:t> </a:t>
-            </a:r>
-            <a:r>
-              <a:rPr lang="en-IN" b="0" i="0" dirty="0">
-                <a:solidFill>
-                  <a:srgbClr val="000000"/>
-                </a:solidFill>
-                <a:effectLst/>
-                <a:latin typeface="inherit"/>
-              </a:rPr>
-              <a:t>component</a:t>
-            </a:r>
-            <a:r>
-              <a:rPr lang="en-IN" b="0" i="0" dirty="0">
-                <a:solidFill>
-                  <a:srgbClr val="333333"/>
-                </a:solidFill>
-                <a:effectLst/>
-                <a:latin typeface="inherit"/>
-              </a:rPr>
-              <a:t>:</a:t>
-            </a:r>
-            <a:r>
-              <a:rPr lang="en-IN" b="0" i="0" dirty="0">
-                <a:solidFill>
-                  <a:srgbClr val="006FE0"/>
-                </a:solidFill>
-                <a:effectLst/>
-                <a:latin typeface="inherit"/>
-              </a:rPr>
-              <a:t> </a:t>
-            </a:r>
-            <a:r>
-              <a:rPr lang="en-IN" b="0" i="0" dirty="0" err="1">
-                <a:solidFill>
-                  <a:srgbClr val="000000"/>
-                </a:solidFill>
-                <a:effectLst/>
-                <a:latin typeface="inherit"/>
-              </a:rPr>
-              <a:t>ContactComponent</a:t>
-            </a:r>
-            <a:r>
-              <a:rPr lang="en-IN" b="0" i="0" dirty="0">
-                <a:solidFill>
-                  <a:srgbClr val="006FE0"/>
-                </a:solidFill>
-                <a:effectLst/>
-                <a:latin typeface="inherit"/>
-              </a:rPr>
-              <a:t> </a:t>
-            </a:r>
-            <a:r>
-              <a:rPr lang="en-IN" b="0" i="0" dirty="0">
-                <a:solidFill>
-                  <a:srgbClr val="333333"/>
-                </a:solidFill>
-                <a:effectLst/>
-                <a:latin typeface="inherit"/>
-              </a:rPr>
-              <a:t>},</a:t>
-            </a:r>
-            <a:endParaRPr lang="en-IN" b="0" i="0" dirty="0">
-              <a:solidFill>
-                <a:srgbClr val="000000"/>
-              </a:solidFill>
-              <a:effectLst/>
-              <a:latin typeface="Verdana" panose="020B0604030504040204" pitchFamily="34" charset="0"/>
-            </a:endParaRPr>
-          </a:p>
-          <a:p>
-            <a:pPr algn="l" fontAlgn="base"/>
-            <a:r>
-              <a:rPr lang="en-IN" b="0" i="0" dirty="0">
-                <a:solidFill>
-                  <a:srgbClr val="006FE0"/>
-                </a:solidFill>
-                <a:effectLst/>
-                <a:latin typeface="inherit"/>
-              </a:rPr>
-              <a:t>  </a:t>
-            </a:r>
-            <a:r>
-              <a:rPr lang="en-IN" b="0" i="0" dirty="0">
-                <a:solidFill>
-                  <a:srgbClr val="333333"/>
-                </a:solidFill>
-                <a:effectLst/>
-                <a:latin typeface="inherit"/>
-              </a:rPr>
-              <a:t>{</a:t>
-            </a:r>
-            <a:r>
-              <a:rPr lang="en-IN" b="0" i="0" dirty="0">
-                <a:solidFill>
-                  <a:srgbClr val="006FE0"/>
-                </a:solidFill>
-                <a:effectLst/>
-                <a:latin typeface="inherit"/>
-              </a:rPr>
-              <a:t> </a:t>
-            </a:r>
-            <a:r>
-              <a:rPr lang="en-IN" b="0" i="0" dirty="0">
-                <a:solidFill>
-                  <a:srgbClr val="000000"/>
-                </a:solidFill>
-                <a:effectLst/>
-                <a:latin typeface="inherit"/>
-              </a:rPr>
-              <a:t>path</a:t>
-            </a:r>
-            <a:r>
-              <a:rPr lang="en-IN" b="0" i="0" dirty="0">
-                <a:solidFill>
-                  <a:srgbClr val="333333"/>
-                </a:solidFill>
-                <a:effectLst/>
-                <a:latin typeface="inherit"/>
-              </a:rPr>
-              <a:t>:</a:t>
-            </a:r>
-            <a:r>
-              <a:rPr lang="en-IN" b="0" i="0" dirty="0">
-                <a:solidFill>
-                  <a:srgbClr val="006FE0"/>
-                </a:solidFill>
-                <a:effectLst/>
-                <a:latin typeface="inherit"/>
-              </a:rPr>
-              <a:t> </a:t>
-            </a:r>
-            <a:r>
-              <a:rPr lang="en-IN" b="0" i="0" dirty="0">
-                <a:solidFill>
-                  <a:srgbClr val="DD1144"/>
-                </a:solidFill>
-                <a:effectLst/>
-                <a:latin typeface="inherit"/>
-              </a:rPr>
-              <a:t>'product'</a:t>
-            </a:r>
-            <a:r>
-              <a:rPr lang="en-IN" b="0" i="0" dirty="0">
-                <a:solidFill>
-                  <a:srgbClr val="333333"/>
-                </a:solidFill>
-                <a:effectLst/>
-                <a:latin typeface="inherit"/>
-              </a:rPr>
-              <a:t>,</a:t>
-            </a:r>
-            <a:r>
-              <a:rPr lang="en-IN" b="0" i="0" dirty="0">
-                <a:solidFill>
-                  <a:srgbClr val="006FE0"/>
-                </a:solidFill>
-                <a:effectLst/>
-                <a:latin typeface="inherit"/>
-              </a:rPr>
-              <a:t> </a:t>
-            </a:r>
-            <a:r>
-              <a:rPr lang="en-IN" b="0" i="0" dirty="0">
-                <a:solidFill>
-                  <a:srgbClr val="000000"/>
-                </a:solidFill>
-                <a:effectLst/>
-                <a:latin typeface="inherit"/>
-              </a:rPr>
-              <a:t>component</a:t>
-            </a:r>
-            <a:r>
-              <a:rPr lang="en-IN" b="0" i="0" dirty="0">
-                <a:solidFill>
-                  <a:srgbClr val="333333"/>
-                </a:solidFill>
-                <a:effectLst/>
-                <a:latin typeface="inherit"/>
-              </a:rPr>
-              <a:t>:</a:t>
-            </a:r>
-            <a:r>
-              <a:rPr lang="en-IN" b="0" i="0" dirty="0">
-                <a:solidFill>
-                  <a:srgbClr val="006FE0"/>
-                </a:solidFill>
-                <a:effectLst/>
-                <a:latin typeface="inherit"/>
-              </a:rPr>
-              <a:t> </a:t>
-            </a:r>
-            <a:r>
-              <a:rPr lang="en-IN" b="0" i="0" dirty="0" err="1">
-                <a:solidFill>
-                  <a:srgbClr val="000000"/>
-                </a:solidFill>
-                <a:effectLst/>
-                <a:latin typeface="inherit"/>
-              </a:rPr>
-              <a:t>ProductComponent</a:t>
-            </a:r>
-            <a:r>
-              <a:rPr lang="en-IN" b="0" i="0" dirty="0">
-                <a:solidFill>
-                  <a:srgbClr val="006FE0"/>
-                </a:solidFill>
-                <a:effectLst/>
-                <a:latin typeface="inherit"/>
-              </a:rPr>
-              <a:t> </a:t>
-            </a:r>
-            <a:r>
-              <a:rPr lang="en-IN" b="0" i="0" dirty="0">
-                <a:solidFill>
-                  <a:srgbClr val="333333"/>
-                </a:solidFill>
-                <a:effectLst/>
-                <a:latin typeface="inherit"/>
-              </a:rPr>
-              <a:t>},</a:t>
-            </a:r>
-            <a:endParaRPr lang="en-IN" b="0" i="0" dirty="0">
-              <a:solidFill>
-                <a:srgbClr val="000000"/>
-              </a:solidFill>
-              <a:effectLst/>
-              <a:latin typeface="Verdana" panose="020B0604030504040204" pitchFamily="34" charset="0"/>
-            </a:endParaRPr>
-          </a:p>
-          <a:p>
-            <a:pPr algn="l" fontAlgn="base"/>
-            <a:r>
-              <a:rPr lang="en-IN" b="0" i="0" dirty="0">
-                <a:solidFill>
-                  <a:srgbClr val="006FE0"/>
-                </a:solidFill>
-                <a:effectLst/>
-                <a:latin typeface="inherit"/>
-              </a:rPr>
-              <a:t>   </a:t>
-            </a:r>
-            <a:r>
-              <a:rPr lang="en-IN" b="0" i="0" dirty="0">
-                <a:solidFill>
-                  <a:srgbClr val="333333"/>
-                </a:solidFill>
-                <a:effectLst/>
-                <a:latin typeface="inherit"/>
-              </a:rPr>
-              <a:t>{</a:t>
-            </a:r>
-            <a:r>
-              <a:rPr lang="en-IN" b="0" i="0" dirty="0">
-                <a:solidFill>
-                  <a:srgbClr val="006FE0"/>
-                </a:solidFill>
-                <a:effectLst/>
-                <a:latin typeface="inherit"/>
-              </a:rPr>
-              <a:t> </a:t>
-            </a:r>
-            <a:r>
-              <a:rPr lang="en-IN" b="0" i="0" dirty="0">
-                <a:solidFill>
-                  <a:srgbClr val="000000"/>
-                </a:solidFill>
-                <a:effectLst/>
-                <a:latin typeface="inherit"/>
-              </a:rPr>
-              <a:t>path</a:t>
-            </a:r>
-            <a:r>
-              <a:rPr lang="en-IN" b="0" i="0" dirty="0">
-                <a:solidFill>
-                  <a:srgbClr val="333333"/>
-                </a:solidFill>
-                <a:effectLst/>
-                <a:latin typeface="inherit"/>
-              </a:rPr>
-              <a:t>:</a:t>
-            </a:r>
-            <a:r>
-              <a:rPr lang="en-IN" b="0" i="0" dirty="0">
-                <a:solidFill>
-                  <a:srgbClr val="006FE0"/>
-                </a:solidFill>
-                <a:effectLst/>
-                <a:latin typeface="inherit"/>
-              </a:rPr>
-              <a:t> </a:t>
-            </a:r>
-            <a:r>
-              <a:rPr lang="en-IN" b="0" i="0" dirty="0">
-                <a:solidFill>
-                  <a:srgbClr val="DD1144"/>
-                </a:solidFill>
-                <a:effectLst/>
-                <a:latin typeface="inherit"/>
-              </a:rPr>
-              <a:t>'**'</a:t>
-            </a:r>
-            <a:r>
-              <a:rPr lang="en-IN" b="0" i="0" dirty="0">
-                <a:solidFill>
-                  <a:srgbClr val="333333"/>
-                </a:solidFill>
-                <a:effectLst/>
-                <a:latin typeface="inherit"/>
-              </a:rPr>
-              <a:t>,</a:t>
-            </a:r>
-            <a:r>
-              <a:rPr lang="en-IN" b="0" i="0" dirty="0">
-                <a:solidFill>
-                  <a:srgbClr val="006FE0"/>
-                </a:solidFill>
-                <a:effectLst/>
-                <a:latin typeface="inherit"/>
-              </a:rPr>
-              <a:t> </a:t>
-            </a:r>
-            <a:r>
-              <a:rPr lang="en-IN" b="0" i="0" dirty="0">
-                <a:solidFill>
-                  <a:srgbClr val="000000"/>
-                </a:solidFill>
-                <a:effectLst/>
-                <a:latin typeface="inherit"/>
-              </a:rPr>
-              <a:t>component</a:t>
-            </a:r>
-            <a:r>
-              <a:rPr lang="en-IN" b="0" i="0" dirty="0">
-                <a:solidFill>
-                  <a:srgbClr val="333333"/>
-                </a:solidFill>
-                <a:effectLst/>
-                <a:latin typeface="inherit"/>
-              </a:rPr>
-              <a:t>:</a:t>
-            </a:r>
-            <a:r>
-              <a:rPr lang="en-IN" b="0" i="0" dirty="0">
-                <a:solidFill>
-                  <a:srgbClr val="006FE0"/>
-                </a:solidFill>
-                <a:effectLst/>
-                <a:latin typeface="inherit"/>
-              </a:rPr>
-              <a:t> </a:t>
-            </a:r>
-            <a:r>
-              <a:rPr lang="en-IN" b="0" i="0" dirty="0" err="1">
-                <a:solidFill>
-                  <a:srgbClr val="000000"/>
-                </a:solidFill>
-                <a:effectLst/>
-                <a:latin typeface="inherit"/>
-              </a:rPr>
-              <a:t>PageNotFoundComponent</a:t>
-            </a:r>
-            <a:r>
-              <a:rPr lang="en-IN" b="0" i="0" dirty="0">
-                <a:solidFill>
-                  <a:srgbClr val="006FE0"/>
-                </a:solidFill>
-                <a:effectLst/>
-                <a:latin typeface="inherit"/>
-              </a:rPr>
-              <a:t> </a:t>
-            </a:r>
-            <a:r>
-              <a:rPr lang="en-IN" b="0" i="0" dirty="0">
-                <a:solidFill>
-                  <a:srgbClr val="333333"/>
-                </a:solidFill>
-                <a:effectLst/>
-                <a:latin typeface="inherit"/>
-              </a:rPr>
-              <a:t>}</a:t>
-            </a:r>
-            <a:endParaRPr lang="en-IN" b="0" i="0" dirty="0">
-              <a:solidFill>
-                <a:srgbClr val="000000"/>
-              </a:solidFill>
-              <a:effectLst/>
-              <a:latin typeface="Verdana" panose="020B0604030504040204" pitchFamily="34" charset="0"/>
-            </a:endParaRPr>
-          </a:p>
-          <a:p>
-            <a:pPr algn="l" fontAlgn="base"/>
-            <a:r>
-              <a:rPr lang="en-IN" b="0" i="0" dirty="0">
-                <a:solidFill>
-                  <a:srgbClr val="333333"/>
-                </a:solidFill>
-                <a:effectLst/>
-                <a:latin typeface="inherit"/>
-              </a:rPr>
-              <a:t>];</a:t>
-            </a:r>
-            <a:endParaRPr lang="en-IN" b="0" i="0" dirty="0">
-              <a:solidFill>
-                <a:srgbClr val="000000"/>
-              </a:solidFill>
-              <a:effectLst/>
-              <a:latin typeface="Verdana" panose="020B0604030504040204" pitchFamily="34" charset="0"/>
-            </a:endParaRPr>
-          </a:p>
-          <a:p>
-            <a:r>
-              <a:rPr lang="en-IN" b="1" i="0" dirty="0">
-                <a:effectLst/>
                 <a:latin typeface="-apple-system"/>
               </a:rPr>
-              <a:t>Default Route</a:t>
-            </a:r>
-          </a:p>
-          <a:p>
-            <a:r>
-              <a:rPr lang="en-US" b="0" i="0" dirty="0">
-                <a:solidFill>
-                  <a:srgbClr val="333333"/>
-                </a:solidFill>
-                <a:effectLst/>
-                <a:latin typeface="Verdana" panose="020B0604030504040204" pitchFamily="34" charset="0"/>
-              </a:rPr>
-              <a:t>{</a:t>
-            </a:r>
-            <a:r>
-              <a:rPr lang="en-US" b="0" i="0" dirty="0">
-                <a:solidFill>
-                  <a:srgbClr val="006FE0"/>
-                </a:solidFill>
-                <a:effectLst/>
-                <a:latin typeface="Verdana" panose="020B0604030504040204" pitchFamily="34" charset="0"/>
-              </a:rPr>
-              <a:t> </a:t>
-            </a:r>
-            <a:r>
-              <a:rPr lang="en-US" b="0" i="0" dirty="0">
-                <a:solidFill>
-                  <a:srgbClr val="000000"/>
-                </a:solidFill>
-                <a:effectLst/>
-                <a:latin typeface="Verdana" panose="020B0604030504040204" pitchFamily="34" charset="0"/>
-              </a:rPr>
-              <a:t>path</a:t>
-            </a:r>
-            <a:r>
-              <a:rPr lang="en-US" b="0" i="0" dirty="0">
-                <a:solidFill>
-                  <a:srgbClr val="333333"/>
-                </a:solidFill>
-                <a:effectLst/>
-                <a:latin typeface="Verdana" panose="020B0604030504040204" pitchFamily="34" charset="0"/>
-              </a:rPr>
-              <a:t>:</a:t>
-            </a:r>
-            <a:r>
-              <a:rPr lang="en-US" b="0" i="0" dirty="0">
-                <a:solidFill>
-                  <a:srgbClr val="006FE0"/>
-                </a:solidFill>
-                <a:effectLst/>
-                <a:latin typeface="Verdana" panose="020B0604030504040204" pitchFamily="34" charset="0"/>
-              </a:rPr>
-              <a:t> </a:t>
-            </a:r>
-            <a:r>
-              <a:rPr lang="en-US" b="0" i="0" dirty="0">
-                <a:solidFill>
-                  <a:srgbClr val="DD1144"/>
-                </a:solidFill>
-                <a:effectLst/>
-                <a:latin typeface="Verdana" panose="020B0604030504040204" pitchFamily="34" charset="0"/>
-              </a:rPr>
-              <a:t>''</a:t>
-            </a:r>
-            <a:r>
-              <a:rPr lang="en-US" b="0" i="0" dirty="0">
-                <a:solidFill>
-                  <a:srgbClr val="333333"/>
-                </a:solidFill>
-                <a:effectLst/>
-                <a:latin typeface="Verdana" panose="020B0604030504040204" pitchFamily="34" charset="0"/>
-              </a:rPr>
-              <a:t>,</a:t>
-            </a:r>
-            <a:r>
-              <a:rPr lang="en-US" b="0" i="0" dirty="0">
-                <a:solidFill>
-                  <a:srgbClr val="006FE0"/>
-                </a:solidFill>
-                <a:effectLst/>
-                <a:latin typeface="Verdana" panose="020B0604030504040204" pitchFamily="34" charset="0"/>
-              </a:rPr>
-              <a:t> </a:t>
-            </a:r>
-            <a:r>
-              <a:rPr lang="en-US" b="0" i="0" dirty="0" err="1">
-                <a:solidFill>
-                  <a:srgbClr val="000000"/>
-                </a:solidFill>
-                <a:effectLst/>
-                <a:latin typeface="Verdana" panose="020B0604030504040204" pitchFamily="34" charset="0"/>
-              </a:rPr>
-              <a:t>redirectTo</a:t>
-            </a:r>
-            <a:r>
-              <a:rPr lang="en-US" b="0" i="0" dirty="0">
-                <a:solidFill>
-                  <a:srgbClr val="333333"/>
-                </a:solidFill>
-                <a:effectLst/>
-                <a:latin typeface="Verdana" panose="020B0604030504040204" pitchFamily="34" charset="0"/>
-              </a:rPr>
-              <a:t>:</a:t>
-            </a:r>
-            <a:r>
-              <a:rPr lang="en-US" b="0" i="0" dirty="0">
-                <a:solidFill>
-                  <a:srgbClr val="006FE0"/>
-                </a:solidFill>
-                <a:effectLst/>
-                <a:latin typeface="Verdana" panose="020B0604030504040204" pitchFamily="34" charset="0"/>
-              </a:rPr>
-              <a:t> </a:t>
-            </a:r>
-            <a:r>
-              <a:rPr lang="en-US" b="0" i="0" dirty="0">
-                <a:solidFill>
-                  <a:srgbClr val="DD1144"/>
-                </a:solidFill>
-                <a:effectLst/>
-                <a:latin typeface="Verdana" panose="020B0604030504040204" pitchFamily="34" charset="0"/>
-              </a:rPr>
-              <a:t>'home'</a:t>
-            </a:r>
-            <a:r>
-              <a:rPr lang="en-US" b="0" i="0" dirty="0">
-                <a:solidFill>
-                  <a:srgbClr val="333333"/>
-                </a:solidFill>
-                <a:effectLst/>
-                <a:latin typeface="Verdana" panose="020B0604030504040204" pitchFamily="34" charset="0"/>
-              </a:rPr>
-              <a:t>,</a:t>
-            </a:r>
-            <a:r>
-              <a:rPr lang="en-US" b="0" i="0" dirty="0">
-                <a:solidFill>
-                  <a:srgbClr val="006FE0"/>
-                </a:solidFill>
-                <a:effectLst/>
-                <a:latin typeface="Verdana" panose="020B0604030504040204" pitchFamily="34" charset="0"/>
-              </a:rPr>
-              <a:t> </a:t>
-            </a:r>
-            <a:r>
-              <a:rPr lang="en-US" b="0" i="0" dirty="0" err="1">
-                <a:solidFill>
-                  <a:srgbClr val="000000"/>
-                </a:solidFill>
-                <a:effectLst/>
-                <a:latin typeface="Verdana" panose="020B0604030504040204" pitchFamily="34" charset="0"/>
-              </a:rPr>
-              <a:t>pathMatch</a:t>
-            </a:r>
-            <a:r>
-              <a:rPr lang="en-US" b="0" i="0" dirty="0">
-                <a:solidFill>
-                  <a:srgbClr val="333333"/>
-                </a:solidFill>
-                <a:effectLst/>
-                <a:latin typeface="Verdana" panose="020B0604030504040204" pitchFamily="34" charset="0"/>
-              </a:rPr>
-              <a:t>:</a:t>
-            </a:r>
-            <a:r>
-              <a:rPr lang="en-US" b="0" i="0" dirty="0">
-                <a:solidFill>
-                  <a:srgbClr val="006FE0"/>
-                </a:solidFill>
-                <a:effectLst/>
-                <a:latin typeface="Verdana" panose="020B0604030504040204" pitchFamily="34" charset="0"/>
-              </a:rPr>
-              <a:t> </a:t>
-            </a:r>
-            <a:r>
-              <a:rPr lang="en-US" b="0" i="0" dirty="0">
-                <a:solidFill>
-                  <a:srgbClr val="DD1144"/>
-                </a:solidFill>
-                <a:effectLst/>
-                <a:latin typeface="Verdana" panose="020B0604030504040204" pitchFamily="34" charset="0"/>
-              </a:rPr>
-              <a:t>'full'</a:t>
-            </a:r>
-            <a:r>
-              <a:rPr lang="en-US" b="0" i="0" dirty="0">
-                <a:solidFill>
-                  <a:srgbClr val="006FE0"/>
-                </a:solidFill>
-                <a:effectLst/>
-                <a:latin typeface="Verdana" panose="020B0604030504040204" pitchFamily="34" charset="0"/>
-              </a:rPr>
-              <a:t> </a:t>
-            </a:r>
-            <a:r>
-              <a:rPr lang="en-US" b="0" i="0" dirty="0">
-                <a:solidFill>
-                  <a:srgbClr val="333333"/>
-                </a:solidFill>
-                <a:effectLst/>
-                <a:latin typeface="Verdana" panose="020B0604030504040204" pitchFamily="34" charset="0"/>
-              </a:rPr>
-              <a:t>},</a:t>
-            </a:r>
-            <a:endParaRPr lang="en-IN" dirty="0"/>
-          </a:p>
-        </p:txBody>
-      </p:sp>
-      <p:sp>
-        <p:nvSpPr>
-          <p:cNvPr id="11" name="TextBox 10">
-            <a:extLst>
-              <a:ext uri="{FF2B5EF4-FFF2-40B4-BE49-F238E27FC236}">
-                <a16:creationId xmlns:a16="http://schemas.microsoft.com/office/drawing/2014/main" id="{9C2DA6BB-B435-426C-98A0-A92492E5861C}"/>
-              </a:ext>
-            </a:extLst>
-          </p:cNvPr>
-          <p:cNvSpPr txBox="1"/>
-          <p:nvPr/>
-        </p:nvSpPr>
-        <p:spPr>
-          <a:xfrm>
-            <a:off x="747942" y="4700950"/>
-            <a:ext cx="10606597" cy="1569660"/>
-          </a:xfrm>
-          <a:prstGeom prst="rect">
-            <a:avLst/>
-          </a:prstGeom>
-          <a:noFill/>
-        </p:spPr>
-        <p:txBody>
-          <a:bodyPr wrap="square">
-            <a:spAutoFit/>
-          </a:bodyPr>
-          <a:lstStyle/>
-          <a:p>
-            <a:r>
-              <a:rPr lang="en-US" sz="2400" b="0" i="0" dirty="0">
-                <a:solidFill>
-                  <a:srgbClr val="000000"/>
-                </a:solidFill>
-                <a:effectLst/>
-                <a:latin typeface="-apple-system"/>
-              </a:rPr>
-              <a:t>The path is empty, indicates the default route. The default route is redirected to the home path using the </a:t>
-            </a:r>
-            <a:r>
-              <a:rPr lang="en-US" sz="2400" b="0" i="0" dirty="0" err="1">
-                <a:solidFill>
-                  <a:srgbClr val="000000"/>
-                </a:solidFill>
-                <a:effectLst/>
-                <a:latin typeface="-apple-system"/>
-              </a:rPr>
-              <a:t>RedirectTo</a:t>
-            </a:r>
-            <a:r>
-              <a:rPr lang="en-US" sz="2400" b="0" i="0" dirty="0">
-                <a:solidFill>
-                  <a:srgbClr val="000000"/>
-                </a:solidFill>
-                <a:effectLst/>
-                <a:latin typeface="-apple-system"/>
-              </a:rPr>
-              <a:t> argument. This route means that, when you navigate to the root of your application /, you are redirected to the home path (/home), which in turn displays the </a:t>
-            </a:r>
-            <a:r>
-              <a:rPr lang="en-US" sz="2400" b="0" i="0" dirty="0" err="1">
-                <a:solidFill>
-                  <a:srgbClr val="000000"/>
-                </a:solidFill>
-                <a:effectLst/>
-                <a:latin typeface="-apple-system"/>
-              </a:rPr>
-              <a:t>HomeComponent</a:t>
-            </a:r>
-            <a:r>
-              <a:rPr lang="en-US" sz="2400" b="0" i="0" dirty="0">
-                <a:solidFill>
-                  <a:srgbClr val="000000"/>
-                </a:solidFill>
-                <a:effectLst/>
-                <a:latin typeface="-apple-system"/>
-              </a:rPr>
-              <a:t>.</a:t>
-            </a:r>
-            <a:endParaRPr lang="en-IN" sz="2400" dirty="0"/>
+              <a:t>Choose where you want to display the view</a:t>
+            </a:r>
+          </a:p>
+          <a:p>
+            <a:endParaRPr lang="en-US" dirty="0"/>
           </a:p>
         </p:txBody>
       </p:sp>
     </p:spTree>
     <p:extLst>
       <p:ext uri="{BB962C8B-B14F-4D97-AF65-F5344CB8AC3E}">
-        <p14:creationId xmlns:p14="http://schemas.microsoft.com/office/powerpoint/2010/main" val="3345784507"/>
+        <p14:creationId xmlns="" xmlns:p14="http://schemas.microsoft.com/office/powerpoint/2010/main" val="291101666"/>
       </p:ext>
     </p:extLst>
   </p:cSld>
@@ -10119,7 +9036,7 @@
           <p:cNvPr id="4" name="Title 3">
             <a:extLst>
               <a:ext uri="{FF2B5EF4-FFF2-40B4-BE49-F238E27FC236}">
-                <a16:creationId xmlns:a16="http://schemas.microsoft.com/office/drawing/2014/main" id="{2D78FD26-B56B-4BFF-9136-D99C5D60B7DA}"/>
+                <a16:creationId xmlns="" xmlns:a16="http://schemas.microsoft.com/office/drawing/2014/main" id="{2D78FD26-B56B-4BFF-9136-D99C5D60B7DA}"/>
               </a:ext>
             </a:extLst>
           </p:cNvPr>
@@ -10130,12 +9047,21 @@
             <p:ph type="title"/>
           </p:nvPr>
         </p:nvSpPr>
-        <p:spPr/>
+        <p:spPr>
+          <a:xfrm>
+            <a:off x="477852" y="0"/>
+            <a:ext cx="9438716" cy="797605"/>
+          </a:xfrm>
+        </p:spPr>
         <p:txBody>
           <a:bodyPr/>
           <a:lstStyle/>
           <a:p>
-            <a:endParaRPr lang="en-IN"/>
+            <a:r>
+              <a:rPr lang="en-US" dirty="0"/>
+              <a:t>Route configuration:</a:t>
+            </a:r>
+            <a:endParaRPr lang="en-IN" dirty="0"/>
           </a:p>
         </p:txBody>
       </p:sp>
@@ -10144,7 +9070,7 @@
           <p:cNvPr id="6" name="Content Placeholder 5">
             <a:extLst>
               <a:ext uri="{FF2B5EF4-FFF2-40B4-BE49-F238E27FC236}">
-                <a16:creationId xmlns:a16="http://schemas.microsoft.com/office/drawing/2014/main" id="{8C19A422-3BA6-44F5-94A2-055C67DF77E0}"/>
+                <a16:creationId xmlns="" xmlns:a16="http://schemas.microsoft.com/office/drawing/2014/main" id="{8C19A422-3BA6-44F5-94A2-055C67DF77E0}"/>
               </a:ext>
             </a:extLst>
           </p:cNvPr>
@@ -10155,19 +9081,1305 @@
             <p:ph idx="1"/>
           </p:nvPr>
         </p:nvSpPr>
-        <p:spPr/>
+        <p:spPr>
+          <a:xfrm>
+            <a:off x="477852" y="562449"/>
+            <a:ext cx="11039452" cy="5053380"/>
+          </a:xfrm>
+        </p:spPr>
         <p:txBody>
           <a:bodyPr/>
           <a:lstStyle/>
           <a:p>
+            <a:pPr algn="l" fontAlgn="base"/>
+            <a:r>
+              <a:rPr lang="en-IN" b="0" i="0" dirty="0">
+                <a:solidFill>
+                  <a:srgbClr val="008080"/>
+                </a:solidFill>
+                <a:effectLst/>
+                <a:latin typeface="inherit"/>
+              </a:rPr>
+              <a:t>export </a:t>
+            </a:r>
+            <a:r>
+              <a:rPr lang="en-IN" b="0" i="0" dirty="0" err="1">
+                <a:solidFill>
+                  <a:srgbClr val="800080"/>
+                </a:solidFill>
+                <a:effectLst/>
+                <a:latin typeface="inherit"/>
+              </a:rPr>
+              <a:t>const</a:t>
+            </a:r>
+            <a:r>
+              <a:rPr lang="en-IN" b="0" i="0" dirty="0">
+                <a:solidFill>
+                  <a:srgbClr val="006FE0"/>
+                </a:solidFill>
+                <a:effectLst/>
+                <a:latin typeface="inherit"/>
+              </a:rPr>
+              <a:t> </a:t>
+            </a:r>
+            <a:r>
+              <a:rPr lang="en-IN" b="0" i="0" dirty="0" err="1">
+                <a:solidFill>
+                  <a:srgbClr val="000000"/>
+                </a:solidFill>
+                <a:effectLst/>
+                <a:latin typeface="inherit"/>
+              </a:rPr>
+              <a:t>appRoutes</a:t>
+            </a:r>
+            <a:r>
+              <a:rPr lang="en-IN" b="0" i="0" dirty="0">
+                <a:solidFill>
+                  <a:srgbClr val="333333"/>
+                </a:solidFill>
+                <a:effectLst/>
+                <a:latin typeface="inherit"/>
+              </a:rPr>
+              <a:t>:</a:t>
+            </a:r>
+            <a:r>
+              <a:rPr lang="en-IN" b="0" i="0" dirty="0">
+                <a:solidFill>
+                  <a:srgbClr val="006FE0"/>
+                </a:solidFill>
+                <a:effectLst/>
+                <a:latin typeface="inherit"/>
+              </a:rPr>
+              <a:t> </a:t>
+            </a:r>
+            <a:r>
+              <a:rPr lang="en-IN" b="0" i="0" dirty="0">
+                <a:solidFill>
+                  <a:srgbClr val="000000"/>
+                </a:solidFill>
+                <a:effectLst/>
+                <a:latin typeface="inherit"/>
+              </a:rPr>
+              <a:t>Routes</a:t>
+            </a:r>
+            <a:r>
+              <a:rPr lang="en-IN" b="0" i="0" dirty="0">
+                <a:solidFill>
+                  <a:srgbClr val="006FE0"/>
+                </a:solidFill>
+                <a:effectLst/>
+                <a:latin typeface="inherit"/>
+              </a:rPr>
+              <a:t> </a:t>
+            </a:r>
+            <a:r>
+              <a:rPr lang="en-IN" b="0" i="0" dirty="0">
+                <a:solidFill>
+                  <a:srgbClr val="000000"/>
+                </a:solidFill>
+                <a:effectLst/>
+                <a:latin typeface="Verdana" panose="020B0604030504040204" pitchFamily="34" charset="0"/>
+              </a:rPr>
+              <a:t>=</a:t>
+            </a:r>
+            <a:r>
+              <a:rPr lang="en-IN" b="0" i="0" dirty="0">
+                <a:solidFill>
+                  <a:srgbClr val="006FE0"/>
+                </a:solidFill>
+                <a:effectLst/>
+                <a:latin typeface="inherit"/>
+              </a:rPr>
+              <a:t> </a:t>
+            </a:r>
+            <a:r>
+              <a:rPr lang="en-IN" b="0" i="0" dirty="0">
+                <a:solidFill>
+                  <a:srgbClr val="333333"/>
+                </a:solidFill>
+                <a:effectLst/>
+                <a:latin typeface="inherit"/>
+              </a:rPr>
+              <a:t>[</a:t>
+            </a:r>
+            <a:endParaRPr lang="en-IN" b="0" i="0" dirty="0">
+              <a:solidFill>
+                <a:srgbClr val="000000"/>
+              </a:solidFill>
+              <a:effectLst/>
+              <a:latin typeface="Verdana" panose="020B0604030504040204" pitchFamily="34" charset="0"/>
+            </a:endParaRPr>
+          </a:p>
+          <a:p>
+            <a:pPr algn="l" fontAlgn="base"/>
+            <a:r>
+              <a:rPr lang="en-IN" b="0" i="0" dirty="0">
+                <a:solidFill>
+                  <a:srgbClr val="006FE0"/>
+                </a:solidFill>
+                <a:effectLst/>
+                <a:latin typeface="inherit"/>
+              </a:rPr>
+              <a:t>  </a:t>
+            </a:r>
+            <a:r>
+              <a:rPr lang="en-IN" b="0" i="0" dirty="0">
+                <a:solidFill>
+                  <a:srgbClr val="333333"/>
+                </a:solidFill>
+                <a:effectLst/>
+                <a:latin typeface="inherit"/>
+              </a:rPr>
+              <a:t>{</a:t>
+            </a:r>
+            <a:r>
+              <a:rPr lang="en-IN" b="0" i="0" dirty="0">
+                <a:solidFill>
+                  <a:srgbClr val="006FE0"/>
+                </a:solidFill>
+                <a:effectLst/>
+                <a:latin typeface="inherit"/>
+              </a:rPr>
+              <a:t> </a:t>
+            </a:r>
+            <a:r>
+              <a:rPr lang="en-IN" b="0" i="0" dirty="0">
+                <a:solidFill>
+                  <a:srgbClr val="000000"/>
+                </a:solidFill>
+                <a:effectLst/>
+                <a:latin typeface="inherit"/>
+              </a:rPr>
+              <a:t>path</a:t>
+            </a:r>
+            <a:r>
+              <a:rPr lang="en-IN" b="0" i="0" dirty="0">
+                <a:solidFill>
+                  <a:srgbClr val="333333"/>
+                </a:solidFill>
+                <a:effectLst/>
+                <a:latin typeface="inherit"/>
+              </a:rPr>
+              <a:t>:</a:t>
+            </a:r>
+            <a:r>
+              <a:rPr lang="en-IN" b="0" i="0" dirty="0">
+                <a:solidFill>
+                  <a:srgbClr val="006FE0"/>
+                </a:solidFill>
+                <a:effectLst/>
+                <a:latin typeface="inherit"/>
+              </a:rPr>
+              <a:t> </a:t>
+            </a:r>
+            <a:r>
+              <a:rPr lang="en-IN" b="0" i="0" dirty="0">
+                <a:solidFill>
+                  <a:srgbClr val="DD1144"/>
+                </a:solidFill>
+                <a:effectLst/>
+                <a:latin typeface="inherit"/>
+              </a:rPr>
+              <a:t>‘'</a:t>
+            </a:r>
+            <a:r>
+              <a:rPr lang="en-IN" b="0" i="0" dirty="0">
+                <a:solidFill>
+                  <a:srgbClr val="333333"/>
+                </a:solidFill>
+                <a:effectLst/>
+                <a:latin typeface="inherit"/>
+              </a:rPr>
+              <a:t>,</a:t>
+            </a:r>
+            <a:r>
+              <a:rPr lang="en-IN" b="0" i="0" dirty="0">
+                <a:solidFill>
+                  <a:srgbClr val="006FE0"/>
+                </a:solidFill>
+                <a:effectLst/>
+                <a:latin typeface="inherit"/>
+              </a:rPr>
+              <a:t> </a:t>
+            </a:r>
+            <a:r>
+              <a:rPr lang="en-IN" b="0" i="0" dirty="0" err="1">
+                <a:solidFill>
+                  <a:srgbClr val="000000"/>
+                </a:solidFill>
+                <a:effectLst/>
+                <a:latin typeface="inherit"/>
+              </a:rPr>
+              <a:t>redirectTo</a:t>
+            </a:r>
+            <a:r>
+              <a:rPr lang="en-IN" b="0" i="0" dirty="0">
+                <a:solidFill>
+                  <a:srgbClr val="333333"/>
+                </a:solidFill>
+                <a:effectLst/>
+                <a:latin typeface="inherit"/>
+              </a:rPr>
+              <a:t>:</a:t>
+            </a:r>
+            <a:r>
+              <a:rPr lang="en-IN" b="0" i="0" dirty="0">
+                <a:solidFill>
+                  <a:srgbClr val="006FE0"/>
+                </a:solidFill>
+                <a:effectLst/>
+                <a:latin typeface="inherit"/>
+              </a:rPr>
+              <a:t> </a:t>
+            </a:r>
+            <a:r>
+              <a:rPr lang="en-IN" b="0" i="0" dirty="0">
+                <a:solidFill>
+                  <a:srgbClr val="DD1144"/>
+                </a:solidFill>
+                <a:effectLst/>
+                <a:latin typeface="inherit"/>
+              </a:rPr>
+              <a:t>'home'</a:t>
+            </a:r>
+            <a:r>
+              <a:rPr lang="en-IN" b="0" i="0" dirty="0">
+                <a:solidFill>
+                  <a:srgbClr val="333333"/>
+                </a:solidFill>
+                <a:effectLst/>
+                <a:latin typeface="inherit"/>
+              </a:rPr>
+              <a:t>,</a:t>
+            </a:r>
+            <a:r>
+              <a:rPr lang="en-IN" b="0" i="0" dirty="0">
+                <a:solidFill>
+                  <a:srgbClr val="006FE0"/>
+                </a:solidFill>
+                <a:effectLst/>
+                <a:latin typeface="inherit"/>
+              </a:rPr>
+              <a:t> </a:t>
+            </a:r>
+            <a:r>
+              <a:rPr lang="en-IN" b="0" i="0" dirty="0" err="1">
+                <a:solidFill>
+                  <a:srgbClr val="000000"/>
+                </a:solidFill>
+                <a:effectLst/>
+                <a:latin typeface="inherit"/>
+              </a:rPr>
+              <a:t>pathMatch</a:t>
+            </a:r>
+            <a:r>
+              <a:rPr lang="en-IN" b="0" i="0" dirty="0">
+                <a:solidFill>
+                  <a:srgbClr val="333333"/>
+                </a:solidFill>
+                <a:effectLst/>
+                <a:latin typeface="inherit"/>
+              </a:rPr>
+              <a:t>:</a:t>
+            </a:r>
+            <a:r>
+              <a:rPr lang="en-IN" b="0" i="0" dirty="0">
+                <a:solidFill>
+                  <a:srgbClr val="006FE0"/>
+                </a:solidFill>
+                <a:effectLst/>
+                <a:latin typeface="inherit"/>
+              </a:rPr>
+              <a:t> </a:t>
+            </a:r>
+            <a:r>
+              <a:rPr lang="en-IN" b="0" i="0" dirty="0">
+                <a:solidFill>
+                  <a:srgbClr val="DD1144"/>
+                </a:solidFill>
+                <a:effectLst/>
+                <a:latin typeface="inherit"/>
+              </a:rPr>
+              <a:t>'full'</a:t>
+            </a:r>
+            <a:r>
+              <a:rPr lang="en-IN" b="0" i="0" dirty="0">
+                <a:solidFill>
+                  <a:srgbClr val="006FE0"/>
+                </a:solidFill>
+                <a:effectLst/>
+                <a:latin typeface="inherit"/>
+              </a:rPr>
+              <a:t> </a:t>
+            </a:r>
+            <a:r>
+              <a:rPr lang="en-IN" b="0" i="0" dirty="0">
+                <a:solidFill>
+                  <a:srgbClr val="333333"/>
+                </a:solidFill>
+                <a:effectLst/>
+                <a:latin typeface="inherit"/>
+              </a:rPr>
+              <a:t>},</a:t>
+            </a:r>
+            <a:endParaRPr lang="en-IN" b="0" i="0" dirty="0">
+              <a:solidFill>
+                <a:srgbClr val="006FE0"/>
+              </a:solidFill>
+              <a:effectLst/>
+              <a:latin typeface="inherit"/>
+            </a:endParaRPr>
+          </a:p>
+          <a:p>
+            <a:pPr algn="l" fontAlgn="base"/>
+            <a:r>
+              <a:rPr lang="en-IN" b="0" i="0" dirty="0">
+                <a:solidFill>
+                  <a:srgbClr val="333333"/>
+                </a:solidFill>
+                <a:effectLst/>
+                <a:latin typeface="inherit"/>
+              </a:rPr>
+              <a:t>{</a:t>
+            </a:r>
+            <a:r>
+              <a:rPr lang="en-IN" b="0" i="0" dirty="0">
+                <a:solidFill>
+                  <a:srgbClr val="006FE0"/>
+                </a:solidFill>
+                <a:effectLst/>
+                <a:latin typeface="inherit"/>
+              </a:rPr>
+              <a:t> </a:t>
+            </a:r>
+            <a:r>
+              <a:rPr lang="en-IN" b="0" i="0" dirty="0">
+                <a:solidFill>
+                  <a:srgbClr val="000000"/>
+                </a:solidFill>
+                <a:effectLst/>
+                <a:latin typeface="inherit"/>
+              </a:rPr>
+              <a:t>path</a:t>
+            </a:r>
+            <a:r>
+              <a:rPr lang="en-IN" b="0" i="0" dirty="0">
+                <a:solidFill>
+                  <a:srgbClr val="333333"/>
+                </a:solidFill>
+                <a:effectLst/>
+                <a:latin typeface="inherit"/>
+              </a:rPr>
+              <a:t>:</a:t>
+            </a:r>
+            <a:r>
+              <a:rPr lang="en-IN" b="0" i="0" dirty="0">
+                <a:solidFill>
+                  <a:srgbClr val="006FE0"/>
+                </a:solidFill>
+                <a:effectLst/>
+                <a:latin typeface="inherit"/>
+              </a:rPr>
+              <a:t> </a:t>
+            </a:r>
+            <a:r>
+              <a:rPr lang="en-IN" b="0" i="0" dirty="0">
+                <a:solidFill>
+                  <a:srgbClr val="DD1144"/>
+                </a:solidFill>
+                <a:effectLst/>
+                <a:latin typeface="inherit"/>
+              </a:rPr>
+              <a:t>'home'</a:t>
+            </a:r>
+            <a:r>
+              <a:rPr lang="en-IN" b="0" i="0" dirty="0">
+                <a:solidFill>
+                  <a:srgbClr val="333333"/>
+                </a:solidFill>
+                <a:effectLst/>
+                <a:latin typeface="inherit"/>
+              </a:rPr>
+              <a:t>,</a:t>
+            </a:r>
+            <a:r>
+              <a:rPr lang="en-IN" b="0" i="0" dirty="0">
+                <a:solidFill>
+                  <a:srgbClr val="006FE0"/>
+                </a:solidFill>
+                <a:effectLst/>
+                <a:latin typeface="inherit"/>
+              </a:rPr>
+              <a:t> </a:t>
+            </a:r>
+            <a:r>
+              <a:rPr lang="en-IN" b="0" i="0" dirty="0">
+                <a:solidFill>
+                  <a:srgbClr val="000000"/>
+                </a:solidFill>
+                <a:effectLst/>
+                <a:latin typeface="inherit"/>
+              </a:rPr>
+              <a:t>component</a:t>
+            </a:r>
+            <a:r>
+              <a:rPr lang="en-IN" b="0" i="0" dirty="0">
+                <a:solidFill>
+                  <a:srgbClr val="333333"/>
+                </a:solidFill>
+                <a:effectLst/>
+                <a:latin typeface="inherit"/>
+              </a:rPr>
+              <a:t>:</a:t>
+            </a:r>
+            <a:r>
+              <a:rPr lang="en-IN" b="0" i="0" dirty="0">
+                <a:solidFill>
+                  <a:srgbClr val="006FE0"/>
+                </a:solidFill>
+                <a:effectLst/>
+                <a:latin typeface="inherit"/>
+              </a:rPr>
+              <a:t> </a:t>
+            </a:r>
+            <a:r>
+              <a:rPr lang="en-IN" b="0" i="0" dirty="0" err="1">
+                <a:solidFill>
+                  <a:srgbClr val="000000"/>
+                </a:solidFill>
+                <a:effectLst/>
+                <a:latin typeface="inherit"/>
+              </a:rPr>
+              <a:t>HomeComponent</a:t>
+            </a:r>
+            <a:r>
+              <a:rPr lang="en-IN" b="0" i="0" dirty="0">
+                <a:solidFill>
+                  <a:srgbClr val="006FE0"/>
+                </a:solidFill>
+                <a:effectLst/>
+                <a:latin typeface="inherit"/>
+              </a:rPr>
+              <a:t> </a:t>
+            </a:r>
+            <a:r>
+              <a:rPr lang="en-IN" b="0" i="0" dirty="0">
+                <a:solidFill>
+                  <a:srgbClr val="333333"/>
+                </a:solidFill>
+                <a:effectLst/>
+                <a:latin typeface="inherit"/>
+              </a:rPr>
+              <a:t>},</a:t>
+            </a:r>
+            <a:endParaRPr lang="en-IN" b="0" i="0" dirty="0">
+              <a:solidFill>
+                <a:srgbClr val="000000"/>
+              </a:solidFill>
+              <a:effectLst/>
+              <a:latin typeface="Verdana" panose="020B0604030504040204" pitchFamily="34" charset="0"/>
+            </a:endParaRPr>
+          </a:p>
+          <a:p>
+            <a:pPr algn="l" fontAlgn="base"/>
+            <a:r>
+              <a:rPr lang="en-IN" b="0" i="0" dirty="0">
+                <a:solidFill>
+                  <a:srgbClr val="006FE0"/>
+                </a:solidFill>
+                <a:effectLst/>
+                <a:latin typeface="inherit"/>
+              </a:rPr>
+              <a:t>  </a:t>
+            </a:r>
+            <a:r>
+              <a:rPr lang="en-IN" b="0" i="0" dirty="0">
+                <a:solidFill>
+                  <a:srgbClr val="333333"/>
+                </a:solidFill>
+                <a:effectLst/>
+                <a:latin typeface="inherit"/>
+              </a:rPr>
+              <a:t>{</a:t>
+            </a:r>
+            <a:r>
+              <a:rPr lang="en-IN" b="0" i="0" dirty="0">
+                <a:solidFill>
+                  <a:srgbClr val="006FE0"/>
+                </a:solidFill>
+                <a:effectLst/>
+                <a:latin typeface="inherit"/>
+              </a:rPr>
+              <a:t> </a:t>
+            </a:r>
+            <a:r>
+              <a:rPr lang="en-IN" b="0" i="0" dirty="0">
+                <a:solidFill>
+                  <a:srgbClr val="000000"/>
+                </a:solidFill>
+                <a:effectLst/>
+                <a:latin typeface="inherit"/>
+              </a:rPr>
+              <a:t>path</a:t>
+            </a:r>
+            <a:r>
+              <a:rPr lang="en-IN" b="0" i="0" dirty="0">
+                <a:solidFill>
+                  <a:srgbClr val="333333"/>
+                </a:solidFill>
+                <a:effectLst/>
+                <a:latin typeface="inherit"/>
+              </a:rPr>
+              <a:t>:</a:t>
+            </a:r>
+            <a:r>
+              <a:rPr lang="en-IN" b="0" i="0" dirty="0">
+                <a:solidFill>
+                  <a:srgbClr val="006FE0"/>
+                </a:solidFill>
+                <a:effectLst/>
+                <a:latin typeface="inherit"/>
+              </a:rPr>
+              <a:t> </a:t>
+            </a:r>
+            <a:r>
+              <a:rPr lang="en-IN" b="0" i="0" dirty="0">
+                <a:solidFill>
+                  <a:srgbClr val="DD1144"/>
+                </a:solidFill>
+                <a:effectLst/>
+                <a:latin typeface="inherit"/>
+              </a:rPr>
+              <a:t>'contact'</a:t>
+            </a:r>
+            <a:r>
+              <a:rPr lang="en-IN" b="0" i="0" dirty="0">
+                <a:solidFill>
+                  <a:srgbClr val="333333"/>
+                </a:solidFill>
+                <a:effectLst/>
+                <a:latin typeface="inherit"/>
+              </a:rPr>
+              <a:t>,</a:t>
+            </a:r>
+            <a:r>
+              <a:rPr lang="en-IN" b="0" i="0" dirty="0">
+                <a:solidFill>
+                  <a:srgbClr val="006FE0"/>
+                </a:solidFill>
+                <a:effectLst/>
+                <a:latin typeface="inherit"/>
+              </a:rPr>
+              <a:t> </a:t>
+            </a:r>
+            <a:r>
+              <a:rPr lang="en-IN" b="0" i="0" dirty="0">
+                <a:solidFill>
+                  <a:srgbClr val="000000"/>
+                </a:solidFill>
+                <a:effectLst/>
+                <a:latin typeface="inherit"/>
+              </a:rPr>
+              <a:t>component</a:t>
+            </a:r>
+            <a:r>
+              <a:rPr lang="en-IN" b="0" i="0" dirty="0">
+                <a:solidFill>
+                  <a:srgbClr val="333333"/>
+                </a:solidFill>
+                <a:effectLst/>
+                <a:latin typeface="inherit"/>
+              </a:rPr>
+              <a:t>:</a:t>
+            </a:r>
+            <a:r>
+              <a:rPr lang="en-IN" b="0" i="0" dirty="0">
+                <a:solidFill>
+                  <a:srgbClr val="006FE0"/>
+                </a:solidFill>
+                <a:effectLst/>
+                <a:latin typeface="inherit"/>
+              </a:rPr>
+              <a:t> </a:t>
+            </a:r>
+            <a:r>
+              <a:rPr lang="en-IN" b="0" i="0" dirty="0" err="1">
+                <a:solidFill>
+                  <a:srgbClr val="000000"/>
+                </a:solidFill>
+                <a:effectLst/>
+                <a:latin typeface="inherit"/>
+              </a:rPr>
+              <a:t>ContactComponent</a:t>
+            </a:r>
+            <a:r>
+              <a:rPr lang="en-IN" b="0" i="0" dirty="0">
+                <a:solidFill>
+                  <a:srgbClr val="006FE0"/>
+                </a:solidFill>
+                <a:effectLst/>
+                <a:latin typeface="inherit"/>
+              </a:rPr>
+              <a:t> </a:t>
+            </a:r>
+            <a:r>
+              <a:rPr lang="en-IN" b="0" i="0" dirty="0">
+                <a:solidFill>
+                  <a:srgbClr val="333333"/>
+                </a:solidFill>
+                <a:effectLst/>
+                <a:latin typeface="inherit"/>
+              </a:rPr>
+              <a:t>},</a:t>
+            </a:r>
+            <a:endParaRPr lang="en-IN" b="0" i="0" dirty="0">
+              <a:solidFill>
+                <a:srgbClr val="000000"/>
+              </a:solidFill>
+              <a:effectLst/>
+              <a:latin typeface="Verdana" panose="020B0604030504040204" pitchFamily="34" charset="0"/>
+            </a:endParaRPr>
+          </a:p>
+          <a:p>
+            <a:pPr algn="l" fontAlgn="base"/>
+            <a:r>
+              <a:rPr lang="en-IN" b="0" i="0" dirty="0">
+                <a:solidFill>
+                  <a:srgbClr val="006FE0"/>
+                </a:solidFill>
+                <a:effectLst/>
+                <a:latin typeface="inherit"/>
+              </a:rPr>
+              <a:t>  </a:t>
+            </a:r>
+            <a:r>
+              <a:rPr lang="en-IN" b="0" i="0" dirty="0">
+                <a:solidFill>
+                  <a:srgbClr val="333333"/>
+                </a:solidFill>
+                <a:effectLst/>
+                <a:latin typeface="inherit"/>
+              </a:rPr>
+              <a:t>{</a:t>
+            </a:r>
+            <a:r>
+              <a:rPr lang="en-IN" b="0" i="0" dirty="0">
+                <a:solidFill>
+                  <a:srgbClr val="006FE0"/>
+                </a:solidFill>
+                <a:effectLst/>
+                <a:latin typeface="inherit"/>
+              </a:rPr>
+              <a:t> </a:t>
+            </a:r>
+            <a:r>
+              <a:rPr lang="en-IN" b="0" i="0" dirty="0">
+                <a:solidFill>
+                  <a:srgbClr val="000000"/>
+                </a:solidFill>
+                <a:effectLst/>
+                <a:latin typeface="inherit"/>
+              </a:rPr>
+              <a:t>path</a:t>
+            </a:r>
+            <a:r>
+              <a:rPr lang="en-IN" b="0" i="0" dirty="0">
+                <a:solidFill>
+                  <a:srgbClr val="333333"/>
+                </a:solidFill>
+                <a:effectLst/>
+                <a:latin typeface="inherit"/>
+              </a:rPr>
+              <a:t>:</a:t>
+            </a:r>
+            <a:r>
+              <a:rPr lang="en-IN" b="0" i="0" dirty="0">
+                <a:solidFill>
+                  <a:srgbClr val="006FE0"/>
+                </a:solidFill>
+                <a:effectLst/>
+                <a:latin typeface="inherit"/>
+              </a:rPr>
+              <a:t> </a:t>
+            </a:r>
+            <a:r>
+              <a:rPr lang="en-IN" b="0" i="0" dirty="0">
+                <a:solidFill>
+                  <a:srgbClr val="DD1144"/>
+                </a:solidFill>
+                <a:effectLst/>
+                <a:latin typeface="inherit"/>
+              </a:rPr>
+              <a:t>'product'</a:t>
+            </a:r>
+            <a:r>
+              <a:rPr lang="en-IN" b="0" i="0" dirty="0">
+                <a:solidFill>
+                  <a:srgbClr val="333333"/>
+                </a:solidFill>
+                <a:effectLst/>
+                <a:latin typeface="inherit"/>
+              </a:rPr>
+              <a:t>,</a:t>
+            </a:r>
+            <a:r>
+              <a:rPr lang="en-IN" b="0" i="0" dirty="0">
+                <a:solidFill>
+                  <a:srgbClr val="006FE0"/>
+                </a:solidFill>
+                <a:effectLst/>
+                <a:latin typeface="inherit"/>
+              </a:rPr>
+              <a:t> </a:t>
+            </a:r>
+            <a:r>
+              <a:rPr lang="en-IN" b="0" i="0" dirty="0">
+                <a:solidFill>
+                  <a:srgbClr val="000000"/>
+                </a:solidFill>
+                <a:effectLst/>
+                <a:latin typeface="inherit"/>
+              </a:rPr>
+              <a:t>component</a:t>
+            </a:r>
+            <a:r>
+              <a:rPr lang="en-IN" b="0" i="0" dirty="0">
+                <a:solidFill>
+                  <a:srgbClr val="333333"/>
+                </a:solidFill>
+                <a:effectLst/>
+                <a:latin typeface="inherit"/>
+              </a:rPr>
+              <a:t>:</a:t>
+            </a:r>
+            <a:r>
+              <a:rPr lang="en-IN" b="0" i="0" dirty="0">
+                <a:solidFill>
+                  <a:srgbClr val="006FE0"/>
+                </a:solidFill>
+                <a:effectLst/>
+                <a:latin typeface="inherit"/>
+              </a:rPr>
+              <a:t> </a:t>
+            </a:r>
+            <a:r>
+              <a:rPr lang="en-IN" b="0" i="0" dirty="0" err="1">
+                <a:solidFill>
+                  <a:srgbClr val="000000"/>
+                </a:solidFill>
+                <a:effectLst/>
+                <a:latin typeface="inherit"/>
+              </a:rPr>
+              <a:t>ProductComponent</a:t>
+            </a:r>
+            <a:r>
+              <a:rPr lang="en-IN" b="0" i="0" dirty="0">
+                <a:solidFill>
+                  <a:srgbClr val="006FE0"/>
+                </a:solidFill>
+                <a:effectLst/>
+                <a:latin typeface="inherit"/>
+              </a:rPr>
+              <a:t> </a:t>
+            </a:r>
+            <a:r>
+              <a:rPr lang="en-IN" b="0" i="0" dirty="0">
+                <a:solidFill>
+                  <a:srgbClr val="333333"/>
+                </a:solidFill>
+                <a:effectLst/>
+                <a:latin typeface="inherit"/>
+              </a:rPr>
+              <a:t>},</a:t>
+            </a:r>
+            <a:endParaRPr lang="en-IN" b="0" i="0" dirty="0">
+              <a:solidFill>
+                <a:srgbClr val="000000"/>
+              </a:solidFill>
+              <a:effectLst/>
+              <a:latin typeface="Verdana" panose="020B0604030504040204" pitchFamily="34" charset="0"/>
+            </a:endParaRPr>
+          </a:p>
+          <a:p>
+            <a:pPr algn="l" fontAlgn="base"/>
+            <a:r>
+              <a:rPr lang="en-IN" b="0" i="0" dirty="0">
+                <a:solidFill>
+                  <a:srgbClr val="006FE0"/>
+                </a:solidFill>
+                <a:effectLst/>
+                <a:latin typeface="inherit"/>
+              </a:rPr>
+              <a:t>   </a:t>
+            </a:r>
+            <a:r>
+              <a:rPr lang="en-IN" b="0" i="0" dirty="0">
+                <a:solidFill>
+                  <a:srgbClr val="333333"/>
+                </a:solidFill>
+                <a:effectLst/>
+                <a:latin typeface="inherit"/>
+              </a:rPr>
+              <a:t>{</a:t>
+            </a:r>
+            <a:r>
+              <a:rPr lang="en-IN" b="0" i="0" dirty="0">
+                <a:solidFill>
+                  <a:srgbClr val="006FE0"/>
+                </a:solidFill>
+                <a:effectLst/>
+                <a:latin typeface="inherit"/>
+              </a:rPr>
+              <a:t> </a:t>
+            </a:r>
+            <a:r>
+              <a:rPr lang="en-IN" b="0" i="0" dirty="0">
+                <a:solidFill>
+                  <a:srgbClr val="000000"/>
+                </a:solidFill>
+                <a:effectLst/>
+                <a:latin typeface="inherit"/>
+              </a:rPr>
+              <a:t>path</a:t>
+            </a:r>
+            <a:r>
+              <a:rPr lang="en-IN" b="0" i="0" dirty="0">
+                <a:solidFill>
+                  <a:srgbClr val="333333"/>
+                </a:solidFill>
+                <a:effectLst/>
+                <a:latin typeface="inherit"/>
+              </a:rPr>
+              <a:t>:</a:t>
+            </a:r>
+            <a:r>
+              <a:rPr lang="en-IN" b="0" i="0" dirty="0">
+                <a:solidFill>
+                  <a:srgbClr val="006FE0"/>
+                </a:solidFill>
+                <a:effectLst/>
+                <a:latin typeface="inherit"/>
+              </a:rPr>
+              <a:t> </a:t>
+            </a:r>
+            <a:r>
+              <a:rPr lang="en-IN" b="0" i="0" dirty="0">
+                <a:solidFill>
+                  <a:srgbClr val="DD1144"/>
+                </a:solidFill>
+                <a:effectLst/>
+                <a:latin typeface="inherit"/>
+              </a:rPr>
+              <a:t>'**'</a:t>
+            </a:r>
+            <a:r>
+              <a:rPr lang="en-IN" b="0" i="0" dirty="0">
+                <a:solidFill>
+                  <a:srgbClr val="333333"/>
+                </a:solidFill>
+                <a:effectLst/>
+                <a:latin typeface="inherit"/>
+              </a:rPr>
+              <a:t>,</a:t>
+            </a:r>
+            <a:r>
+              <a:rPr lang="en-IN" b="0" i="0" dirty="0">
+                <a:solidFill>
+                  <a:srgbClr val="006FE0"/>
+                </a:solidFill>
+                <a:effectLst/>
+                <a:latin typeface="inherit"/>
+              </a:rPr>
+              <a:t> </a:t>
+            </a:r>
+            <a:r>
+              <a:rPr lang="en-IN" b="0" i="0" dirty="0">
+                <a:solidFill>
+                  <a:srgbClr val="000000"/>
+                </a:solidFill>
+                <a:effectLst/>
+                <a:latin typeface="inherit"/>
+              </a:rPr>
+              <a:t>component</a:t>
+            </a:r>
+            <a:r>
+              <a:rPr lang="en-IN" b="0" i="0" dirty="0">
+                <a:solidFill>
+                  <a:srgbClr val="333333"/>
+                </a:solidFill>
+                <a:effectLst/>
+                <a:latin typeface="inherit"/>
+              </a:rPr>
+              <a:t>:</a:t>
+            </a:r>
+            <a:r>
+              <a:rPr lang="en-IN" b="0" i="0" dirty="0">
+                <a:solidFill>
+                  <a:srgbClr val="006FE0"/>
+                </a:solidFill>
+                <a:effectLst/>
+                <a:latin typeface="inherit"/>
+              </a:rPr>
+              <a:t> </a:t>
+            </a:r>
+            <a:r>
+              <a:rPr lang="en-IN" b="0" i="0" dirty="0" err="1">
+                <a:solidFill>
+                  <a:srgbClr val="000000"/>
+                </a:solidFill>
+                <a:effectLst/>
+                <a:latin typeface="inherit"/>
+              </a:rPr>
+              <a:t>PageNotFoundComponent</a:t>
+            </a:r>
+            <a:r>
+              <a:rPr lang="en-IN" b="0" i="0" dirty="0">
+                <a:solidFill>
+                  <a:srgbClr val="006FE0"/>
+                </a:solidFill>
+                <a:effectLst/>
+                <a:latin typeface="inherit"/>
+              </a:rPr>
+              <a:t> </a:t>
+            </a:r>
+            <a:r>
+              <a:rPr lang="en-IN" b="0" i="0" dirty="0">
+                <a:solidFill>
+                  <a:srgbClr val="333333"/>
+                </a:solidFill>
+                <a:effectLst/>
+                <a:latin typeface="inherit"/>
+              </a:rPr>
+              <a:t>}</a:t>
+            </a:r>
+            <a:endParaRPr lang="en-IN" b="0" i="0" dirty="0">
+              <a:solidFill>
+                <a:srgbClr val="000000"/>
+              </a:solidFill>
+              <a:effectLst/>
+              <a:latin typeface="Verdana" panose="020B0604030504040204" pitchFamily="34" charset="0"/>
+            </a:endParaRPr>
+          </a:p>
+          <a:p>
+            <a:pPr algn="l" fontAlgn="base"/>
+            <a:r>
+              <a:rPr lang="en-IN" b="0" i="0" dirty="0">
+                <a:solidFill>
+                  <a:srgbClr val="333333"/>
+                </a:solidFill>
+                <a:effectLst/>
+                <a:latin typeface="inherit"/>
+              </a:rPr>
+              <a:t>];</a:t>
+            </a:r>
+            <a:endParaRPr lang="en-IN" b="0" i="0" dirty="0">
+              <a:solidFill>
+                <a:srgbClr val="000000"/>
+              </a:solidFill>
+              <a:effectLst/>
+              <a:latin typeface="Verdana" panose="020B0604030504040204" pitchFamily="34" charset="0"/>
+            </a:endParaRPr>
+          </a:p>
+          <a:p>
+            <a:r>
+              <a:rPr lang="en-IN" b="1" i="0" dirty="0">
+                <a:effectLst/>
+                <a:latin typeface="-apple-system"/>
+              </a:rPr>
+              <a:t>Default Route</a:t>
+            </a:r>
+          </a:p>
+          <a:p>
+            <a:r>
+              <a:rPr lang="en-US" b="0" i="0" dirty="0">
+                <a:solidFill>
+                  <a:srgbClr val="333333"/>
+                </a:solidFill>
+                <a:effectLst/>
+                <a:latin typeface="Verdana" panose="020B0604030504040204" pitchFamily="34" charset="0"/>
+              </a:rPr>
+              <a:t>{</a:t>
+            </a:r>
+            <a:r>
+              <a:rPr lang="en-US" b="0" i="0" dirty="0">
+                <a:solidFill>
+                  <a:srgbClr val="006FE0"/>
+                </a:solidFill>
+                <a:effectLst/>
+                <a:latin typeface="Verdana" panose="020B0604030504040204" pitchFamily="34" charset="0"/>
+              </a:rPr>
+              <a:t> </a:t>
+            </a:r>
+            <a:r>
+              <a:rPr lang="en-US" b="0" i="0" dirty="0">
+                <a:solidFill>
+                  <a:srgbClr val="000000"/>
+                </a:solidFill>
+                <a:effectLst/>
+                <a:latin typeface="Verdana" panose="020B0604030504040204" pitchFamily="34" charset="0"/>
+              </a:rPr>
+              <a:t>path</a:t>
+            </a:r>
+            <a:r>
+              <a:rPr lang="en-US" b="0" i="0" dirty="0">
+                <a:solidFill>
+                  <a:srgbClr val="333333"/>
+                </a:solidFill>
+                <a:effectLst/>
+                <a:latin typeface="Verdana" panose="020B0604030504040204" pitchFamily="34" charset="0"/>
+              </a:rPr>
+              <a:t>:</a:t>
+            </a:r>
+            <a:r>
+              <a:rPr lang="en-US" b="0" i="0" dirty="0">
+                <a:solidFill>
+                  <a:srgbClr val="006FE0"/>
+                </a:solidFill>
+                <a:effectLst/>
+                <a:latin typeface="Verdana" panose="020B0604030504040204" pitchFamily="34" charset="0"/>
+              </a:rPr>
+              <a:t> </a:t>
+            </a:r>
+            <a:r>
+              <a:rPr lang="en-US" b="0" i="0" dirty="0">
+                <a:solidFill>
+                  <a:srgbClr val="DD1144"/>
+                </a:solidFill>
+                <a:effectLst/>
+                <a:latin typeface="Verdana" panose="020B0604030504040204" pitchFamily="34" charset="0"/>
+              </a:rPr>
+              <a:t>''</a:t>
+            </a:r>
+            <a:r>
+              <a:rPr lang="en-US" b="0" i="0" dirty="0">
+                <a:solidFill>
+                  <a:srgbClr val="333333"/>
+                </a:solidFill>
+                <a:effectLst/>
+                <a:latin typeface="Verdana" panose="020B0604030504040204" pitchFamily="34" charset="0"/>
+              </a:rPr>
+              <a:t>,</a:t>
+            </a:r>
+            <a:r>
+              <a:rPr lang="en-US" b="0" i="0" dirty="0">
+                <a:solidFill>
+                  <a:srgbClr val="006FE0"/>
+                </a:solidFill>
+                <a:effectLst/>
+                <a:latin typeface="Verdana" panose="020B0604030504040204" pitchFamily="34" charset="0"/>
+              </a:rPr>
+              <a:t> </a:t>
+            </a:r>
+            <a:r>
+              <a:rPr lang="en-US" b="0" i="0" dirty="0" err="1">
+                <a:solidFill>
+                  <a:srgbClr val="000000"/>
+                </a:solidFill>
+                <a:effectLst/>
+                <a:latin typeface="Verdana" panose="020B0604030504040204" pitchFamily="34" charset="0"/>
+              </a:rPr>
+              <a:t>redirectTo</a:t>
+            </a:r>
+            <a:r>
+              <a:rPr lang="en-US" b="0" i="0" dirty="0">
+                <a:solidFill>
+                  <a:srgbClr val="333333"/>
+                </a:solidFill>
+                <a:effectLst/>
+                <a:latin typeface="Verdana" panose="020B0604030504040204" pitchFamily="34" charset="0"/>
+              </a:rPr>
+              <a:t>:</a:t>
+            </a:r>
+            <a:r>
+              <a:rPr lang="en-US" b="0" i="0" dirty="0">
+                <a:solidFill>
+                  <a:srgbClr val="006FE0"/>
+                </a:solidFill>
+                <a:effectLst/>
+                <a:latin typeface="Verdana" panose="020B0604030504040204" pitchFamily="34" charset="0"/>
+              </a:rPr>
+              <a:t> </a:t>
+            </a:r>
+            <a:r>
+              <a:rPr lang="en-US" b="0" i="0" dirty="0">
+                <a:solidFill>
+                  <a:srgbClr val="DD1144"/>
+                </a:solidFill>
+                <a:effectLst/>
+                <a:latin typeface="Verdana" panose="020B0604030504040204" pitchFamily="34" charset="0"/>
+              </a:rPr>
+              <a:t>'home'</a:t>
+            </a:r>
+            <a:r>
+              <a:rPr lang="en-US" b="0" i="0" dirty="0">
+                <a:solidFill>
+                  <a:srgbClr val="333333"/>
+                </a:solidFill>
+                <a:effectLst/>
+                <a:latin typeface="Verdana" panose="020B0604030504040204" pitchFamily="34" charset="0"/>
+              </a:rPr>
+              <a:t>,</a:t>
+            </a:r>
+            <a:r>
+              <a:rPr lang="en-US" b="0" i="0" dirty="0">
+                <a:solidFill>
+                  <a:srgbClr val="006FE0"/>
+                </a:solidFill>
+                <a:effectLst/>
+                <a:latin typeface="Verdana" panose="020B0604030504040204" pitchFamily="34" charset="0"/>
+              </a:rPr>
+              <a:t> </a:t>
+            </a:r>
+            <a:r>
+              <a:rPr lang="en-US" b="0" i="0" dirty="0" err="1">
+                <a:solidFill>
+                  <a:srgbClr val="000000"/>
+                </a:solidFill>
+                <a:effectLst/>
+                <a:latin typeface="Verdana" panose="020B0604030504040204" pitchFamily="34" charset="0"/>
+              </a:rPr>
+              <a:t>pathMatch</a:t>
+            </a:r>
+            <a:r>
+              <a:rPr lang="en-US" b="0" i="0" dirty="0">
+                <a:solidFill>
+                  <a:srgbClr val="333333"/>
+                </a:solidFill>
+                <a:effectLst/>
+                <a:latin typeface="Verdana" panose="020B0604030504040204" pitchFamily="34" charset="0"/>
+              </a:rPr>
+              <a:t>:</a:t>
+            </a:r>
+            <a:r>
+              <a:rPr lang="en-US" b="0" i="0" dirty="0">
+                <a:solidFill>
+                  <a:srgbClr val="006FE0"/>
+                </a:solidFill>
+                <a:effectLst/>
+                <a:latin typeface="Verdana" panose="020B0604030504040204" pitchFamily="34" charset="0"/>
+              </a:rPr>
+              <a:t> </a:t>
+            </a:r>
+            <a:r>
+              <a:rPr lang="en-US" b="0" i="0" dirty="0">
+                <a:solidFill>
+                  <a:srgbClr val="DD1144"/>
+                </a:solidFill>
+                <a:effectLst/>
+                <a:latin typeface="Verdana" panose="020B0604030504040204" pitchFamily="34" charset="0"/>
+              </a:rPr>
+              <a:t>'full'</a:t>
+            </a:r>
+            <a:r>
+              <a:rPr lang="en-US" b="0" i="0" dirty="0">
+                <a:solidFill>
+                  <a:srgbClr val="006FE0"/>
+                </a:solidFill>
+                <a:effectLst/>
+                <a:latin typeface="Verdana" panose="020B0604030504040204" pitchFamily="34" charset="0"/>
+              </a:rPr>
+              <a:t> </a:t>
+            </a:r>
+            <a:r>
+              <a:rPr lang="en-US" b="0" i="0" dirty="0">
+                <a:solidFill>
+                  <a:srgbClr val="333333"/>
+                </a:solidFill>
+                <a:effectLst/>
+                <a:latin typeface="Verdana" panose="020B0604030504040204" pitchFamily="34" charset="0"/>
+              </a:rPr>
+              <a:t>},</a:t>
+            </a:r>
             <a:endParaRPr lang="en-IN" dirty="0"/>
+          </a:p>
+        </p:txBody>
+      </p:sp>
+      <p:sp>
+        <p:nvSpPr>
+          <p:cNvPr id="11" name="TextBox 10">
+            <a:extLst>
+              <a:ext uri="{FF2B5EF4-FFF2-40B4-BE49-F238E27FC236}">
+                <a16:creationId xmlns="" xmlns:a16="http://schemas.microsoft.com/office/drawing/2014/main" id="{9C2DA6BB-B435-426C-98A0-A92492E5861C}"/>
+              </a:ext>
+            </a:extLst>
+          </p:cNvPr>
+          <p:cNvSpPr txBox="1"/>
+          <p:nvPr/>
+        </p:nvSpPr>
+        <p:spPr>
+          <a:xfrm>
+            <a:off x="747942" y="4700950"/>
+            <a:ext cx="10606597" cy="1569660"/>
+          </a:xfrm>
+          <a:prstGeom prst="rect">
+            <a:avLst/>
+          </a:prstGeom>
+          <a:noFill/>
+        </p:spPr>
+        <p:txBody>
+          <a:bodyPr wrap="square">
+            <a:spAutoFit/>
+          </a:bodyPr>
+          <a:lstStyle/>
+          <a:p>
+            <a:r>
+              <a:rPr lang="en-US" sz="2400" b="0" i="0" dirty="0">
+                <a:solidFill>
+                  <a:srgbClr val="000000"/>
+                </a:solidFill>
+                <a:effectLst/>
+                <a:latin typeface="-apple-system"/>
+              </a:rPr>
+              <a:t>The path is empty, indicates the default route. The default route is redirected to the home path using the </a:t>
+            </a:r>
+            <a:r>
+              <a:rPr lang="en-US" sz="2400" b="0" i="0" dirty="0" err="1">
+                <a:solidFill>
+                  <a:srgbClr val="000000"/>
+                </a:solidFill>
+                <a:effectLst/>
+                <a:latin typeface="-apple-system"/>
+              </a:rPr>
+              <a:t>RedirectTo</a:t>
+            </a:r>
+            <a:r>
+              <a:rPr lang="en-US" sz="2400" b="0" i="0" dirty="0">
+                <a:solidFill>
+                  <a:srgbClr val="000000"/>
+                </a:solidFill>
+                <a:effectLst/>
+                <a:latin typeface="-apple-system"/>
+              </a:rPr>
+              <a:t> argument. This route means that, when you navigate to the root of your application /, you are redirected to the home path (/home), which in turn displays the </a:t>
+            </a:r>
+            <a:r>
+              <a:rPr lang="en-US" sz="2400" b="0" i="0" dirty="0" err="1">
+                <a:solidFill>
+                  <a:srgbClr val="000000"/>
+                </a:solidFill>
+                <a:effectLst/>
+                <a:latin typeface="-apple-system"/>
+              </a:rPr>
+              <a:t>HomeComponent</a:t>
+            </a:r>
+            <a:r>
+              <a:rPr lang="en-US" sz="2400" b="0" i="0" dirty="0">
+                <a:solidFill>
+                  <a:srgbClr val="000000"/>
+                </a:solidFill>
+                <a:effectLst/>
+                <a:latin typeface="-apple-system"/>
+              </a:rPr>
+              <a:t>.</a:t>
+            </a:r>
+            <a:endParaRPr lang="en-IN" sz="2400" dirty="0"/>
           </a:p>
         </p:txBody>
       </p:sp>
     </p:spTree>
     <p:extLst>
       <p:ext uri="{BB962C8B-B14F-4D97-AF65-F5344CB8AC3E}">
-        <p14:creationId xmlns:p14="http://schemas.microsoft.com/office/powerpoint/2010/main" val="3978755557"/>
+        <p14:creationId xmlns="" xmlns:p14="http://schemas.microsoft.com/office/powerpoint/2010/main" val="3345784507"/>
       </p:ext>
     </p:extLst>
   </p:cSld>
@@ -10199,7 +10411,7 @@
           <p:cNvPr id="4" name="Title 3">
             <a:extLst>
               <a:ext uri="{FF2B5EF4-FFF2-40B4-BE49-F238E27FC236}">
-                <a16:creationId xmlns:a16="http://schemas.microsoft.com/office/drawing/2014/main" id="{2D78FD26-B56B-4BFF-9136-D99C5D60B7DA}"/>
+                <a16:creationId xmlns="" xmlns:a16="http://schemas.microsoft.com/office/drawing/2014/main" id="{2D78FD26-B56B-4BFF-9136-D99C5D60B7DA}"/>
               </a:ext>
             </a:extLst>
           </p:cNvPr>
@@ -10215,7 +10427,15 @@
           <a:bodyPr/>
           <a:lstStyle/>
           <a:p>
-            <a:endParaRPr lang="en-IN"/>
+            <a:r>
+              <a:rPr lang="en-IN" dirty="0" err="1" smtClean="0"/>
+              <a:t>Programatic</a:t>
+            </a:r>
+            <a:r>
+              <a:rPr lang="en-IN" dirty="0" smtClean="0"/>
+              <a:t> way for Routing</a:t>
+            </a:r>
+            <a:endParaRPr lang="en-IN" dirty="0"/>
           </a:p>
         </p:txBody>
       </p:sp>
@@ -10224,7 +10444,7 @@
           <p:cNvPr id="6" name="Content Placeholder 5">
             <a:extLst>
               <a:ext uri="{FF2B5EF4-FFF2-40B4-BE49-F238E27FC236}">
-                <a16:creationId xmlns:a16="http://schemas.microsoft.com/office/drawing/2014/main" id="{8C19A422-3BA6-44F5-94A2-055C67DF77E0}"/>
+                <a16:creationId xmlns="" xmlns:a16="http://schemas.microsoft.com/office/drawing/2014/main" id="{8C19A422-3BA6-44F5-94A2-055C67DF77E0}"/>
               </a:ext>
             </a:extLst>
           </p:cNvPr>
@@ -10240,6 +10460,498 @@
           <a:bodyPr/>
           <a:lstStyle/>
           <a:p>
+            <a:r>
+              <a:rPr lang="en-IN" dirty="0" smtClean="0"/>
+              <a:t>Navigate()</a:t>
+            </a:r>
+          </a:p>
+          <a:p>
+            <a:r>
+              <a:rPr lang="en-IN" dirty="0" err="1" smtClean="0"/>
+              <a:t>navigateByUrl</a:t>
+            </a:r>
+            <a:r>
+              <a:rPr lang="en-IN" dirty="0" smtClean="0"/>
+              <a:t>()</a:t>
+            </a:r>
+          </a:p>
+          <a:p>
+            <a:pPr>
+              <a:buNone/>
+            </a:pPr>
+            <a:endParaRPr lang="en-IN" dirty="0"/>
+          </a:p>
+        </p:txBody>
+      </p:sp>
+      <p:sp>
+        <p:nvSpPr>
+          <p:cNvPr id="4097" name="Rectangle 1"/>
+          <p:cNvSpPr>
+            <a:spLocks noChangeArrowheads="1"/>
+          </p:cNvSpPr>
+          <p:nvPr/>
+        </p:nvSpPr>
+        <p:spPr bwMode="auto">
+          <a:xfrm>
+            <a:off x="1069675" y="2441275"/>
+            <a:ext cx="7981025" cy="1673525"/>
+          </a:xfrm>
+          <a:prstGeom prst="rect">
+            <a:avLst/>
+          </a:prstGeom>
+          <a:noFill/>
+          <a:ln w="9525">
+            <a:noFill/>
+            <a:miter lim="800000"/>
+            <a:headEnd/>
+            <a:tailEnd/>
+          </a:ln>
+          <a:effectLst/>
+        </p:spPr>
+        <p:txBody>
+          <a:bodyPr vert="horz" wrap="square" lIns="0" tIns="0" rIns="0" bIns="0" numCol="1" anchor="ctr" anchorCtr="0" compatLnSpc="1">
+            <a:prstTxWarp prst="textNoShape">
+              <a:avLst/>
+            </a:prstTxWarp>
+            <a:spAutoFit/>
+          </a:bodyPr>
+          <a:lstStyle/>
+          <a:p>
+            <a:pPr marL="0" marR="0" lvl="0" indent="0" algn="l" defTabSz="914400" rtl="0" eaLnBrk="1" fontAlgn="base" latinLnBrk="0" hangingPunct="1">
+              <a:lnSpc>
+                <a:spcPct val="100000"/>
+              </a:lnSpc>
+              <a:spcBef>
+                <a:spcPct val="0"/>
+              </a:spcBef>
+              <a:spcAft>
+                <a:spcPct val="0"/>
+              </a:spcAft>
+              <a:buClrTx/>
+              <a:buSzTx/>
+              <a:buFontTx/>
+              <a:buNone/>
+              <a:tabLst/>
+            </a:pPr>
+            <a:r>
+              <a:rPr kumimoji="0" lang="en-US" sz="1800" b="0" i="0" u="none" strike="noStrike" cap="none" normalizeH="0" baseline="0" dirty="0" smtClean="0">
+                <a:ln>
+                  <a:noFill/>
+                </a:ln>
+                <a:solidFill>
+                  <a:srgbClr val="000000"/>
+                </a:solidFill>
+                <a:effectLst/>
+                <a:latin typeface="Verdana" pitchFamily="34" charset="0"/>
+                <a:cs typeface="Arial" pitchFamily="34" charset="0"/>
+              </a:rPr>
+              <a:t>Sometime, we need to access routing inside the component instead of template. Then, we need to follow below steps −</a:t>
+            </a:r>
+            <a:endParaRPr kumimoji="0" lang="en-US" sz="1800" b="0" i="0" u="none" strike="noStrike" cap="none" normalizeH="0" baseline="0" dirty="0" smtClean="0">
+              <a:ln>
+                <a:noFill/>
+              </a:ln>
+              <a:solidFill>
+                <a:schemeClr val="tx1"/>
+              </a:solidFill>
+              <a:effectLst/>
+              <a:latin typeface="Arial" pitchFamily="34" charset="0"/>
+              <a:cs typeface="Arial" pitchFamily="34" charset="0"/>
+            </a:endParaRPr>
+          </a:p>
+          <a:p>
+            <a:pPr marL="0" marR="0" lvl="0" indent="0" algn="l" defTabSz="914400" rtl="0" eaLnBrk="0" fontAlgn="base" latinLnBrk="0" hangingPunct="0">
+              <a:lnSpc>
+                <a:spcPct val="100000"/>
+              </a:lnSpc>
+              <a:spcBef>
+                <a:spcPct val="0"/>
+              </a:spcBef>
+              <a:spcAft>
+                <a:spcPct val="0"/>
+              </a:spcAft>
+              <a:buClrTx/>
+              <a:buSzTx/>
+              <a:buFontTx/>
+              <a:buNone/>
+              <a:tabLst/>
+            </a:pPr>
+            <a:r>
+              <a:rPr kumimoji="0" lang="en-US" sz="1800" b="0" i="0" u="none" strike="noStrike" cap="none" normalizeH="0" baseline="0" dirty="0" smtClean="0">
+                <a:ln>
+                  <a:noFill/>
+                </a:ln>
+                <a:solidFill>
+                  <a:srgbClr val="000000"/>
+                </a:solidFill>
+                <a:effectLst/>
+                <a:latin typeface="Verdana" pitchFamily="34" charset="0"/>
+                <a:cs typeface="Arial" pitchFamily="34" charset="0"/>
+              </a:rPr>
+              <a:t>Inject instance of </a:t>
+            </a:r>
+            <a:r>
+              <a:rPr kumimoji="0" lang="en-US" sz="1800" b="1" i="0" u="none" strike="noStrike" cap="none" normalizeH="0" baseline="0" dirty="0" smtClean="0">
+                <a:ln>
+                  <a:noFill/>
+                </a:ln>
+                <a:solidFill>
+                  <a:srgbClr val="000000"/>
+                </a:solidFill>
+                <a:effectLst/>
+                <a:latin typeface="inherit"/>
+                <a:cs typeface="Arial" pitchFamily="34" charset="0"/>
+              </a:rPr>
+              <a:t>Router</a:t>
+            </a:r>
+            <a:r>
+              <a:rPr kumimoji="0" lang="en-US" sz="1800" b="0" i="0" u="none" strike="noStrike" cap="none" normalizeH="0" baseline="0" dirty="0" smtClean="0">
+                <a:ln>
+                  <a:noFill/>
+                </a:ln>
+                <a:solidFill>
+                  <a:srgbClr val="000000"/>
+                </a:solidFill>
+                <a:effectLst/>
+                <a:latin typeface="Verdana" pitchFamily="34" charset="0"/>
+                <a:cs typeface="Arial" pitchFamily="34" charset="0"/>
+              </a:rPr>
+              <a:t> and </a:t>
+            </a:r>
+            <a:r>
+              <a:rPr kumimoji="0" lang="en-US" sz="1800" b="1" i="0" u="none" strike="noStrike" cap="none" normalizeH="0" baseline="0" dirty="0" err="1" smtClean="0">
+                <a:ln>
+                  <a:noFill/>
+                </a:ln>
+                <a:solidFill>
+                  <a:srgbClr val="000000"/>
+                </a:solidFill>
+                <a:effectLst/>
+                <a:latin typeface="inherit"/>
+                <a:cs typeface="Arial" pitchFamily="34" charset="0"/>
+              </a:rPr>
+              <a:t>ActivatedRoute</a:t>
+            </a:r>
+            <a:r>
+              <a:rPr kumimoji="0" lang="en-US" sz="1800" b="0" i="0" u="none" strike="noStrike" cap="none" normalizeH="0" baseline="0" dirty="0" smtClean="0">
+                <a:ln>
+                  <a:noFill/>
+                </a:ln>
+                <a:solidFill>
+                  <a:srgbClr val="000000"/>
+                </a:solidFill>
+                <a:effectLst/>
+                <a:latin typeface="Verdana" pitchFamily="34" charset="0"/>
+                <a:cs typeface="Arial" pitchFamily="34" charset="0"/>
+              </a:rPr>
+              <a:t> in the corresponding component.</a:t>
+            </a:r>
+            <a:endParaRPr kumimoji="0" lang="en-US" sz="1100" b="0" i="0" u="none" strike="noStrike" cap="none" normalizeH="0" baseline="0" dirty="0" smtClean="0">
+              <a:ln>
+                <a:noFill/>
+              </a:ln>
+              <a:solidFill>
+                <a:srgbClr val="000000"/>
+              </a:solidFill>
+              <a:effectLst/>
+              <a:latin typeface="inherit"/>
+              <a:cs typeface="Arial" pitchFamily="34" charset="0"/>
+            </a:endParaRPr>
+          </a:p>
+          <a:p>
+            <a:pPr marL="0" marR="0" lvl="0" indent="0" algn="l" defTabSz="914400" rtl="0" eaLnBrk="0" fontAlgn="base" latinLnBrk="0" hangingPunct="0">
+              <a:lnSpc>
+                <a:spcPct val="100000"/>
+              </a:lnSpc>
+              <a:spcBef>
+                <a:spcPct val="0"/>
+              </a:spcBef>
+              <a:spcAft>
+                <a:spcPct val="0"/>
+              </a:spcAft>
+              <a:buClrTx/>
+              <a:buSzTx/>
+              <a:buFontTx/>
+              <a:buNone/>
+              <a:tabLst/>
+            </a:pPr>
+            <a:r>
+              <a:rPr kumimoji="0" lang="en-US" sz="1100" b="0" i="0" u="none" strike="noStrike" cap="none" normalizeH="0" baseline="0" dirty="0" smtClean="0">
+                <a:ln>
+                  <a:noFill/>
+                </a:ln>
+                <a:solidFill>
+                  <a:srgbClr val="000000"/>
+                </a:solidFill>
+                <a:effectLst/>
+                <a:latin typeface="inherit"/>
+                <a:cs typeface="Arial" pitchFamily="34" charset="0"/>
+              </a:rPr>
+              <a:t>import { Router, </a:t>
+            </a:r>
+            <a:r>
+              <a:rPr kumimoji="0" lang="en-US" sz="1100" b="0" i="0" u="none" strike="noStrike" cap="none" normalizeH="0" baseline="0" dirty="0" err="1" smtClean="0">
+                <a:ln>
+                  <a:noFill/>
+                </a:ln>
+                <a:solidFill>
+                  <a:srgbClr val="000000"/>
+                </a:solidFill>
+                <a:effectLst/>
+                <a:latin typeface="inherit"/>
+                <a:cs typeface="Arial" pitchFamily="34" charset="0"/>
+              </a:rPr>
+              <a:t>ActivatedRoute</a:t>
+            </a:r>
+            <a:r>
+              <a:rPr kumimoji="0" lang="en-US" sz="1100" b="0" i="0" u="none" strike="noStrike" cap="none" normalizeH="0" baseline="0" dirty="0" smtClean="0">
+                <a:ln>
+                  <a:noFill/>
+                </a:ln>
+                <a:solidFill>
+                  <a:srgbClr val="000000"/>
+                </a:solidFill>
+                <a:effectLst/>
+                <a:latin typeface="inherit"/>
+                <a:cs typeface="Arial" pitchFamily="34" charset="0"/>
+              </a:rPr>
+              <a:t> } from '@angular/router'; </a:t>
+            </a:r>
+          </a:p>
+          <a:p>
+            <a:pPr marL="0" marR="0" lvl="0" indent="0" algn="l" defTabSz="914400" rtl="0" eaLnBrk="0" fontAlgn="base" latinLnBrk="0" hangingPunct="0">
+              <a:lnSpc>
+                <a:spcPct val="100000"/>
+              </a:lnSpc>
+              <a:spcBef>
+                <a:spcPct val="0"/>
+              </a:spcBef>
+              <a:spcAft>
+                <a:spcPct val="0"/>
+              </a:spcAft>
+              <a:buClrTx/>
+              <a:buSzTx/>
+              <a:buFontTx/>
+              <a:buNone/>
+              <a:tabLst/>
+            </a:pPr>
+            <a:endParaRPr kumimoji="0" lang="en-US" sz="1100" b="0" i="0" u="none" strike="noStrike" cap="none" normalizeH="0" baseline="0" dirty="0" smtClean="0">
+              <a:ln>
+                <a:noFill/>
+              </a:ln>
+              <a:solidFill>
+                <a:srgbClr val="000000"/>
+              </a:solidFill>
+              <a:effectLst/>
+              <a:latin typeface="inherit"/>
+              <a:cs typeface="Arial" pitchFamily="34" charset="0"/>
+            </a:endParaRPr>
+          </a:p>
+          <a:p>
+            <a:pPr marL="0" marR="0" lvl="0" indent="0" algn="l" defTabSz="914400" rtl="0" eaLnBrk="0" fontAlgn="base" latinLnBrk="0" hangingPunct="0">
+              <a:lnSpc>
+                <a:spcPct val="100000"/>
+              </a:lnSpc>
+              <a:spcBef>
+                <a:spcPct val="0"/>
+              </a:spcBef>
+              <a:spcAft>
+                <a:spcPct val="0"/>
+              </a:spcAft>
+              <a:buClrTx/>
+              <a:buSzTx/>
+              <a:buFontTx/>
+              <a:buNone/>
+              <a:tabLst/>
+            </a:pPr>
+            <a:r>
+              <a:rPr kumimoji="0" lang="en-US" sz="1100" b="0" i="0" u="none" strike="noStrike" cap="none" normalizeH="0" baseline="0" dirty="0" smtClean="0">
+                <a:ln>
+                  <a:noFill/>
+                </a:ln>
+                <a:solidFill>
+                  <a:srgbClr val="000000"/>
+                </a:solidFill>
+                <a:effectLst/>
+                <a:latin typeface="inherit"/>
+                <a:cs typeface="Arial" pitchFamily="34" charset="0"/>
+              </a:rPr>
+              <a:t>constructor(private router: Router, private route: </a:t>
+            </a:r>
+            <a:r>
+              <a:rPr kumimoji="0" lang="en-US" sz="1100" b="0" i="0" u="none" strike="noStrike" cap="none" normalizeH="0" baseline="0" dirty="0" err="1" smtClean="0">
+                <a:ln>
+                  <a:noFill/>
+                </a:ln>
+                <a:solidFill>
+                  <a:srgbClr val="000000"/>
+                </a:solidFill>
+                <a:effectLst/>
+                <a:latin typeface="inherit"/>
+                <a:cs typeface="Arial" pitchFamily="34" charset="0"/>
+              </a:rPr>
+              <a:t>ActivatedRoute</a:t>
+            </a:r>
+            <a:r>
+              <a:rPr kumimoji="0" lang="en-US" sz="1100" b="0" i="0" u="none" strike="noStrike" cap="none" normalizeH="0" baseline="0" dirty="0" smtClean="0">
+                <a:ln>
+                  <a:noFill/>
+                </a:ln>
+                <a:solidFill>
+                  <a:srgbClr val="000000"/>
+                </a:solidFill>
+                <a:effectLst/>
+                <a:latin typeface="inherit"/>
+                <a:cs typeface="Arial" pitchFamily="34" charset="0"/>
+              </a:rPr>
+              <a:t>)</a:t>
+            </a:r>
+            <a:r>
+              <a:rPr kumimoji="0" lang="en-US" sz="800" b="0" i="0" u="none" strike="noStrike" cap="none" normalizeH="0" baseline="0" dirty="0" smtClean="0">
+                <a:ln>
+                  <a:noFill/>
+                </a:ln>
+                <a:solidFill>
+                  <a:schemeClr val="tx1"/>
+                </a:solidFill>
+                <a:effectLst/>
+                <a:latin typeface="Arial" pitchFamily="34" charset="0"/>
+                <a:cs typeface="Arial" pitchFamily="34" charset="0"/>
+              </a:rPr>
+              <a:t> </a:t>
+            </a:r>
+            <a:endParaRPr kumimoji="0" lang="en-US" sz="1800" b="0" i="0" u="none" strike="noStrike" cap="none" normalizeH="0" baseline="0" dirty="0" smtClean="0">
+              <a:ln>
+                <a:noFill/>
+              </a:ln>
+              <a:solidFill>
+                <a:schemeClr val="tx1"/>
+              </a:solidFill>
+              <a:effectLst/>
+              <a:latin typeface="Arial" pitchFamily="34" charset="0"/>
+              <a:cs typeface="Arial" pitchFamily="34" charset="0"/>
+            </a:endParaRPr>
+          </a:p>
+        </p:txBody>
+      </p:sp>
+      <p:sp>
+        <p:nvSpPr>
+          <p:cNvPr id="5" name="Rectangle 4"/>
+          <p:cNvSpPr/>
+          <p:nvPr/>
+        </p:nvSpPr>
+        <p:spPr>
+          <a:xfrm>
+            <a:off x="1098430" y="4348038"/>
+            <a:ext cx="6096000" cy="646331"/>
+          </a:xfrm>
+          <a:prstGeom prst="rect">
+            <a:avLst/>
+          </a:prstGeom>
+        </p:spPr>
+        <p:style>
+          <a:lnRef idx="1">
+            <a:schemeClr val="accent4"/>
+          </a:lnRef>
+          <a:fillRef idx="2">
+            <a:schemeClr val="accent4"/>
+          </a:fillRef>
+          <a:effectRef idx="1">
+            <a:schemeClr val="accent4"/>
+          </a:effectRef>
+          <a:fontRef idx="minor">
+            <a:schemeClr val="dk1"/>
+          </a:fontRef>
+        </p:style>
+        <p:txBody>
+          <a:bodyPr>
+            <a:spAutoFit/>
+          </a:bodyPr>
+          <a:lstStyle/>
+          <a:p>
+            <a:r>
+              <a:rPr lang="en-US" b="1" dirty="0" smtClean="0"/>
+              <a:t>Router</a:t>
+            </a:r>
+            <a:r>
+              <a:rPr lang="en-US" dirty="0" smtClean="0"/>
+              <a:t> provides the function to do </a:t>
+            </a:r>
+            <a:r>
+              <a:rPr lang="en-US" b="1" dirty="0" smtClean="0"/>
+              <a:t>routing operations</a:t>
+            </a:r>
+            <a:r>
+              <a:rPr lang="en-US" dirty="0" smtClean="0"/>
+              <a:t>.</a:t>
+            </a:r>
+          </a:p>
+          <a:p>
+            <a:r>
+              <a:rPr lang="en-US" b="1" dirty="0" smtClean="0"/>
+              <a:t>Route</a:t>
+            </a:r>
+            <a:r>
+              <a:rPr lang="en-US" dirty="0" smtClean="0"/>
+              <a:t> refers the current </a:t>
+            </a:r>
+            <a:r>
+              <a:rPr lang="en-US" b="1" dirty="0" smtClean="0"/>
+              <a:t>activate route.</a:t>
+            </a:r>
+            <a:endParaRPr lang="en-US" dirty="0"/>
+          </a:p>
+        </p:txBody>
+      </p:sp>
+      <p:sp>
+        <p:nvSpPr>
+          <p:cNvPr id="7" name="Rectangle 6"/>
+          <p:cNvSpPr/>
+          <p:nvPr/>
+        </p:nvSpPr>
+        <p:spPr>
+          <a:xfrm>
+            <a:off x="1124309" y="5512604"/>
+            <a:ext cx="6096000" cy="646331"/>
+          </a:xfrm>
+          <a:prstGeom prst="rect">
+            <a:avLst/>
+          </a:prstGeom>
+        </p:spPr>
+        <p:style>
+          <a:lnRef idx="1">
+            <a:schemeClr val="accent6"/>
+          </a:lnRef>
+          <a:fillRef idx="2">
+            <a:schemeClr val="accent6"/>
+          </a:fillRef>
+          <a:effectRef idx="1">
+            <a:schemeClr val="accent6"/>
+          </a:effectRef>
+          <a:fontRef idx="minor">
+            <a:schemeClr val="dk1"/>
+          </a:fontRef>
+        </p:style>
+        <p:txBody>
+          <a:bodyPr>
+            <a:spAutoFit/>
+          </a:bodyPr>
+          <a:lstStyle/>
+          <a:p>
+            <a:r>
+              <a:rPr lang="en-US" dirty="0" smtClean="0"/>
+              <a:t>Use router’s navigate function.</a:t>
+            </a:r>
+          </a:p>
+          <a:p>
+            <a:r>
+              <a:rPr lang="en-US" dirty="0" err="1" smtClean="0"/>
+              <a:t>this.router.navigate</a:t>
+            </a:r>
+            <a:r>
+              <a:rPr lang="en-US" dirty="0" smtClean="0"/>
+              <a:t>(['about']);</a:t>
+            </a:r>
             <a:endParaRPr lang="en-IN" dirty="0"/>
           </a:p>
         </p:txBody>
@@ -10247,7 +10959,7 @@
     </p:spTree>
     <p:extLst>
       <p:ext uri="{BB962C8B-B14F-4D97-AF65-F5344CB8AC3E}">
-        <p14:creationId xmlns:p14="http://schemas.microsoft.com/office/powerpoint/2010/main" val="448996191"/>
+        <p14:creationId xmlns="" xmlns:p14="http://schemas.microsoft.com/office/powerpoint/2010/main" val="3978755557"/>
       </p:ext>
     </p:extLst>
   </p:cSld>
@@ -10279,7 +10991,7 @@
           <p:cNvPr id="4" name="Title 3">
             <a:extLst>
               <a:ext uri="{FF2B5EF4-FFF2-40B4-BE49-F238E27FC236}">
-                <a16:creationId xmlns:a16="http://schemas.microsoft.com/office/drawing/2014/main" id="{6A7E5E61-13E2-4755-865D-C70C8D050323}"/>
+                <a16:creationId xmlns="" xmlns:a16="http://schemas.microsoft.com/office/drawing/2014/main" id="{2D78FD26-B56B-4BFF-9136-D99C5D60B7DA}"/>
               </a:ext>
             </a:extLst>
           </p:cNvPr>
@@ -10296,18 +11008,27 @@
           <a:lstStyle/>
           <a:p>
             <a:r>
-              <a:rPr lang="en-US" dirty="0"/>
-              <a:t>Thank You</a:t>
-            </a:r>
-          </a:p>
-        </p:txBody>
-      </p:sp>
-      <p:sp>
-        <p:nvSpPr>
-          <p:cNvPr id="5" name="Text Placeholder 4">
-            <a:extLst>
-              <a:ext uri="{FF2B5EF4-FFF2-40B4-BE49-F238E27FC236}">
-                <a16:creationId xmlns:a16="http://schemas.microsoft.com/office/drawing/2014/main" id="{FEA8CE66-7498-4D1A-B413-025DF799C0EE}"/>
+              <a:rPr lang="en-IN" b="1" dirty="0" smtClean="0">
+                <a:solidFill>
+                  <a:schemeClr val="accent1"/>
+                </a:solidFill>
+              </a:rPr>
+              <a:t>navigate :expects route an Array</a:t>
+            </a:r>
+            <a:r>
+              <a:rPr lang="en-IN" dirty="0" smtClean="0"/>
+              <a:t>:</a:t>
+            </a:r>
+            <a:endParaRPr lang="en-IN" dirty="0"/>
+          </a:p>
+        </p:txBody>
+      </p:sp>
+      <p:sp>
+        <p:nvSpPr>
+          <p:cNvPr id="6" name="Content Placeholder 5">
+            <a:extLst>
+              <a:ext uri="{FF2B5EF4-FFF2-40B4-BE49-F238E27FC236}">
+                <a16:creationId xmlns="" xmlns:a16="http://schemas.microsoft.com/office/drawing/2014/main" id="{8C19A422-3BA6-44F5-94A2-055C67DF77E0}"/>
               </a:ext>
             </a:extLst>
           </p:cNvPr>
@@ -10315,22 +11036,506 @@
             <a:spLocks noGrp="1"/>
           </p:cNvSpPr>
           <p:nvPr>
-            <p:ph type="body" idx="1"/>
+            <p:ph idx="1"/>
           </p:nvPr>
         </p:nvSpPr>
-        <p:spPr/>
+        <p:spPr>
+          <a:xfrm>
+            <a:off x="726724" y="1253331"/>
+            <a:ext cx="11039452" cy="2361137"/>
+          </a:xfrm>
+        </p:spPr>
         <p:txBody>
           <a:bodyPr/>
           <a:lstStyle/>
           <a:p>
-            <a:endParaRPr lang="en-US"/>
+            <a:r>
+              <a:rPr lang="en-US" b="1" dirty="0" smtClean="0"/>
+              <a:t>navigate</a:t>
+            </a:r>
+            <a:r>
+              <a:rPr lang="en-US" dirty="0" smtClean="0"/>
+              <a:t> function expects an array with necessary path information.</a:t>
+            </a:r>
+          </a:p>
+          <a:p>
+            <a:r>
+              <a:rPr lang="en-US" dirty="0" smtClean="0"/>
+              <a:t>Using relative path</a:t>
+            </a:r>
+          </a:p>
+          <a:p>
+            <a:r>
+              <a:rPr lang="en-US" dirty="0" smtClean="0"/>
+              <a:t>Route path is similar to web page URL and it supports relative path as well. To access </a:t>
+            </a:r>
+            <a:r>
+              <a:rPr lang="en-US" b="1" dirty="0" err="1" smtClean="0"/>
+              <a:t>AboutComponent</a:t>
+            </a:r>
+            <a:r>
+              <a:rPr lang="en-US" dirty="0" smtClean="0"/>
+              <a:t> from another component, say </a:t>
+            </a:r>
+            <a:r>
+              <a:rPr lang="en-US" b="1" dirty="0" err="1" smtClean="0"/>
+              <a:t>HomePageComponent</a:t>
+            </a:r>
+            <a:r>
+              <a:rPr lang="en-US" dirty="0" smtClean="0"/>
+              <a:t>, simple use .. notation as in web </a:t>
+            </a:r>
+            <a:r>
+              <a:rPr lang="en-US" dirty="0" err="1" smtClean="0"/>
+              <a:t>url</a:t>
+            </a:r>
+            <a:r>
+              <a:rPr lang="en-US" dirty="0" smtClean="0"/>
+              <a:t> or folder path.</a:t>
+            </a:r>
+          </a:p>
+          <a:p>
+            <a:endParaRPr lang="en-IN" dirty="0"/>
+          </a:p>
+        </p:txBody>
+      </p:sp>
+      <p:sp>
+        <p:nvSpPr>
+          <p:cNvPr id="3073" name="Rectangle 1"/>
+          <p:cNvSpPr>
+            <a:spLocks noChangeArrowheads="1"/>
+          </p:cNvSpPr>
+          <p:nvPr/>
+        </p:nvSpPr>
+        <p:spPr bwMode="auto">
+          <a:xfrm>
+            <a:off x="1155939" y="3881887"/>
+            <a:ext cx="6314535" cy="307777"/>
+          </a:xfrm>
+          <a:prstGeom prst="rect">
+            <a:avLst/>
+          </a:prstGeom>
+          <a:ln>
+            <a:headEnd/>
+            <a:tailEnd/>
+          </a:ln>
+        </p:spPr>
+        <p:style>
+          <a:lnRef idx="1">
+            <a:schemeClr val="accent6"/>
+          </a:lnRef>
+          <a:fillRef idx="2">
+            <a:schemeClr val="accent6"/>
+          </a:fillRef>
+          <a:effectRef idx="1">
+            <a:schemeClr val="accent6"/>
+          </a:effectRef>
+          <a:fontRef idx="minor">
+            <a:schemeClr val="dk1"/>
+          </a:fontRef>
+        </p:style>
+        <p:txBody>
+          <a:bodyPr vert="horz" wrap="square" lIns="91440" tIns="45720" rIns="91440" bIns="45720" numCol="1" anchor="ctr" anchorCtr="0" compatLnSpc="1">
+            <a:prstTxWarp prst="textNoShape">
+              <a:avLst/>
+            </a:prstTxWarp>
+            <a:spAutoFit/>
+          </a:bodyPr>
+          <a:lstStyle/>
+          <a:p>
+            <a:pPr marL="0" marR="0" lvl="0" indent="0" algn="l" defTabSz="914400" rtl="0" eaLnBrk="1" fontAlgn="base" latinLnBrk="0" hangingPunct="1">
+              <a:lnSpc>
+                <a:spcPct val="100000"/>
+              </a:lnSpc>
+              <a:spcBef>
+                <a:spcPct val="0"/>
+              </a:spcBef>
+              <a:spcAft>
+                <a:spcPct val="0"/>
+              </a:spcAft>
+              <a:buClrTx/>
+              <a:buSzTx/>
+              <a:buFontTx/>
+              <a:buNone/>
+              <a:tabLst/>
+            </a:pPr>
+            <a:r>
+              <a:rPr kumimoji="0" lang="en-US" sz="1400" b="0" i="0" u="none" strike="noStrike" cap="none" normalizeH="0" baseline="0" dirty="0" smtClean="0">
+                <a:ln>
+                  <a:noFill/>
+                </a:ln>
+                <a:solidFill>
+                  <a:srgbClr val="000000"/>
+                </a:solidFill>
+                <a:effectLst/>
+                <a:latin typeface="inherit"/>
+                <a:cs typeface="Arial" pitchFamily="34" charset="0"/>
+              </a:rPr>
+              <a:t>&lt;a </a:t>
+            </a:r>
+            <a:r>
+              <a:rPr kumimoji="0" lang="en-US" sz="1400" b="0" i="0" u="none" strike="noStrike" cap="none" normalizeH="0" baseline="0" dirty="0" err="1" smtClean="0">
+                <a:ln>
+                  <a:noFill/>
+                </a:ln>
+                <a:solidFill>
+                  <a:srgbClr val="000000"/>
+                </a:solidFill>
+                <a:effectLst/>
+                <a:latin typeface="inherit"/>
+                <a:cs typeface="Arial" pitchFamily="34" charset="0"/>
+              </a:rPr>
+              <a:t>routerLink</a:t>
+            </a:r>
+            <a:r>
+              <a:rPr kumimoji="0" lang="en-US" sz="1400" b="0" i="0" u="none" strike="noStrike" cap="none" normalizeH="0" baseline="0" dirty="0" smtClean="0">
+                <a:ln>
+                  <a:noFill/>
+                </a:ln>
+                <a:solidFill>
+                  <a:srgbClr val="000000"/>
+                </a:solidFill>
+                <a:effectLst/>
+                <a:latin typeface="inherit"/>
+                <a:cs typeface="Arial" pitchFamily="34" charset="0"/>
+              </a:rPr>
+              <a:t>="../about"&gt;Relative Route to about component&lt;/a&gt;</a:t>
+            </a:r>
+            <a:r>
+              <a:rPr kumimoji="0" lang="en-US" sz="1400" b="0" i="0" u="none" strike="noStrike" cap="none" normalizeH="0" baseline="0" dirty="0" smtClean="0">
+                <a:ln>
+                  <a:noFill/>
+                </a:ln>
+                <a:solidFill>
+                  <a:schemeClr val="tx1"/>
+                </a:solidFill>
+                <a:effectLst/>
+                <a:latin typeface="Arial" pitchFamily="34" charset="0"/>
+                <a:cs typeface="Arial" pitchFamily="34" charset="0"/>
+              </a:rPr>
+              <a:t> </a:t>
+            </a:r>
+          </a:p>
+        </p:txBody>
+      </p:sp>
+      <p:sp>
+        <p:nvSpPr>
+          <p:cNvPr id="3074" name="Rectangle 2"/>
+          <p:cNvSpPr>
+            <a:spLocks noChangeArrowheads="1"/>
+          </p:cNvSpPr>
+          <p:nvPr/>
+        </p:nvSpPr>
+        <p:spPr bwMode="auto">
+          <a:xfrm>
+            <a:off x="1190445" y="4796286"/>
+            <a:ext cx="6814868" cy="877163"/>
+          </a:xfrm>
+          <a:prstGeom prst="rect">
+            <a:avLst/>
+          </a:prstGeom>
+          <a:ln>
+            <a:headEnd/>
+            <a:tailEnd/>
+          </a:ln>
+        </p:spPr>
+        <p:style>
+          <a:lnRef idx="3">
+            <a:schemeClr val="lt1"/>
+          </a:lnRef>
+          <a:fillRef idx="1">
+            <a:schemeClr val="accent2"/>
+          </a:fillRef>
+          <a:effectRef idx="1">
+            <a:schemeClr val="accent2"/>
+          </a:effectRef>
+          <a:fontRef idx="minor">
+            <a:schemeClr val="lt1"/>
+          </a:fontRef>
+        </p:style>
+        <p:txBody>
+          <a:bodyPr vert="horz" wrap="square" lIns="91440" tIns="45720" rIns="91440" bIns="45720" numCol="1" anchor="ctr" anchorCtr="0" compatLnSpc="1">
+            <a:prstTxWarp prst="textNoShape">
+              <a:avLst/>
+            </a:prstTxWarp>
+            <a:spAutoFit/>
+          </a:bodyPr>
+          <a:lstStyle/>
+          <a:p>
+            <a:pPr marL="0" marR="0" lvl="0" indent="0" algn="l" defTabSz="914400" rtl="0" eaLnBrk="1" fontAlgn="base" latinLnBrk="0" hangingPunct="1">
+              <a:lnSpc>
+                <a:spcPct val="100000"/>
+              </a:lnSpc>
+              <a:spcBef>
+                <a:spcPct val="0"/>
+              </a:spcBef>
+              <a:spcAft>
+                <a:spcPct val="0"/>
+              </a:spcAft>
+              <a:buClrTx/>
+              <a:buSzTx/>
+              <a:buFontTx/>
+              <a:buNone/>
+              <a:tabLst/>
+            </a:pPr>
+            <a:r>
+              <a:rPr kumimoji="0" lang="en-US" sz="1800" b="0" i="0" u="none" strike="noStrike" cap="none" normalizeH="0" baseline="0" dirty="0" smtClean="0">
+                <a:ln>
+                  <a:noFill/>
+                </a:ln>
+                <a:solidFill>
+                  <a:srgbClr val="000000"/>
+                </a:solidFill>
+                <a:effectLst/>
+                <a:latin typeface="Verdana" pitchFamily="34" charset="0"/>
+                <a:cs typeface="Arial" pitchFamily="34" charset="0"/>
+              </a:rPr>
+              <a:t>To access relative path in the component −</a:t>
+            </a:r>
+            <a:endParaRPr kumimoji="0" lang="en-US" sz="1100" b="0" i="0" u="none" strike="noStrike" cap="none" normalizeH="0" baseline="0" dirty="0" smtClean="0">
+              <a:ln>
+                <a:noFill/>
+              </a:ln>
+              <a:solidFill>
+                <a:srgbClr val="000000"/>
+              </a:solidFill>
+              <a:effectLst/>
+              <a:latin typeface="inherit"/>
+              <a:cs typeface="Arial" pitchFamily="34" charset="0"/>
+            </a:endParaRPr>
+          </a:p>
+          <a:p>
+            <a:pPr marL="0" marR="0" lvl="0" indent="0" algn="l" defTabSz="914400" rtl="0" eaLnBrk="0" fontAlgn="base" latinLnBrk="0" hangingPunct="0">
+              <a:lnSpc>
+                <a:spcPct val="100000"/>
+              </a:lnSpc>
+              <a:spcBef>
+                <a:spcPct val="0"/>
+              </a:spcBef>
+              <a:spcAft>
+                <a:spcPct val="0"/>
+              </a:spcAft>
+              <a:buClrTx/>
+              <a:buSzTx/>
+              <a:buFontTx/>
+              <a:buNone/>
+              <a:tabLst/>
+            </a:pPr>
+            <a:r>
+              <a:rPr kumimoji="0" lang="en-US" sz="1100" b="0" i="0" u="none" strike="noStrike" cap="none" normalizeH="0" baseline="0" dirty="0" smtClean="0">
+                <a:ln>
+                  <a:noFill/>
+                </a:ln>
+                <a:solidFill>
+                  <a:srgbClr val="000000"/>
+                </a:solidFill>
+                <a:effectLst/>
+                <a:latin typeface="inherit"/>
+                <a:cs typeface="Arial" pitchFamily="34" charset="0"/>
+              </a:rPr>
+              <a:t>import { </a:t>
+            </a:r>
+            <a:r>
+              <a:rPr kumimoji="0" lang="en-US" sz="1100" b="0" i="0" u="none" strike="noStrike" cap="none" normalizeH="0" baseline="0" dirty="0" err="1" smtClean="0">
+                <a:ln>
+                  <a:noFill/>
+                </a:ln>
+                <a:solidFill>
+                  <a:srgbClr val="000000"/>
+                </a:solidFill>
+                <a:effectLst/>
+                <a:latin typeface="inherit"/>
+                <a:cs typeface="Arial" pitchFamily="34" charset="0"/>
+              </a:rPr>
+              <a:t>NavigationExtras</a:t>
+            </a:r>
+            <a:r>
+              <a:rPr kumimoji="0" lang="en-US" sz="1100" b="0" i="0" u="none" strike="noStrike" cap="none" normalizeH="0" baseline="0" dirty="0" smtClean="0">
+                <a:ln>
+                  <a:noFill/>
+                </a:ln>
+                <a:solidFill>
+                  <a:srgbClr val="000000"/>
+                </a:solidFill>
+                <a:effectLst/>
+                <a:latin typeface="inherit"/>
+                <a:cs typeface="Arial" pitchFamily="34" charset="0"/>
+              </a:rPr>
+              <a:t> } from '@angular/router';</a:t>
+            </a:r>
+          </a:p>
+          <a:p>
+            <a:pPr marL="0" marR="0" lvl="0" indent="0" algn="l" defTabSz="914400" rtl="0" eaLnBrk="0" fontAlgn="base" latinLnBrk="0" hangingPunct="0">
+              <a:lnSpc>
+                <a:spcPct val="100000"/>
+              </a:lnSpc>
+              <a:spcBef>
+                <a:spcPct val="0"/>
+              </a:spcBef>
+              <a:spcAft>
+                <a:spcPct val="0"/>
+              </a:spcAft>
+              <a:buClrTx/>
+              <a:buSzTx/>
+              <a:buFontTx/>
+              <a:buNone/>
+              <a:tabLst/>
+            </a:pPr>
+            <a:endParaRPr lang="en-US" sz="1100" dirty="0" smtClean="0">
+              <a:solidFill>
+                <a:srgbClr val="000000"/>
+              </a:solidFill>
+              <a:latin typeface="inherit"/>
+              <a:cs typeface="Arial" pitchFamily="34" charset="0"/>
+            </a:endParaRPr>
+          </a:p>
+          <a:p>
+            <a:pPr marL="0" marR="0" lvl="0" indent="0" algn="l" defTabSz="914400" rtl="0" eaLnBrk="0" fontAlgn="base" latinLnBrk="0" hangingPunct="0">
+              <a:lnSpc>
+                <a:spcPct val="100000"/>
+              </a:lnSpc>
+              <a:spcBef>
+                <a:spcPct val="0"/>
+              </a:spcBef>
+              <a:spcAft>
+                <a:spcPct val="0"/>
+              </a:spcAft>
+              <a:buClrTx/>
+              <a:buSzTx/>
+              <a:buFontTx/>
+              <a:buNone/>
+              <a:tabLst/>
+            </a:pPr>
+            <a:r>
+              <a:rPr kumimoji="0" lang="en-US" sz="1100" b="0" i="0" u="none" strike="noStrike" cap="none" normalizeH="0" baseline="0" dirty="0" smtClean="0">
+                <a:ln>
+                  <a:noFill/>
+                </a:ln>
+                <a:solidFill>
+                  <a:srgbClr val="000000"/>
+                </a:solidFill>
+                <a:effectLst/>
+                <a:latin typeface="inherit"/>
+                <a:cs typeface="Arial" pitchFamily="34" charset="0"/>
+              </a:rPr>
+              <a:t> </a:t>
+            </a:r>
+            <a:r>
+              <a:rPr kumimoji="0" lang="en-US" sz="1100" b="0" i="0" u="none" strike="noStrike" cap="none" normalizeH="0" baseline="0" dirty="0" err="1" smtClean="0">
+                <a:ln>
+                  <a:noFill/>
+                </a:ln>
+                <a:solidFill>
+                  <a:srgbClr val="000000"/>
+                </a:solidFill>
+                <a:effectLst/>
+                <a:latin typeface="inherit"/>
+                <a:cs typeface="Arial" pitchFamily="34" charset="0"/>
+              </a:rPr>
+              <a:t>this.router.navigate</a:t>
+            </a:r>
+            <a:r>
+              <a:rPr kumimoji="0" lang="en-US" sz="1100" b="0" i="0" u="none" strike="noStrike" cap="none" normalizeH="0" baseline="0" dirty="0" smtClean="0">
+                <a:ln>
+                  <a:noFill/>
+                </a:ln>
+                <a:solidFill>
+                  <a:srgbClr val="000000"/>
+                </a:solidFill>
+                <a:effectLst/>
+                <a:latin typeface="inherit"/>
+                <a:cs typeface="Arial" pitchFamily="34" charset="0"/>
+              </a:rPr>
+              <a:t>(['about'], { </a:t>
+            </a:r>
+            <a:r>
+              <a:rPr kumimoji="0" lang="en-US" sz="1100" b="0" i="0" u="none" strike="noStrike" cap="none" normalizeH="0" baseline="0" dirty="0" err="1" smtClean="0">
+                <a:ln>
+                  <a:noFill/>
+                </a:ln>
+                <a:solidFill>
+                  <a:srgbClr val="000000"/>
+                </a:solidFill>
+                <a:effectLst/>
+                <a:latin typeface="inherit"/>
+                <a:cs typeface="Arial" pitchFamily="34" charset="0"/>
+              </a:rPr>
+              <a:t>relativeTo</a:t>
+            </a:r>
+            <a:r>
+              <a:rPr kumimoji="0" lang="en-US" sz="1100" b="0" i="0" u="none" strike="noStrike" cap="none" normalizeH="0" baseline="0" dirty="0" smtClean="0">
+                <a:ln>
+                  <a:noFill/>
+                </a:ln>
+                <a:solidFill>
+                  <a:srgbClr val="000000"/>
+                </a:solidFill>
+                <a:effectLst/>
+                <a:latin typeface="inherit"/>
+                <a:cs typeface="Arial" pitchFamily="34" charset="0"/>
+              </a:rPr>
+              <a:t>: </a:t>
+            </a:r>
+            <a:r>
+              <a:rPr kumimoji="0" lang="en-US" sz="1100" b="0" i="0" u="none" strike="noStrike" cap="none" normalizeH="0" baseline="0" dirty="0" err="1" smtClean="0">
+                <a:ln>
+                  <a:noFill/>
+                </a:ln>
+                <a:solidFill>
+                  <a:srgbClr val="000000"/>
+                </a:solidFill>
+                <a:effectLst/>
+                <a:latin typeface="inherit"/>
+                <a:cs typeface="Arial" pitchFamily="34" charset="0"/>
+              </a:rPr>
+              <a:t>this.route</a:t>
+            </a:r>
+            <a:r>
+              <a:rPr kumimoji="0" lang="en-US" sz="1100" b="0" i="0" u="none" strike="noStrike" cap="none" normalizeH="0" baseline="0" dirty="0" smtClean="0">
+                <a:ln>
+                  <a:noFill/>
+                </a:ln>
+                <a:solidFill>
+                  <a:srgbClr val="000000"/>
+                </a:solidFill>
+                <a:effectLst/>
+                <a:latin typeface="inherit"/>
+                <a:cs typeface="Arial" pitchFamily="34" charset="0"/>
+              </a:rPr>
+              <a:t> });</a:t>
+            </a:r>
+            <a:r>
+              <a:rPr kumimoji="0" lang="en-US" sz="800" b="0" i="0" u="none" strike="noStrike" cap="none" normalizeH="0" baseline="0" dirty="0" smtClean="0">
+                <a:ln>
+                  <a:noFill/>
+                </a:ln>
+                <a:solidFill>
+                  <a:schemeClr val="tx1"/>
+                </a:solidFill>
+                <a:effectLst/>
+                <a:latin typeface="Arial" pitchFamily="34" charset="0"/>
+                <a:cs typeface="Arial" pitchFamily="34" charset="0"/>
+              </a:rPr>
+              <a:t> </a:t>
+            </a:r>
+            <a:endParaRPr kumimoji="0" lang="en-US" sz="1800" b="0" i="0" u="none" strike="noStrike" cap="none" normalizeH="0" baseline="0" dirty="0" smtClean="0">
+              <a:ln>
+                <a:noFill/>
+              </a:ln>
+              <a:solidFill>
+                <a:schemeClr val="tx1"/>
+              </a:solidFill>
+              <a:effectLst/>
+              <a:latin typeface="Arial" pitchFamily="34" charset="0"/>
+              <a:cs typeface="Arial" pitchFamily="34" charset="0"/>
+            </a:endParaRPr>
           </a:p>
         </p:txBody>
       </p:sp>
     </p:spTree>
     <p:extLst>
       <p:ext uri="{BB962C8B-B14F-4D97-AF65-F5344CB8AC3E}">
-        <p14:creationId xmlns:p14="http://schemas.microsoft.com/office/powerpoint/2010/main" val="3749363430"/>
+        <p14:creationId xmlns="" xmlns:p14="http://schemas.microsoft.com/office/powerpoint/2010/main" val="448996191"/>
       </p:ext>
     </p:extLst>
   </p:cSld>
@@ -10383,7 +11588,7 @@
     </a:clrScheme>
     <a:fontScheme name="Office">
       <a:majorFont>
-        <a:latin typeface="Calibri Light" panose="020F0302020204030204"/>
+        <a:latin typeface="Calibri Light"/>
         <a:ea typeface=""/>
         <a:cs typeface=""/>
         <a:font script="Jpan" typeface="游ゴシック Light"/>
@@ -10435,7 +11640,7 @@
         <a:font script="Tfng" typeface="Ebrima"/>
       </a:majorFont>
       <a:minorFont>
-        <a:latin typeface="Calibri" panose="020F0502020204030204"/>
+        <a:latin typeface="Calibri"/>
         <a:ea typeface=""/>
         <a:cs typeface=""/>
         <a:font script="Jpan" typeface="游ゴシック"/>
@@ -10629,7 +11834,7 @@
   <a:extraClrSchemeLst/>
   <a:extLst>
     <a:ext uri="{05A4C25C-085E-4340-85A3-A5531E510DB2}">
-      <thm15:themeFamily xmlns:thm15="http://schemas.microsoft.com/office/thememl/2012/main" name="2018" id="{B0E980CD-A54D-4681-878C-2746A87DC6E5}" vid="{62E40539-E070-47D4-8381-3EBCC8F4FC45}"/>
+      <thm15:themeFamily xmlns="" xmlns:thm15="http://schemas.microsoft.com/office/thememl/2012/main" name="2018" id="{B0E980CD-A54D-4681-878C-2746A87DC6E5}" vid="{62E40539-E070-47D4-8381-3EBCC8F4FC45}"/>
     </a:ext>
   </a:extLst>
 </a:theme>
